--- a/Report/Documentation/Images/figures.pptx
+++ b/Report/Documentation/Images/figures.pptx
@@ -11,6 +11,7 @@
     <p:sldId id="258" r:id="rId5"/>
     <p:sldId id="261" r:id="rId6"/>
     <p:sldId id="259" r:id="rId7"/>
+    <p:sldId id="262" r:id="rId8"/>
   </p:sldIdLst>
   <p:sldSz cx="12192000" cy="6858000"/>
   <p:notesSz cx="6858000" cy="9144000"/>
@@ -3345,7 +3346,7 @@
         </p:nvGrpSpPr>
         <p:grpSpPr>
           <a:xfrm>
-            <a:off x="-274742" y="590549"/>
+            <a:off x="1079787" y="504825"/>
             <a:ext cx="3086581" cy="6353175"/>
             <a:chOff x="4539854" y="133349"/>
             <a:chExt cx="3086581" cy="6353175"/>
@@ -6395,6 +6396,498 @@
 </p:sld>
 </file>
 
+<file path=ppt/slides/slide7.xml><?xml version="1.0" encoding="utf-8"?>
+<p:sld xmlns:a="http://schemas.openxmlformats.org/drawingml/2006/main" xmlns:r="http://schemas.openxmlformats.org/officeDocument/2006/relationships" xmlns:p="http://schemas.openxmlformats.org/presentationml/2006/main">
+  <p:cSld>
+    <p:spTree>
+      <p:nvGrpSpPr>
+        <p:cNvPr id="1" name=""/>
+        <p:cNvGrpSpPr/>
+        <p:nvPr/>
+      </p:nvGrpSpPr>
+      <p:grpSpPr>
+        <a:xfrm>
+          <a:off x="0" y="0"/>
+          <a:ext cx="0" cy="0"/>
+          <a:chOff x="0" y="0"/>
+          <a:chExt cx="0" cy="0"/>
+        </a:xfrm>
+      </p:grpSpPr>
+      <p:sp>
+        <p:nvSpPr>
+          <p:cNvPr id="2" name="Rectangle 1">
+            <a:extLst>
+              <a:ext uri="{FF2B5EF4-FFF2-40B4-BE49-F238E27FC236}">
+                <a16:creationId xmlns:a16="http://schemas.microsoft.com/office/drawing/2014/main" id="{8B40D82E-FE18-B4FE-34A5-969350EE1D4C}"/>
+              </a:ext>
+            </a:extLst>
+          </p:cNvPr>
+          <p:cNvSpPr/>
+          <p:nvPr/>
+        </p:nvSpPr>
+        <p:spPr>
+          <a:xfrm>
+            <a:off x="4282751" y="205274"/>
+            <a:ext cx="3237723" cy="765111"/>
+          </a:xfrm>
+          <a:prstGeom prst="rect">
+            <a:avLst/>
+          </a:prstGeom>
+          <a:solidFill>
+            <a:schemeClr val="bg1"/>
+          </a:solidFill>
+          <a:ln>
+            <a:solidFill>
+              <a:schemeClr val="tx1"/>
+            </a:solidFill>
+          </a:ln>
+        </p:spPr>
+        <p:style>
+          <a:lnRef idx="2">
+            <a:schemeClr val="accent1">
+              <a:shade val="50000"/>
+            </a:schemeClr>
+          </a:lnRef>
+          <a:fillRef idx="1">
+            <a:schemeClr val="accent1"/>
+          </a:fillRef>
+          <a:effectRef idx="0">
+            <a:schemeClr val="accent1"/>
+          </a:effectRef>
+          <a:fontRef idx="minor">
+            <a:schemeClr val="lt1"/>
+          </a:fontRef>
+        </p:style>
+        <p:txBody>
+          <a:bodyPr rtlCol="0" anchor="ctr"/>
+          <a:lstStyle/>
+          <a:p>
+            <a:pPr algn="ctr"/>
+            <a:r>
+              <a:rPr lang="de-DE" dirty="0">
+                <a:solidFill>
+                  <a:schemeClr val="tx1"/>
+                </a:solidFill>
+              </a:rPr>
+              <a:t>Decoding RLE Binary Mask</a:t>
+            </a:r>
+            <a:endParaRPr lang="en-US" dirty="0">
+              <a:solidFill>
+                <a:schemeClr val="tx1"/>
+              </a:solidFill>
+            </a:endParaRPr>
+          </a:p>
+        </p:txBody>
+      </p:sp>
+      <p:sp>
+        <p:nvSpPr>
+          <p:cNvPr id="3" name="Rectangle 2">
+            <a:extLst>
+              <a:ext uri="{FF2B5EF4-FFF2-40B4-BE49-F238E27FC236}">
+                <a16:creationId xmlns:a16="http://schemas.microsoft.com/office/drawing/2014/main" id="{6F21763D-2DCA-B7C3-9B8C-65B6CC1A88B8}"/>
+              </a:ext>
+            </a:extLst>
+          </p:cNvPr>
+          <p:cNvSpPr/>
+          <p:nvPr/>
+        </p:nvSpPr>
+        <p:spPr>
+          <a:xfrm>
+            <a:off x="821094" y="1066800"/>
+            <a:ext cx="3237723" cy="765111"/>
+          </a:xfrm>
+          <a:prstGeom prst="rect">
+            <a:avLst/>
+          </a:prstGeom>
+          <a:solidFill>
+            <a:schemeClr val="bg1"/>
+          </a:solidFill>
+          <a:ln>
+            <a:solidFill>
+              <a:schemeClr val="tx1"/>
+            </a:solidFill>
+          </a:ln>
+        </p:spPr>
+        <p:style>
+          <a:lnRef idx="2">
+            <a:schemeClr val="accent1">
+              <a:shade val="50000"/>
+            </a:schemeClr>
+          </a:lnRef>
+          <a:fillRef idx="1">
+            <a:schemeClr val="accent1"/>
+          </a:fillRef>
+          <a:effectRef idx="0">
+            <a:schemeClr val="accent1"/>
+          </a:effectRef>
+          <a:fontRef idx="minor">
+            <a:schemeClr val="lt1"/>
+          </a:fontRef>
+        </p:style>
+        <p:txBody>
+          <a:bodyPr rtlCol="0" anchor="ctr"/>
+          <a:lstStyle/>
+          <a:p>
+            <a:pPr algn="ctr"/>
+            <a:r>
+              <a:rPr lang="de-DE" dirty="0">
+                <a:solidFill>
+                  <a:schemeClr val="tx1"/>
+                </a:solidFill>
+              </a:rPr>
+              <a:t>Extracting Small Bounding Boxes</a:t>
+            </a:r>
+            <a:endParaRPr lang="en-US" dirty="0">
+              <a:solidFill>
+                <a:schemeClr val="tx1"/>
+              </a:solidFill>
+            </a:endParaRPr>
+          </a:p>
+        </p:txBody>
+      </p:sp>
+      <p:sp>
+        <p:nvSpPr>
+          <p:cNvPr id="4" name="Rectangle 3">
+            <a:extLst>
+              <a:ext uri="{FF2B5EF4-FFF2-40B4-BE49-F238E27FC236}">
+                <a16:creationId xmlns:a16="http://schemas.microsoft.com/office/drawing/2014/main" id="{C772B15D-EBB5-A6D3-9DCA-E79807E35F0A}"/>
+              </a:ext>
+            </a:extLst>
+          </p:cNvPr>
+          <p:cNvSpPr/>
+          <p:nvPr/>
+        </p:nvSpPr>
+        <p:spPr>
+          <a:xfrm>
+            <a:off x="7851709" y="1066800"/>
+            <a:ext cx="3237723" cy="765111"/>
+          </a:xfrm>
+          <a:prstGeom prst="rect">
+            <a:avLst/>
+          </a:prstGeom>
+          <a:solidFill>
+            <a:schemeClr val="bg1"/>
+          </a:solidFill>
+          <a:ln>
+            <a:solidFill>
+              <a:schemeClr val="tx1"/>
+            </a:solidFill>
+          </a:ln>
+        </p:spPr>
+        <p:style>
+          <a:lnRef idx="2">
+            <a:schemeClr val="accent1">
+              <a:shade val="50000"/>
+            </a:schemeClr>
+          </a:lnRef>
+          <a:fillRef idx="1">
+            <a:schemeClr val="accent1"/>
+          </a:fillRef>
+          <a:effectRef idx="0">
+            <a:schemeClr val="accent1"/>
+          </a:effectRef>
+          <a:fontRef idx="minor">
+            <a:schemeClr val="lt1"/>
+          </a:fontRef>
+        </p:style>
+        <p:txBody>
+          <a:bodyPr rtlCol="0" anchor="ctr"/>
+          <a:lstStyle/>
+          <a:p>
+            <a:pPr algn="ctr"/>
+            <a:r>
+              <a:rPr lang="de-DE" dirty="0">
+                <a:solidFill>
+                  <a:schemeClr val="tx1"/>
+                </a:solidFill>
+              </a:rPr>
+              <a:t>Extracting Large Bounding Boxes</a:t>
+            </a:r>
+            <a:endParaRPr lang="en-US" dirty="0">
+              <a:solidFill>
+                <a:schemeClr val="tx1"/>
+              </a:solidFill>
+            </a:endParaRPr>
+          </a:p>
+        </p:txBody>
+      </p:sp>
+      <p:sp>
+        <p:nvSpPr>
+          <p:cNvPr id="5" name="Rectangle 4">
+            <a:extLst>
+              <a:ext uri="{FF2B5EF4-FFF2-40B4-BE49-F238E27FC236}">
+                <a16:creationId xmlns:a16="http://schemas.microsoft.com/office/drawing/2014/main" id="{1113E09E-4E22-8EB0-4042-406BCCDDA373}"/>
+              </a:ext>
+            </a:extLst>
+          </p:cNvPr>
+          <p:cNvSpPr/>
+          <p:nvPr/>
+        </p:nvSpPr>
+        <p:spPr>
+          <a:xfrm>
+            <a:off x="4315406" y="2055844"/>
+            <a:ext cx="3237723" cy="765111"/>
+          </a:xfrm>
+          <a:prstGeom prst="rect">
+            <a:avLst/>
+          </a:prstGeom>
+          <a:solidFill>
+            <a:schemeClr val="bg1"/>
+          </a:solidFill>
+          <a:ln>
+            <a:solidFill>
+              <a:schemeClr val="tx1"/>
+            </a:solidFill>
+          </a:ln>
+        </p:spPr>
+        <p:style>
+          <a:lnRef idx="2">
+            <a:schemeClr val="accent1">
+              <a:shade val="50000"/>
+            </a:schemeClr>
+          </a:lnRef>
+          <a:fillRef idx="1">
+            <a:schemeClr val="accent1"/>
+          </a:fillRef>
+          <a:effectRef idx="0">
+            <a:schemeClr val="accent1"/>
+          </a:effectRef>
+          <a:fontRef idx="minor">
+            <a:schemeClr val="lt1"/>
+          </a:fontRef>
+        </p:style>
+        <p:txBody>
+          <a:bodyPr rtlCol="0" anchor="ctr"/>
+          <a:lstStyle/>
+          <a:p>
+            <a:pPr algn="ctr"/>
+            <a:r>
+              <a:rPr lang="de-DE" dirty="0">
+                <a:solidFill>
+                  <a:schemeClr val="tx1"/>
+                </a:solidFill>
+              </a:rPr>
+              <a:t>Finding Neighboring Plant Sections</a:t>
+            </a:r>
+            <a:endParaRPr lang="en-US" dirty="0">
+              <a:solidFill>
+                <a:schemeClr val="tx1"/>
+              </a:solidFill>
+            </a:endParaRPr>
+          </a:p>
+        </p:txBody>
+      </p:sp>
+      <p:sp>
+        <p:nvSpPr>
+          <p:cNvPr id="6" name="Rectangle 5">
+            <a:extLst>
+              <a:ext uri="{FF2B5EF4-FFF2-40B4-BE49-F238E27FC236}">
+                <a16:creationId xmlns:a16="http://schemas.microsoft.com/office/drawing/2014/main" id="{B03AED21-206D-0275-E425-2E0B833AD0EB}"/>
+              </a:ext>
+            </a:extLst>
+          </p:cNvPr>
+          <p:cNvSpPr/>
+          <p:nvPr/>
+        </p:nvSpPr>
+        <p:spPr>
+          <a:xfrm>
+            <a:off x="4282748" y="3027781"/>
+            <a:ext cx="3237723" cy="765111"/>
+          </a:xfrm>
+          <a:prstGeom prst="rect">
+            <a:avLst/>
+          </a:prstGeom>
+          <a:solidFill>
+            <a:schemeClr val="bg1"/>
+          </a:solidFill>
+          <a:ln>
+            <a:solidFill>
+              <a:schemeClr val="tx1"/>
+            </a:solidFill>
+          </a:ln>
+        </p:spPr>
+        <p:style>
+          <a:lnRef idx="2">
+            <a:schemeClr val="accent1">
+              <a:shade val="50000"/>
+            </a:schemeClr>
+          </a:lnRef>
+          <a:fillRef idx="1">
+            <a:schemeClr val="accent1"/>
+          </a:fillRef>
+          <a:effectRef idx="0">
+            <a:schemeClr val="accent1"/>
+          </a:effectRef>
+          <a:fontRef idx="minor">
+            <a:schemeClr val="lt1"/>
+          </a:fontRef>
+        </p:style>
+        <p:txBody>
+          <a:bodyPr rtlCol="0" anchor="ctr"/>
+          <a:lstStyle/>
+          <a:p>
+            <a:pPr algn="ctr"/>
+            <a:r>
+              <a:rPr lang="de-DE" dirty="0">
+                <a:solidFill>
+                  <a:schemeClr val="tx1"/>
+                </a:solidFill>
+              </a:rPr>
+              <a:t>Removing Identical Neighboring Plant Section Combinations</a:t>
+            </a:r>
+            <a:endParaRPr lang="en-US" dirty="0">
+              <a:solidFill>
+                <a:schemeClr val="tx1"/>
+              </a:solidFill>
+            </a:endParaRPr>
+          </a:p>
+        </p:txBody>
+      </p:sp>
+      <p:sp>
+        <p:nvSpPr>
+          <p:cNvPr id="7" name="Rectangle 6">
+            <a:extLst>
+              <a:ext uri="{FF2B5EF4-FFF2-40B4-BE49-F238E27FC236}">
+                <a16:creationId xmlns:a16="http://schemas.microsoft.com/office/drawing/2014/main" id="{716F0FDE-D7A1-9B53-A035-858028AA17A9}"/>
+              </a:ext>
+            </a:extLst>
+          </p:cNvPr>
+          <p:cNvSpPr/>
+          <p:nvPr/>
+        </p:nvSpPr>
+        <p:spPr>
+          <a:xfrm>
+            <a:off x="4282748" y="4052594"/>
+            <a:ext cx="3237723" cy="765111"/>
+          </a:xfrm>
+          <a:prstGeom prst="rect">
+            <a:avLst/>
+          </a:prstGeom>
+          <a:solidFill>
+            <a:schemeClr val="bg1"/>
+          </a:solidFill>
+          <a:ln>
+            <a:solidFill>
+              <a:schemeClr val="tx1"/>
+            </a:solidFill>
+          </a:ln>
+        </p:spPr>
+        <p:style>
+          <a:lnRef idx="2">
+            <a:schemeClr val="accent1">
+              <a:shade val="50000"/>
+            </a:schemeClr>
+          </a:lnRef>
+          <a:fillRef idx="1">
+            <a:schemeClr val="accent1"/>
+          </a:fillRef>
+          <a:effectRef idx="0">
+            <a:schemeClr val="accent1"/>
+          </a:effectRef>
+          <a:fontRef idx="minor">
+            <a:schemeClr val="lt1"/>
+          </a:fontRef>
+        </p:style>
+        <p:txBody>
+          <a:bodyPr rtlCol="0" anchor="ctr"/>
+          <a:lstStyle/>
+          <a:p>
+            <a:pPr algn="ctr"/>
+            <a:r>
+              <a:rPr lang="de-DE" dirty="0">
+                <a:solidFill>
+                  <a:schemeClr val="tx1"/>
+                </a:solidFill>
+              </a:rPr>
+              <a:t>Line Segments (Feature) Extraction using either Canny, Sobel or LoG</a:t>
+            </a:r>
+            <a:endParaRPr lang="en-US" dirty="0">
+              <a:solidFill>
+                <a:schemeClr val="tx1"/>
+              </a:solidFill>
+            </a:endParaRPr>
+          </a:p>
+        </p:txBody>
+      </p:sp>
+      <p:sp>
+        <p:nvSpPr>
+          <p:cNvPr id="8" name="Rectangle 7">
+            <a:extLst>
+              <a:ext uri="{FF2B5EF4-FFF2-40B4-BE49-F238E27FC236}">
+                <a16:creationId xmlns:a16="http://schemas.microsoft.com/office/drawing/2014/main" id="{F3285953-CEC2-7D8B-70F5-967778C090BD}"/>
+              </a:ext>
+            </a:extLst>
+          </p:cNvPr>
+          <p:cNvSpPr/>
+          <p:nvPr/>
+        </p:nvSpPr>
+        <p:spPr>
+          <a:xfrm>
+            <a:off x="4282747" y="5066510"/>
+            <a:ext cx="3237723" cy="765111"/>
+          </a:xfrm>
+          <a:prstGeom prst="rect">
+            <a:avLst/>
+          </a:prstGeom>
+          <a:solidFill>
+            <a:schemeClr val="bg1"/>
+          </a:solidFill>
+          <a:ln>
+            <a:solidFill>
+              <a:schemeClr val="tx1"/>
+            </a:solidFill>
+          </a:ln>
+        </p:spPr>
+        <p:style>
+          <a:lnRef idx="2">
+            <a:schemeClr val="accent1">
+              <a:shade val="50000"/>
+            </a:schemeClr>
+          </a:lnRef>
+          <a:fillRef idx="1">
+            <a:schemeClr val="accent1"/>
+          </a:fillRef>
+          <a:effectRef idx="0">
+            <a:schemeClr val="accent1"/>
+          </a:effectRef>
+          <a:fontRef idx="minor">
+            <a:schemeClr val="lt1"/>
+          </a:fontRef>
+        </p:style>
+        <p:txBody>
+          <a:bodyPr rtlCol="0" anchor="ctr"/>
+          <a:lstStyle/>
+          <a:p>
+            <a:pPr algn="ctr"/>
+            <a:r>
+              <a:rPr lang="de-DE" dirty="0">
+                <a:solidFill>
+                  <a:schemeClr val="tx1"/>
+                </a:solidFill>
+              </a:rPr>
+              <a:t>Removing Identical Neighboring Plant Section Combinations</a:t>
+            </a:r>
+            <a:endParaRPr lang="en-US" dirty="0">
+              <a:solidFill>
+                <a:schemeClr val="tx1"/>
+              </a:solidFill>
+            </a:endParaRPr>
+          </a:p>
+        </p:txBody>
+      </p:sp>
+    </p:spTree>
+    <p:extLst>
+      <p:ext uri="{BB962C8B-B14F-4D97-AF65-F5344CB8AC3E}">
+        <p14:creationId xmlns:p14="http://schemas.microsoft.com/office/powerpoint/2010/main" val="3173801725"/>
+      </p:ext>
+    </p:extLst>
+  </p:cSld>
+  <p:clrMapOvr>
+    <a:masterClrMapping/>
+  </p:clrMapOvr>
+</p:sld>
+</file>
+
 <file path=ppt/theme/theme1.xml><?xml version="1.0" encoding="utf-8"?>
 <a:theme xmlns:a="http://schemas.openxmlformats.org/drawingml/2006/main" name="Office Theme">
   <a:themeElements>

--- a/Report/Documentation/Images/figures.pptx
+++ b/Report/Documentation/Images/figures.pptx
@@ -12,6 +12,7 @@
     <p:sldId id="261" r:id="rId6"/>
     <p:sldId id="259" r:id="rId7"/>
     <p:sldId id="262" r:id="rId8"/>
+    <p:sldId id="263" r:id="rId9"/>
   </p:sldIdLst>
   <p:sldSz cx="12192000" cy="6858000"/>
   <p:notesSz cx="6858000" cy="9144000"/>
@@ -265,7 +266,7 @@
           <a:p>
             <a:fld id="{10EB2739-34E3-484D-896F-9DEF711C0B4A}" type="datetimeFigureOut">
               <a:rPr lang="en-US" smtClean="0"/>
-              <a:t>5/22/2023</a:t>
+              <a:t>5/23/2023</a:t>
             </a:fld>
             <a:endParaRPr lang="en-US"/>
           </a:p>
@@ -463,7 +464,7 @@
           <a:p>
             <a:fld id="{10EB2739-34E3-484D-896F-9DEF711C0B4A}" type="datetimeFigureOut">
               <a:rPr lang="en-US" smtClean="0"/>
-              <a:t>5/22/2023</a:t>
+              <a:t>5/23/2023</a:t>
             </a:fld>
             <a:endParaRPr lang="en-US"/>
           </a:p>
@@ -671,7 +672,7 @@
           <a:p>
             <a:fld id="{10EB2739-34E3-484D-896F-9DEF711C0B4A}" type="datetimeFigureOut">
               <a:rPr lang="en-US" smtClean="0"/>
-              <a:t>5/22/2023</a:t>
+              <a:t>5/23/2023</a:t>
             </a:fld>
             <a:endParaRPr lang="en-US"/>
           </a:p>
@@ -869,7 +870,7 @@
           <a:p>
             <a:fld id="{10EB2739-34E3-484D-896F-9DEF711C0B4A}" type="datetimeFigureOut">
               <a:rPr lang="en-US" smtClean="0"/>
-              <a:t>5/22/2023</a:t>
+              <a:t>5/23/2023</a:t>
             </a:fld>
             <a:endParaRPr lang="en-US"/>
           </a:p>
@@ -1144,7 +1145,7 @@
           <a:p>
             <a:fld id="{10EB2739-34E3-484D-896F-9DEF711C0B4A}" type="datetimeFigureOut">
               <a:rPr lang="en-US" smtClean="0"/>
-              <a:t>5/22/2023</a:t>
+              <a:t>5/23/2023</a:t>
             </a:fld>
             <a:endParaRPr lang="en-US"/>
           </a:p>
@@ -1409,7 +1410,7 @@
           <a:p>
             <a:fld id="{10EB2739-34E3-484D-896F-9DEF711C0B4A}" type="datetimeFigureOut">
               <a:rPr lang="en-US" smtClean="0"/>
-              <a:t>5/22/2023</a:t>
+              <a:t>5/23/2023</a:t>
             </a:fld>
             <a:endParaRPr lang="en-US"/>
           </a:p>
@@ -1821,7 +1822,7 @@
           <a:p>
             <a:fld id="{10EB2739-34E3-484D-896F-9DEF711C0B4A}" type="datetimeFigureOut">
               <a:rPr lang="en-US" smtClean="0"/>
-              <a:t>5/22/2023</a:t>
+              <a:t>5/23/2023</a:t>
             </a:fld>
             <a:endParaRPr lang="en-US"/>
           </a:p>
@@ -1962,7 +1963,7 @@
           <a:p>
             <a:fld id="{10EB2739-34E3-484D-896F-9DEF711C0B4A}" type="datetimeFigureOut">
               <a:rPr lang="en-US" smtClean="0"/>
-              <a:t>5/22/2023</a:t>
+              <a:t>5/23/2023</a:t>
             </a:fld>
             <a:endParaRPr lang="en-US"/>
           </a:p>
@@ -2075,7 +2076,7 @@
           <a:p>
             <a:fld id="{10EB2739-34E3-484D-896F-9DEF711C0B4A}" type="datetimeFigureOut">
               <a:rPr lang="en-US" smtClean="0"/>
-              <a:t>5/22/2023</a:t>
+              <a:t>5/23/2023</a:t>
             </a:fld>
             <a:endParaRPr lang="en-US"/>
           </a:p>
@@ -2386,7 +2387,7 @@
           <a:p>
             <a:fld id="{10EB2739-34E3-484D-896F-9DEF711C0B4A}" type="datetimeFigureOut">
               <a:rPr lang="en-US" smtClean="0"/>
-              <a:t>5/22/2023</a:t>
+              <a:t>5/23/2023</a:t>
             </a:fld>
             <a:endParaRPr lang="en-US"/>
           </a:p>
@@ -2674,7 +2675,7 @@
           <a:p>
             <a:fld id="{10EB2739-34E3-484D-896F-9DEF711C0B4A}" type="datetimeFigureOut">
               <a:rPr lang="en-US" smtClean="0"/>
-              <a:t>5/22/2023</a:t>
+              <a:t>5/23/2023</a:t>
             </a:fld>
             <a:endParaRPr lang="en-US"/>
           </a:p>
@@ -2915,7 +2916,7 @@
           <a:p>
             <a:fld id="{10EB2739-34E3-484D-896F-9DEF711C0B4A}" type="datetimeFigureOut">
               <a:rPr lang="en-US" smtClean="0"/>
-              <a:t>5/22/2023</a:t>
+              <a:t>5/23/2023</a:t>
             </a:fld>
             <a:endParaRPr lang="en-US"/>
           </a:p>
@@ -3895,7 +3896,7 @@
             <a:noFill/>
             <a:ln w="38100">
               <a:solidFill>
-                <a:srgbClr val="FF0000"/>
+                <a:schemeClr val="bg1"/>
               </a:solidFill>
             </a:ln>
           </p:spPr>
@@ -4452,9 +4453,9 @@
             <a:prstGeom prst="straightConnector1">
               <a:avLst/>
             </a:prstGeom>
-            <a:ln>
+            <a:ln w="12700">
               <a:solidFill>
-                <a:srgbClr val="00B050"/>
+                <a:schemeClr val="bg1"/>
               </a:solidFill>
               <a:tailEnd type="triangle"/>
             </a:ln>
@@ -4540,9 +4541,9 @@
             <a:prstGeom prst="straightConnector1">
               <a:avLst/>
             </a:prstGeom>
-            <a:ln>
+            <a:ln w="12700">
               <a:solidFill>
-                <a:srgbClr val="00B050"/>
+                <a:schemeClr val="bg1"/>
               </a:solidFill>
               <a:tailEnd type="triangle"/>
             </a:ln>
@@ -6413,472 +6414,2342 @@
           <a:chExt cx="0" cy="0"/>
         </a:xfrm>
       </p:grpSpPr>
-      <p:sp>
-        <p:nvSpPr>
-          <p:cNvPr id="2" name="Rectangle 1">
+      <p:grpSp>
+        <p:nvGrpSpPr>
+          <p:cNvPr id="89" name="Group 88">
             <a:extLst>
               <a:ext uri="{FF2B5EF4-FFF2-40B4-BE49-F238E27FC236}">
-                <a16:creationId xmlns:a16="http://schemas.microsoft.com/office/drawing/2014/main" id="{8B40D82E-FE18-B4FE-34A5-969350EE1D4C}"/>
+                <a16:creationId xmlns:a16="http://schemas.microsoft.com/office/drawing/2014/main" id="{F3590D79-66C7-120C-3942-1A6FDC4AF764}"/>
               </a:ext>
             </a:extLst>
           </p:cNvPr>
-          <p:cNvSpPr/>
+          <p:cNvGrpSpPr/>
           <p:nvPr/>
-        </p:nvSpPr>
-        <p:spPr>
+        </p:nvGrpSpPr>
+        <p:grpSpPr>
           <a:xfrm>
-            <a:off x="4282751" y="205274"/>
-            <a:ext cx="3237723" cy="765111"/>
+            <a:off x="-1787520" y="-2307771"/>
+            <a:ext cx="13373552" cy="9419771"/>
+            <a:chOff x="-1787520" y="-2307771"/>
+            <a:chExt cx="13373552" cy="9419771"/>
           </a:xfrm>
-          <a:prstGeom prst="rect">
-            <a:avLst/>
-          </a:prstGeom>
-          <a:solidFill>
-            <a:schemeClr val="bg1"/>
-          </a:solidFill>
-          <a:ln>
+        </p:grpSpPr>
+        <p:sp>
+          <p:nvSpPr>
+            <p:cNvPr id="75" name="Rectangle 74">
+              <a:extLst>
+                <a:ext uri="{FF2B5EF4-FFF2-40B4-BE49-F238E27FC236}">
+                  <a16:creationId xmlns:a16="http://schemas.microsoft.com/office/drawing/2014/main" id="{69753254-BD7C-5E67-1AA6-D89E676AF99F}"/>
+                </a:ext>
+              </a:extLst>
+            </p:cNvPr>
+            <p:cNvSpPr/>
+            <p:nvPr/>
+          </p:nvSpPr>
+          <p:spPr>
+            <a:xfrm>
+              <a:off x="-1776860" y="-2307771"/>
+              <a:ext cx="13362892" cy="9419771"/>
+            </a:xfrm>
+            <a:prstGeom prst="rect">
+              <a:avLst/>
+            </a:prstGeom>
             <a:solidFill>
-              <a:schemeClr val="tx1"/>
+              <a:schemeClr val="bg1"/>
             </a:solidFill>
-          </a:ln>
-        </p:spPr>
-        <p:style>
-          <a:lnRef idx="2">
-            <a:schemeClr val="accent1">
-              <a:shade val="50000"/>
-            </a:schemeClr>
-          </a:lnRef>
-          <a:fillRef idx="1">
-            <a:schemeClr val="accent1"/>
-          </a:fillRef>
-          <a:effectRef idx="0">
-            <a:schemeClr val="accent1"/>
-          </a:effectRef>
-          <a:fontRef idx="minor">
-            <a:schemeClr val="lt1"/>
-          </a:fontRef>
-        </p:style>
-        <p:txBody>
-          <a:bodyPr rtlCol="0" anchor="ctr"/>
-          <a:lstStyle/>
-          <a:p>
-            <a:pPr algn="ctr"/>
-            <a:r>
-              <a:rPr lang="de-DE" dirty="0">
+            <a:ln>
+              <a:noFill/>
+            </a:ln>
+          </p:spPr>
+          <p:style>
+            <a:lnRef idx="2">
+              <a:schemeClr val="accent1">
+                <a:shade val="50000"/>
+              </a:schemeClr>
+            </a:lnRef>
+            <a:fillRef idx="1">
+              <a:schemeClr val="accent1"/>
+            </a:fillRef>
+            <a:effectRef idx="0">
+              <a:schemeClr val="accent1"/>
+            </a:effectRef>
+            <a:fontRef idx="minor">
+              <a:schemeClr val="lt1"/>
+            </a:fontRef>
+          </p:style>
+          <p:txBody>
+            <a:bodyPr rtlCol="0" anchor="ctr"/>
+            <a:lstStyle/>
+            <a:p>
+              <a:pPr algn="ctr"/>
+              <a:endParaRPr lang="en-US" sz="2000"/>
+            </a:p>
+          </p:txBody>
+        </p:sp>
+        <p:grpSp>
+          <p:nvGrpSpPr>
+            <p:cNvPr id="74" name="Group 73">
+              <a:extLst>
+                <a:ext uri="{FF2B5EF4-FFF2-40B4-BE49-F238E27FC236}">
+                  <a16:creationId xmlns:a16="http://schemas.microsoft.com/office/drawing/2014/main" id="{BB72337D-97AB-5103-085B-4DD58D13DED9}"/>
+                </a:ext>
+              </a:extLst>
+            </p:cNvPr>
+            <p:cNvGrpSpPr/>
+            <p:nvPr/>
+          </p:nvGrpSpPr>
+          <p:grpSpPr>
+            <a:xfrm>
+              <a:off x="760176" y="-2158355"/>
+              <a:ext cx="10317860" cy="9133457"/>
+              <a:chOff x="683072" y="-2143841"/>
+              <a:chExt cx="10317860" cy="9133457"/>
+            </a:xfrm>
+            <a:solidFill>
+              <a:schemeClr val="bg1"/>
+            </a:solidFill>
+          </p:grpSpPr>
+          <p:sp>
+            <p:nvSpPr>
+              <p:cNvPr id="2" name="Rectangle 1">
+                <a:extLst>
+                  <a:ext uri="{FF2B5EF4-FFF2-40B4-BE49-F238E27FC236}">
+                    <a16:creationId xmlns:a16="http://schemas.microsoft.com/office/drawing/2014/main" id="{8B40D82E-FE18-B4FE-34A5-969350EE1D4C}"/>
+                  </a:ext>
+                </a:extLst>
+              </p:cNvPr>
+              <p:cNvSpPr/>
+              <p:nvPr/>
+            </p:nvSpPr>
+            <p:spPr>
+              <a:xfrm>
+                <a:off x="4181859" y="-812010"/>
+                <a:ext cx="3237723" cy="366226"/>
+              </a:xfrm>
+              <a:prstGeom prst="rect">
+                <a:avLst/>
+              </a:prstGeom>
+              <a:grpFill/>
+              <a:ln w="19050">
                 <a:solidFill>
                   <a:schemeClr val="tx1"/>
                 </a:solidFill>
-              </a:rPr>
-              <a:t>Decoding RLE Binary Mask</a:t>
-            </a:r>
-            <a:endParaRPr lang="en-US" dirty="0">
+              </a:ln>
+            </p:spPr>
+            <p:style>
+              <a:lnRef idx="2">
+                <a:schemeClr val="accent1">
+                  <a:shade val="50000"/>
+                </a:schemeClr>
+              </a:lnRef>
+              <a:fillRef idx="1">
+                <a:schemeClr val="accent1"/>
+              </a:fillRef>
+              <a:effectRef idx="0">
+                <a:schemeClr val="accent1"/>
+              </a:effectRef>
+              <a:fontRef idx="minor">
+                <a:schemeClr val="lt1"/>
+              </a:fontRef>
+            </p:style>
+            <p:txBody>
+              <a:bodyPr rtlCol="0" anchor="ctr"/>
+              <a:lstStyle/>
+              <a:p>
+                <a:pPr algn="ctr"/>
+                <a:r>
+                  <a:rPr lang="de-DE" sz="1200" dirty="0">
+                    <a:solidFill>
+                      <a:schemeClr val="tx1"/>
+                    </a:solidFill>
+                  </a:rPr>
+                  <a:t>Decoding RLE Binary Mask</a:t>
+                </a:r>
+                <a:endParaRPr lang="en-US" sz="1200" dirty="0">
+                  <a:solidFill>
+                    <a:schemeClr val="tx1"/>
+                  </a:solidFill>
+                </a:endParaRPr>
+              </a:p>
+            </p:txBody>
+          </p:sp>
+          <p:sp>
+            <p:nvSpPr>
+              <p:cNvPr id="3" name="Rectangle 2">
+                <a:extLst>
+                  <a:ext uri="{FF2B5EF4-FFF2-40B4-BE49-F238E27FC236}">
+                    <a16:creationId xmlns:a16="http://schemas.microsoft.com/office/drawing/2014/main" id="{6F21763D-2DCA-B7C3-9B8C-65B6CC1A88B8}"/>
+                  </a:ext>
+                </a:extLst>
+              </p:cNvPr>
+              <p:cNvSpPr/>
+              <p:nvPr/>
+            </p:nvSpPr>
+            <p:spPr>
+              <a:xfrm>
+                <a:off x="683072" y="-188945"/>
+                <a:ext cx="3237723" cy="382556"/>
+              </a:xfrm>
+              <a:prstGeom prst="rect">
+                <a:avLst/>
+              </a:prstGeom>
+              <a:grpFill/>
+              <a:ln w="19050">
+                <a:solidFill>
+                  <a:schemeClr val="tx1"/>
+                </a:solidFill>
+              </a:ln>
+            </p:spPr>
+            <p:style>
+              <a:lnRef idx="2">
+                <a:schemeClr val="accent1">
+                  <a:shade val="50000"/>
+                </a:schemeClr>
+              </a:lnRef>
+              <a:fillRef idx="1">
+                <a:schemeClr val="accent1"/>
+              </a:fillRef>
+              <a:effectRef idx="0">
+                <a:schemeClr val="accent1"/>
+              </a:effectRef>
+              <a:fontRef idx="minor">
+                <a:schemeClr val="lt1"/>
+              </a:fontRef>
+            </p:style>
+            <p:txBody>
+              <a:bodyPr rtlCol="0" anchor="ctr"/>
+              <a:lstStyle/>
+              <a:p>
+                <a:pPr algn="ctr"/>
+                <a:r>
+                  <a:rPr lang="de-DE" sz="1200" dirty="0">
+                    <a:solidFill>
+                      <a:schemeClr val="tx1"/>
+                    </a:solidFill>
+                  </a:rPr>
+                  <a:t>Extracting Small Bounding Boxes</a:t>
+                </a:r>
+                <a:endParaRPr lang="en-US" sz="1200" dirty="0">
+                  <a:solidFill>
+                    <a:schemeClr val="tx1"/>
+                  </a:solidFill>
+                </a:endParaRPr>
+              </a:p>
+            </p:txBody>
+          </p:sp>
+          <p:sp>
+            <p:nvSpPr>
+              <p:cNvPr id="4" name="Rectangle 3">
+                <a:extLst>
+                  <a:ext uri="{FF2B5EF4-FFF2-40B4-BE49-F238E27FC236}">
+                    <a16:creationId xmlns:a16="http://schemas.microsoft.com/office/drawing/2014/main" id="{C772B15D-EBB5-A6D3-9DCA-E79807E35F0A}"/>
+                  </a:ext>
+                </a:extLst>
+              </p:cNvPr>
+              <p:cNvSpPr/>
+              <p:nvPr/>
+            </p:nvSpPr>
+            <p:spPr>
+              <a:xfrm>
+                <a:off x="7661607" y="-188946"/>
+                <a:ext cx="3237723" cy="382555"/>
+              </a:xfrm>
+              <a:prstGeom prst="rect">
+                <a:avLst/>
+              </a:prstGeom>
+              <a:grpFill/>
+              <a:ln w="19050">
+                <a:solidFill>
+                  <a:schemeClr val="tx1"/>
+                </a:solidFill>
+              </a:ln>
+            </p:spPr>
+            <p:style>
+              <a:lnRef idx="2">
+                <a:schemeClr val="accent1">
+                  <a:shade val="50000"/>
+                </a:schemeClr>
+              </a:lnRef>
+              <a:fillRef idx="1">
+                <a:schemeClr val="accent1"/>
+              </a:fillRef>
+              <a:effectRef idx="0">
+                <a:schemeClr val="accent1"/>
+              </a:effectRef>
+              <a:fontRef idx="minor">
+                <a:schemeClr val="lt1"/>
+              </a:fontRef>
+            </p:style>
+            <p:txBody>
+              <a:bodyPr rtlCol="0" anchor="ctr"/>
+              <a:lstStyle/>
+              <a:p>
+                <a:pPr algn="ctr"/>
+                <a:r>
+                  <a:rPr lang="de-DE" sz="1200" dirty="0">
+                    <a:solidFill>
+                      <a:schemeClr val="tx1"/>
+                    </a:solidFill>
+                  </a:rPr>
+                  <a:t>Extracting Large Bounding Boxes</a:t>
+                </a:r>
+                <a:endParaRPr lang="en-US" sz="1200" dirty="0">
+                  <a:solidFill>
+                    <a:schemeClr val="tx1"/>
+                  </a:solidFill>
+                </a:endParaRPr>
+              </a:p>
+            </p:txBody>
+          </p:sp>
+          <p:sp>
+            <p:nvSpPr>
+              <p:cNvPr id="5" name="Rectangle 4">
+                <a:extLst>
+                  <a:ext uri="{FF2B5EF4-FFF2-40B4-BE49-F238E27FC236}">
+                    <a16:creationId xmlns:a16="http://schemas.microsoft.com/office/drawing/2014/main" id="{1113E09E-4E22-8EB0-4042-406BCCDDA373}"/>
+                  </a:ext>
+                </a:extLst>
+              </p:cNvPr>
+              <p:cNvSpPr/>
+              <p:nvPr/>
+            </p:nvSpPr>
+            <p:spPr>
+              <a:xfrm>
+                <a:off x="4181863" y="471488"/>
+                <a:ext cx="3237723" cy="366227"/>
+              </a:xfrm>
+              <a:prstGeom prst="rect">
+                <a:avLst/>
+              </a:prstGeom>
+              <a:grpFill/>
+              <a:ln w="19050">
+                <a:solidFill>
+                  <a:schemeClr val="tx1"/>
+                </a:solidFill>
+              </a:ln>
+            </p:spPr>
+            <p:style>
+              <a:lnRef idx="2">
+                <a:schemeClr val="accent1">
+                  <a:shade val="50000"/>
+                </a:schemeClr>
+              </a:lnRef>
+              <a:fillRef idx="1">
+                <a:schemeClr val="accent1"/>
+              </a:fillRef>
+              <a:effectRef idx="0">
+                <a:schemeClr val="accent1"/>
+              </a:effectRef>
+              <a:fontRef idx="minor">
+                <a:schemeClr val="lt1"/>
+              </a:fontRef>
+            </p:style>
+            <p:txBody>
+              <a:bodyPr rtlCol="0" anchor="ctr"/>
+              <a:lstStyle/>
+              <a:p>
+                <a:pPr algn="ctr"/>
+                <a:r>
+                  <a:rPr lang="de-DE" sz="1200" dirty="0">
+                    <a:solidFill>
+                      <a:schemeClr val="tx1"/>
+                    </a:solidFill>
+                  </a:rPr>
+                  <a:t>Finding Neighboring Plant Sections</a:t>
+                </a:r>
+                <a:endParaRPr lang="en-US" sz="1200" dirty="0">
+                  <a:solidFill>
+                    <a:schemeClr val="tx1"/>
+                  </a:solidFill>
+                </a:endParaRPr>
+              </a:p>
+            </p:txBody>
+          </p:sp>
+          <p:sp>
+            <p:nvSpPr>
+              <p:cNvPr id="6" name="Rectangle 5">
+                <a:extLst>
+                  <a:ext uri="{FF2B5EF4-FFF2-40B4-BE49-F238E27FC236}">
+                    <a16:creationId xmlns:a16="http://schemas.microsoft.com/office/drawing/2014/main" id="{B03AED21-206D-0275-E425-2E0B833AD0EB}"/>
+                  </a:ext>
+                </a:extLst>
+              </p:cNvPr>
+              <p:cNvSpPr/>
+              <p:nvPr/>
+            </p:nvSpPr>
+            <p:spPr>
+              <a:xfrm>
+                <a:off x="4181863" y="1084780"/>
+                <a:ext cx="3237723" cy="366228"/>
+              </a:xfrm>
+              <a:prstGeom prst="rect">
+                <a:avLst/>
+              </a:prstGeom>
+              <a:grpFill/>
+              <a:ln w="19050">
+                <a:solidFill>
+                  <a:schemeClr val="tx1"/>
+                </a:solidFill>
+              </a:ln>
+            </p:spPr>
+            <p:style>
+              <a:lnRef idx="2">
+                <a:schemeClr val="accent1">
+                  <a:shade val="50000"/>
+                </a:schemeClr>
+              </a:lnRef>
+              <a:fillRef idx="1">
+                <a:schemeClr val="accent1"/>
+              </a:fillRef>
+              <a:effectRef idx="0">
+                <a:schemeClr val="accent1"/>
+              </a:effectRef>
+              <a:fontRef idx="minor">
+                <a:schemeClr val="lt1"/>
+              </a:fontRef>
+            </p:style>
+            <p:txBody>
+              <a:bodyPr rtlCol="0" anchor="ctr"/>
+              <a:lstStyle/>
+              <a:p>
+                <a:pPr algn="ctr"/>
+                <a:r>
+                  <a:rPr lang="de-DE" sz="1200" dirty="0">
+                    <a:solidFill>
+                      <a:schemeClr val="tx1"/>
+                    </a:solidFill>
+                  </a:rPr>
+                  <a:t>Removing Identical Neighboring Plant Section Combinations</a:t>
+                </a:r>
+                <a:endParaRPr lang="en-US" sz="1200" dirty="0">
+                  <a:solidFill>
+                    <a:schemeClr val="tx1"/>
+                  </a:solidFill>
+                </a:endParaRPr>
+              </a:p>
+            </p:txBody>
+          </p:sp>
+          <p:sp>
+            <p:nvSpPr>
+              <p:cNvPr id="7" name="Rectangle 6">
+                <a:extLst>
+                  <a:ext uri="{FF2B5EF4-FFF2-40B4-BE49-F238E27FC236}">
+                    <a16:creationId xmlns:a16="http://schemas.microsoft.com/office/drawing/2014/main" id="{716F0FDE-D7A1-9B53-A035-858028AA17A9}"/>
+                  </a:ext>
+                </a:extLst>
+              </p:cNvPr>
+              <p:cNvSpPr/>
+              <p:nvPr/>
+            </p:nvSpPr>
+            <p:spPr>
+              <a:xfrm>
+                <a:off x="4181862" y="1691271"/>
+                <a:ext cx="3237723" cy="366229"/>
+              </a:xfrm>
+              <a:prstGeom prst="rect">
+                <a:avLst/>
+              </a:prstGeom>
+              <a:grpFill/>
+              <a:ln w="19050">
+                <a:solidFill>
+                  <a:schemeClr val="tx1"/>
+                </a:solidFill>
+              </a:ln>
+            </p:spPr>
+            <p:style>
+              <a:lnRef idx="2">
+                <a:schemeClr val="accent1">
+                  <a:shade val="50000"/>
+                </a:schemeClr>
+              </a:lnRef>
+              <a:fillRef idx="1">
+                <a:schemeClr val="accent1"/>
+              </a:fillRef>
+              <a:effectRef idx="0">
+                <a:schemeClr val="accent1"/>
+              </a:effectRef>
+              <a:fontRef idx="minor">
+                <a:schemeClr val="lt1"/>
+              </a:fontRef>
+            </p:style>
+            <p:txBody>
+              <a:bodyPr rtlCol="0" anchor="ctr"/>
+              <a:lstStyle/>
+              <a:p>
+                <a:pPr algn="ctr"/>
+                <a:r>
+                  <a:rPr lang="de-DE" sz="1200" dirty="0">
+                    <a:solidFill>
+                      <a:schemeClr val="tx1"/>
+                    </a:solidFill>
+                  </a:rPr>
+                  <a:t>Line Segments (Feature) Extraction using either Canny, Sobel or LoG</a:t>
+                </a:r>
+                <a:endParaRPr lang="en-US" sz="1200" dirty="0">
+                  <a:solidFill>
+                    <a:schemeClr val="tx1"/>
+                  </a:solidFill>
+                </a:endParaRPr>
+              </a:p>
+            </p:txBody>
+          </p:sp>
+          <p:sp>
+            <p:nvSpPr>
+              <p:cNvPr id="8" name="Rectangle 7">
+                <a:extLst>
+                  <a:ext uri="{FF2B5EF4-FFF2-40B4-BE49-F238E27FC236}">
+                    <a16:creationId xmlns:a16="http://schemas.microsoft.com/office/drawing/2014/main" id="{F3285953-CEC2-7D8B-70F5-967778C090BD}"/>
+                  </a:ext>
+                </a:extLst>
+              </p:cNvPr>
+              <p:cNvSpPr/>
+              <p:nvPr/>
+            </p:nvSpPr>
+            <p:spPr>
+              <a:xfrm>
+                <a:off x="4181862" y="2336208"/>
+                <a:ext cx="3237723" cy="366229"/>
+              </a:xfrm>
+              <a:prstGeom prst="rect">
+                <a:avLst/>
+              </a:prstGeom>
+              <a:grpFill/>
+              <a:ln w="19050">
+                <a:solidFill>
+                  <a:schemeClr val="tx1"/>
+                </a:solidFill>
+              </a:ln>
+            </p:spPr>
+            <p:style>
+              <a:lnRef idx="2">
+                <a:schemeClr val="accent1">
+                  <a:shade val="50000"/>
+                </a:schemeClr>
+              </a:lnRef>
+              <a:fillRef idx="1">
+                <a:schemeClr val="accent1"/>
+              </a:fillRef>
+              <a:effectRef idx="0">
+                <a:schemeClr val="accent1"/>
+              </a:effectRef>
+              <a:fontRef idx="minor">
+                <a:schemeClr val="lt1"/>
+              </a:fontRef>
+            </p:style>
+            <p:txBody>
+              <a:bodyPr rtlCol="0" anchor="ctr"/>
+              <a:lstStyle/>
+              <a:p>
+                <a:pPr algn="ctr"/>
+                <a:r>
+                  <a:rPr lang="de-DE" sz="1200" dirty="0">
+                    <a:solidFill>
+                      <a:schemeClr val="tx1"/>
+                    </a:solidFill>
+                  </a:rPr>
+                  <a:t>Create Clustering List</a:t>
+                </a:r>
+                <a:endParaRPr lang="en-US" sz="1200" dirty="0">
+                  <a:solidFill>
+                    <a:schemeClr val="tx1"/>
+                  </a:solidFill>
+                </a:endParaRPr>
+              </a:p>
+            </p:txBody>
+          </p:sp>
+          <p:sp>
+            <p:nvSpPr>
+              <p:cNvPr id="9" name="Diamond 8">
+                <a:extLst>
+                  <a:ext uri="{FF2B5EF4-FFF2-40B4-BE49-F238E27FC236}">
+                    <a16:creationId xmlns:a16="http://schemas.microsoft.com/office/drawing/2014/main" id="{F750C3E1-68F1-4B72-E6AB-B5F7FEEBF704}"/>
+                  </a:ext>
+                </a:extLst>
+              </p:cNvPr>
+              <p:cNvSpPr/>
+              <p:nvPr/>
+            </p:nvSpPr>
+            <p:spPr>
+              <a:xfrm>
+                <a:off x="4181859" y="2952570"/>
+                <a:ext cx="3247239" cy="924105"/>
+              </a:xfrm>
+              <a:prstGeom prst="diamond">
+                <a:avLst/>
+              </a:prstGeom>
+              <a:grpFill/>
+              <a:ln w="19050">
+                <a:solidFill>
+                  <a:schemeClr val="tx1"/>
+                </a:solidFill>
+              </a:ln>
+            </p:spPr>
+            <p:style>
+              <a:lnRef idx="2">
+                <a:schemeClr val="accent1">
+                  <a:shade val="50000"/>
+                </a:schemeClr>
+              </a:lnRef>
+              <a:fillRef idx="1">
+                <a:schemeClr val="accent1"/>
+              </a:fillRef>
+              <a:effectRef idx="0">
+                <a:schemeClr val="accent1"/>
+              </a:effectRef>
+              <a:fontRef idx="minor">
+                <a:schemeClr val="lt1"/>
+              </a:fontRef>
+            </p:style>
+            <p:txBody>
+              <a:bodyPr rtlCol="0" anchor="ctr"/>
+              <a:lstStyle/>
+              <a:p>
+                <a:pPr algn="ctr"/>
+                <a:r>
+                  <a:rPr lang="de-DE" sz="1200" dirty="0">
+                    <a:solidFill>
+                      <a:schemeClr val="tx1"/>
+                    </a:solidFill>
+                  </a:rPr>
+                  <a:t>Length of the Clustering List &gt; 0</a:t>
+                </a:r>
+                <a:endParaRPr lang="en-US" sz="1200" dirty="0">
+                  <a:solidFill>
+                    <a:schemeClr val="tx1"/>
+                  </a:solidFill>
+                </a:endParaRPr>
+              </a:p>
+            </p:txBody>
+          </p:sp>
+          <p:sp>
+            <p:nvSpPr>
+              <p:cNvPr id="10" name="Rectangle 9">
+                <a:extLst>
+                  <a:ext uri="{FF2B5EF4-FFF2-40B4-BE49-F238E27FC236}">
+                    <a16:creationId xmlns:a16="http://schemas.microsoft.com/office/drawing/2014/main" id="{C60462B5-D682-8D18-12A4-0809BD7F987C}"/>
+                  </a:ext>
+                </a:extLst>
+              </p:cNvPr>
+              <p:cNvSpPr/>
+              <p:nvPr/>
+            </p:nvSpPr>
+            <p:spPr>
+              <a:xfrm>
+                <a:off x="7763205" y="3231507"/>
+                <a:ext cx="3237723" cy="366229"/>
+              </a:xfrm>
+              <a:prstGeom prst="rect">
+                <a:avLst/>
+              </a:prstGeom>
+              <a:grpFill/>
+              <a:ln w="19050">
+                <a:solidFill>
+                  <a:schemeClr val="tx1"/>
+                </a:solidFill>
+              </a:ln>
+            </p:spPr>
+            <p:style>
+              <a:lnRef idx="2">
+                <a:schemeClr val="accent1">
+                  <a:shade val="50000"/>
+                </a:schemeClr>
+              </a:lnRef>
+              <a:fillRef idx="1">
+                <a:schemeClr val="accent1"/>
+              </a:fillRef>
+              <a:effectRef idx="0">
+                <a:schemeClr val="accent1"/>
+              </a:effectRef>
+              <a:fontRef idx="minor">
+                <a:schemeClr val="lt1"/>
+              </a:fontRef>
+            </p:style>
+            <p:txBody>
+              <a:bodyPr rtlCol="0" anchor="ctr"/>
+              <a:lstStyle/>
+              <a:p>
+                <a:pPr algn="ctr"/>
+                <a:r>
+                  <a:rPr lang="de-DE" sz="1200" dirty="0">
+                    <a:solidFill>
+                      <a:schemeClr val="tx1"/>
+                    </a:solidFill>
+                  </a:rPr>
+                  <a:t>Single Line Segment Detection</a:t>
+                </a:r>
+                <a:endParaRPr lang="en-US" sz="1200" dirty="0">
+                  <a:solidFill>
+                    <a:schemeClr val="tx1"/>
+                  </a:solidFill>
+                </a:endParaRPr>
+              </a:p>
+            </p:txBody>
+          </p:sp>
+          <p:sp>
+            <p:nvSpPr>
+              <p:cNvPr id="11" name="Rectangle 10">
+                <a:extLst>
+                  <a:ext uri="{FF2B5EF4-FFF2-40B4-BE49-F238E27FC236}">
+                    <a16:creationId xmlns:a16="http://schemas.microsoft.com/office/drawing/2014/main" id="{1BF59D17-46C4-8AFF-3319-F3B9695A1F60}"/>
+                  </a:ext>
+                </a:extLst>
+              </p:cNvPr>
+              <p:cNvSpPr/>
+              <p:nvPr/>
+            </p:nvSpPr>
+            <p:spPr>
+              <a:xfrm>
+                <a:off x="7763209" y="4420259"/>
+                <a:ext cx="3237723" cy="366229"/>
+              </a:xfrm>
+              <a:prstGeom prst="rect">
+                <a:avLst/>
+              </a:prstGeom>
+              <a:grpFill/>
+              <a:ln w="19050">
+                <a:solidFill>
+                  <a:schemeClr val="tx1"/>
+                </a:solidFill>
+              </a:ln>
+            </p:spPr>
+            <p:style>
+              <a:lnRef idx="2">
+                <a:schemeClr val="accent1">
+                  <a:shade val="50000"/>
+                </a:schemeClr>
+              </a:lnRef>
+              <a:fillRef idx="1">
+                <a:schemeClr val="accent1"/>
+              </a:fillRef>
+              <a:effectRef idx="0">
+                <a:schemeClr val="accent1"/>
+              </a:effectRef>
+              <a:fontRef idx="minor">
+                <a:schemeClr val="lt1"/>
+              </a:fontRef>
+            </p:style>
+            <p:txBody>
+              <a:bodyPr rtlCol="0" anchor="ctr"/>
+              <a:lstStyle/>
+              <a:p>
+                <a:pPr algn="ctr"/>
+                <a:r>
+                  <a:rPr lang="de-DE" sz="1200" dirty="0">
+                    <a:solidFill>
+                      <a:schemeClr val="tx1"/>
+                    </a:solidFill>
+                  </a:rPr>
+                  <a:t>Line Segment Detection by Using the Size</a:t>
+                </a:r>
+                <a:endParaRPr lang="en-US" sz="1200" dirty="0">
+                  <a:solidFill>
+                    <a:schemeClr val="tx1"/>
+                  </a:solidFill>
+                </a:endParaRPr>
+              </a:p>
+            </p:txBody>
+          </p:sp>
+          <p:sp>
+            <p:nvSpPr>
+              <p:cNvPr id="12" name="Diamond 11">
+                <a:extLst>
+                  <a:ext uri="{FF2B5EF4-FFF2-40B4-BE49-F238E27FC236}">
+                    <a16:creationId xmlns:a16="http://schemas.microsoft.com/office/drawing/2014/main" id="{1D281477-0130-12B7-E764-1956CC92C75B}"/>
+                  </a:ext>
+                </a:extLst>
+              </p:cNvPr>
+              <p:cNvSpPr/>
+              <p:nvPr/>
+            </p:nvSpPr>
+            <p:spPr>
+              <a:xfrm>
+                <a:off x="4191384" y="4126808"/>
+                <a:ext cx="3228191" cy="924105"/>
+              </a:xfrm>
+              <a:prstGeom prst="diamond">
+                <a:avLst/>
+              </a:prstGeom>
+              <a:grpFill/>
+              <a:ln w="19050">
+                <a:solidFill>
+                  <a:schemeClr val="tx1"/>
+                </a:solidFill>
+              </a:ln>
+            </p:spPr>
+            <p:style>
+              <a:lnRef idx="2">
+                <a:schemeClr val="accent1">
+                  <a:shade val="50000"/>
+                </a:schemeClr>
+              </a:lnRef>
+              <a:fillRef idx="1">
+                <a:schemeClr val="accent1"/>
+              </a:fillRef>
+              <a:effectRef idx="0">
+                <a:schemeClr val="accent1"/>
+              </a:effectRef>
+              <a:fontRef idx="minor">
+                <a:schemeClr val="lt1"/>
+              </a:fontRef>
+            </p:style>
+            <p:txBody>
+              <a:bodyPr rtlCol="0" anchor="ctr"/>
+              <a:lstStyle/>
+              <a:p>
+                <a:pPr algn="ctr"/>
+                <a:r>
+                  <a:rPr lang="de-DE" sz="1200" dirty="0">
+                    <a:solidFill>
+                      <a:schemeClr val="tx1"/>
+                    </a:solidFill>
+                  </a:rPr>
+                  <a:t>Segment Size &gt; Treshold Size Value</a:t>
+                </a:r>
+                <a:endParaRPr lang="en-US" sz="1200" dirty="0">
+                  <a:solidFill>
+                    <a:schemeClr val="tx1"/>
+                  </a:solidFill>
+                </a:endParaRPr>
+              </a:p>
+            </p:txBody>
+          </p:sp>
+          <p:sp>
+            <p:nvSpPr>
+              <p:cNvPr id="13" name="Rectangle 12">
+                <a:extLst>
+                  <a:ext uri="{FF2B5EF4-FFF2-40B4-BE49-F238E27FC236}">
+                    <a16:creationId xmlns:a16="http://schemas.microsoft.com/office/drawing/2014/main" id="{F893DDEF-8D23-779D-D943-4AE5B434EAD4}"/>
+                  </a:ext>
+                </a:extLst>
+              </p:cNvPr>
+              <p:cNvSpPr/>
+              <p:nvPr/>
+            </p:nvSpPr>
+            <p:spPr>
+              <a:xfrm>
+                <a:off x="4181859" y="5318038"/>
+                <a:ext cx="3237723" cy="366229"/>
+              </a:xfrm>
+              <a:prstGeom prst="rect">
+                <a:avLst/>
+              </a:prstGeom>
+              <a:grpFill/>
+              <a:ln w="19050">
+                <a:solidFill>
+                  <a:schemeClr val="tx1"/>
+                </a:solidFill>
+              </a:ln>
+            </p:spPr>
+            <p:style>
+              <a:lnRef idx="2">
+                <a:schemeClr val="accent1">
+                  <a:shade val="50000"/>
+                </a:schemeClr>
+              </a:lnRef>
+              <a:fillRef idx="1">
+                <a:schemeClr val="accent1"/>
+              </a:fillRef>
+              <a:effectRef idx="0">
+                <a:schemeClr val="accent1"/>
+              </a:effectRef>
+              <a:fontRef idx="minor">
+                <a:schemeClr val="lt1"/>
+              </a:fontRef>
+            </p:style>
+            <p:txBody>
+              <a:bodyPr rtlCol="0" anchor="ctr"/>
+              <a:lstStyle/>
+              <a:p>
+                <a:pPr algn="ctr"/>
+                <a:r>
+                  <a:rPr lang="de-DE" sz="1200" dirty="0">
+                    <a:solidFill>
+                      <a:schemeClr val="tx1"/>
+                    </a:solidFill>
+                  </a:rPr>
+                  <a:t>Line Segment Detection by Using the Distance</a:t>
+                </a:r>
+                <a:endParaRPr lang="en-US" sz="1200" dirty="0">
+                  <a:solidFill>
+                    <a:schemeClr val="tx1"/>
+                  </a:solidFill>
+                </a:endParaRPr>
+              </a:p>
+            </p:txBody>
+          </p:sp>
+          <p:cxnSp>
+            <p:nvCxnSpPr>
+              <p:cNvPr id="17" name="Straight Arrow Connector 16">
+                <a:extLst>
+                  <a:ext uri="{FF2B5EF4-FFF2-40B4-BE49-F238E27FC236}">
+                    <a16:creationId xmlns:a16="http://schemas.microsoft.com/office/drawing/2014/main" id="{32F82833-0E46-D5DF-B033-28D6935DE93E}"/>
+                  </a:ext>
+                </a:extLst>
+              </p:cNvPr>
+              <p:cNvCxnSpPr>
+                <a:stCxn id="5" idx="2"/>
+                <a:endCxn id="6" idx="0"/>
+              </p:cNvCxnSpPr>
+              <p:nvPr/>
+            </p:nvCxnSpPr>
+            <p:spPr>
+              <a:xfrm>
+                <a:off x="5800725" y="837715"/>
+                <a:ext cx="0" cy="247065"/>
+              </a:xfrm>
+              <a:prstGeom prst="straightConnector1">
+                <a:avLst/>
+              </a:prstGeom>
+              <a:grpFill/>
+              <a:ln w="12700">
+                <a:solidFill>
+                  <a:schemeClr val="tx1"/>
+                </a:solidFill>
+                <a:tailEnd type="triangle"/>
+              </a:ln>
+            </p:spPr>
+            <p:style>
+              <a:lnRef idx="1">
+                <a:schemeClr val="accent1"/>
+              </a:lnRef>
+              <a:fillRef idx="0">
+                <a:schemeClr val="accent1"/>
+              </a:fillRef>
+              <a:effectRef idx="0">
+                <a:schemeClr val="accent1"/>
+              </a:effectRef>
+              <a:fontRef idx="minor">
+                <a:schemeClr val="tx1"/>
+              </a:fontRef>
+            </p:style>
+          </p:cxnSp>
+          <p:cxnSp>
+            <p:nvCxnSpPr>
+              <p:cNvPr id="18" name="Straight Arrow Connector 17">
+                <a:extLst>
+                  <a:ext uri="{FF2B5EF4-FFF2-40B4-BE49-F238E27FC236}">
+                    <a16:creationId xmlns:a16="http://schemas.microsoft.com/office/drawing/2014/main" id="{C1BCA30B-C940-55CF-8B80-8A237BB37D0E}"/>
+                  </a:ext>
+                </a:extLst>
+              </p:cNvPr>
+              <p:cNvCxnSpPr/>
+              <p:nvPr/>
+            </p:nvCxnSpPr>
+            <p:spPr>
+              <a:xfrm>
+                <a:off x="5800720" y="1451008"/>
+                <a:ext cx="0" cy="247065"/>
+              </a:xfrm>
+              <a:prstGeom prst="straightConnector1">
+                <a:avLst/>
+              </a:prstGeom>
+              <a:grpFill/>
+              <a:ln w="12700">
+                <a:solidFill>
+                  <a:schemeClr val="tx1"/>
+                </a:solidFill>
+                <a:tailEnd type="triangle"/>
+              </a:ln>
+            </p:spPr>
+            <p:style>
+              <a:lnRef idx="1">
+                <a:schemeClr val="accent1"/>
+              </a:lnRef>
+              <a:fillRef idx="0">
+                <a:schemeClr val="accent1"/>
+              </a:fillRef>
+              <a:effectRef idx="0">
+                <a:schemeClr val="accent1"/>
+              </a:effectRef>
+              <a:fontRef idx="minor">
+                <a:schemeClr val="tx1"/>
+              </a:fontRef>
+            </p:style>
+          </p:cxnSp>
+          <p:cxnSp>
+            <p:nvCxnSpPr>
+              <p:cNvPr id="19" name="Straight Arrow Connector 18">
+                <a:extLst>
+                  <a:ext uri="{FF2B5EF4-FFF2-40B4-BE49-F238E27FC236}">
+                    <a16:creationId xmlns:a16="http://schemas.microsoft.com/office/drawing/2014/main" id="{BCC54EA6-51E8-0AF4-C024-85FC032FA64C}"/>
+                  </a:ext>
+                </a:extLst>
+              </p:cNvPr>
+              <p:cNvCxnSpPr/>
+              <p:nvPr/>
+            </p:nvCxnSpPr>
+            <p:spPr>
+              <a:xfrm>
+                <a:off x="5800720" y="2079618"/>
+                <a:ext cx="0" cy="247065"/>
+              </a:xfrm>
+              <a:prstGeom prst="straightConnector1">
+                <a:avLst/>
+              </a:prstGeom>
+              <a:grpFill/>
+              <a:ln w="12700">
+                <a:solidFill>
+                  <a:schemeClr val="tx1"/>
+                </a:solidFill>
+                <a:tailEnd type="triangle"/>
+              </a:ln>
+            </p:spPr>
+            <p:style>
+              <a:lnRef idx="1">
+                <a:schemeClr val="accent1"/>
+              </a:lnRef>
+              <a:fillRef idx="0">
+                <a:schemeClr val="accent1"/>
+              </a:fillRef>
+              <a:effectRef idx="0">
+                <a:schemeClr val="accent1"/>
+              </a:effectRef>
+              <a:fontRef idx="minor">
+                <a:schemeClr val="tx1"/>
+              </a:fontRef>
+            </p:style>
+          </p:cxnSp>
+          <p:cxnSp>
+            <p:nvCxnSpPr>
+              <p:cNvPr id="21" name="Straight Arrow Connector 20">
+                <a:extLst>
+                  <a:ext uri="{FF2B5EF4-FFF2-40B4-BE49-F238E27FC236}">
+                    <a16:creationId xmlns:a16="http://schemas.microsoft.com/office/drawing/2014/main" id="{F4D21C66-D000-6116-7CA9-405DC000715B}"/>
+                  </a:ext>
+                </a:extLst>
+              </p:cNvPr>
+              <p:cNvCxnSpPr/>
+              <p:nvPr/>
+            </p:nvCxnSpPr>
+            <p:spPr>
+              <a:xfrm>
+                <a:off x="5800720" y="2708268"/>
+                <a:ext cx="0" cy="247065"/>
+              </a:xfrm>
+              <a:prstGeom prst="straightConnector1">
+                <a:avLst/>
+              </a:prstGeom>
+              <a:grpFill/>
+              <a:ln w="12700">
+                <a:solidFill>
+                  <a:schemeClr val="tx1"/>
+                </a:solidFill>
+                <a:tailEnd type="triangle"/>
+              </a:ln>
+            </p:spPr>
+            <p:style>
+              <a:lnRef idx="1">
+                <a:schemeClr val="accent1"/>
+              </a:lnRef>
+              <a:fillRef idx="0">
+                <a:schemeClr val="accent1"/>
+              </a:fillRef>
+              <a:effectRef idx="0">
+                <a:schemeClr val="accent1"/>
+              </a:effectRef>
+              <a:fontRef idx="minor">
+                <a:schemeClr val="tx1"/>
+              </a:fontRef>
+            </p:style>
+          </p:cxnSp>
+          <p:cxnSp>
+            <p:nvCxnSpPr>
+              <p:cNvPr id="22" name="Straight Arrow Connector 21">
+                <a:extLst>
+                  <a:ext uri="{FF2B5EF4-FFF2-40B4-BE49-F238E27FC236}">
+                    <a16:creationId xmlns:a16="http://schemas.microsoft.com/office/drawing/2014/main" id="{7FDEBDA1-71D9-EAFB-5602-0D3C26607515}"/>
+                  </a:ext>
+                </a:extLst>
+              </p:cNvPr>
+              <p:cNvCxnSpPr/>
+              <p:nvPr/>
+            </p:nvCxnSpPr>
+            <p:spPr>
+              <a:xfrm>
+                <a:off x="5800720" y="3889368"/>
+                <a:ext cx="0" cy="247065"/>
+              </a:xfrm>
+              <a:prstGeom prst="straightConnector1">
+                <a:avLst/>
+              </a:prstGeom>
+              <a:grpFill/>
+              <a:ln w="12700">
+                <a:solidFill>
+                  <a:schemeClr val="tx1"/>
+                </a:solidFill>
+                <a:tailEnd type="triangle"/>
+              </a:ln>
+            </p:spPr>
+            <p:style>
+              <a:lnRef idx="1">
+                <a:schemeClr val="accent1"/>
+              </a:lnRef>
+              <a:fillRef idx="0">
+                <a:schemeClr val="accent1"/>
+              </a:fillRef>
+              <a:effectRef idx="0">
+                <a:schemeClr val="accent1"/>
+              </a:effectRef>
+              <a:fontRef idx="minor">
+                <a:schemeClr val="tx1"/>
+              </a:fontRef>
+            </p:style>
+          </p:cxnSp>
+          <p:cxnSp>
+            <p:nvCxnSpPr>
+              <p:cNvPr id="23" name="Straight Arrow Connector 22">
+                <a:extLst>
+                  <a:ext uri="{FF2B5EF4-FFF2-40B4-BE49-F238E27FC236}">
+                    <a16:creationId xmlns:a16="http://schemas.microsoft.com/office/drawing/2014/main" id="{1CE8FD38-9EB1-5AFE-431A-D64D951B2E5B}"/>
+                  </a:ext>
+                </a:extLst>
+              </p:cNvPr>
+              <p:cNvCxnSpPr/>
+              <p:nvPr/>
+            </p:nvCxnSpPr>
+            <p:spPr>
+              <a:xfrm>
+                <a:off x="5800720" y="5060943"/>
+                <a:ext cx="0" cy="247065"/>
+              </a:xfrm>
+              <a:prstGeom prst="straightConnector1">
+                <a:avLst/>
+              </a:prstGeom>
+              <a:grpFill/>
+              <a:ln w="12700">
+                <a:solidFill>
+                  <a:schemeClr val="tx1"/>
+                </a:solidFill>
+                <a:tailEnd type="triangle"/>
+              </a:ln>
+            </p:spPr>
+            <p:style>
+              <a:lnRef idx="1">
+                <a:schemeClr val="accent1"/>
+              </a:lnRef>
+              <a:fillRef idx="0">
+                <a:schemeClr val="accent1"/>
+              </a:fillRef>
+              <a:effectRef idx="0">
+                <a:schemeClr val="accent1"/>
+              </a:effectRef>
+              <a:fontRef idx="minor">
+                <a:schemeClr val="tx1"/>
+              </a:fontRef>
+            </p:style>
+          </p:cxnSp>
+          <p:cxnSp>
+            <p:nvCxnSpPr>
+              <p:cNvPr id="25" name="Straight Arrow Connector 24">
+                <a:extLst>
+                  <a:ext uri="{FF2B5EF4-FFF2-40B4-BE49-F238E27FC236}">
+                    <a16:creationId xmlns:a16="http://schemas.microsoft.com/office/drawing/2014/main" id="{71D52307-8B8C-D67A-E52F-90662C74E5F6}"/>
+                  </a:ext>
+                </a:extLst>
+              </p:cNvPr>
+              <p:cNvCxnSpPr>
+                <a:cxnSpLocks/>
+                <a:stCxn id="9" idx="3"/>
+                <a:endCxn id="10" idx="1"/>
+              </p:cNvCxnSpPr>
+              <p:nvPr/>
+            </p:nvCxnSpPr>
+            <p:spPr>
+              <a:xfrm flipV="1">
+                <a:off x="7429098" y="3414622"/>
+                <a:ext cx="334107" cy="1"/>
+              </a:xfrm>
+              <a:prstGeom prst="straightConnector1">
+                <a:avLst/>
+              </a:prstGeom>
+              <a:grpFill/>
+              <a:ln w="12700">
+                <a:solidFill>
+                  <a:schemeClr val="tx1"/>
+                </a:solidFill>
+                <a:tailEnd type="triangle"/>
+              </a:ln>
+            </p:spPr>
+            <p:style>
+              <a:lnRef idx="1">
+                <a:schemeClr val="accent1"/>
+              </a:lnRef>
+              <a:fillRef idx="0">
+                <a:schemeClr val="accent1"/>
+              </a:fillRef>
+              <a:effectRef idx="0">
+                <a:schemeClr val="accent1"/>
+              </a:effectRef>
+              <a:fontRef idx="minor">
+                <a:schemeClr val="tx1"/>
+              </a:fontRef>
+            </p:style>
+          </p:cxnSp>
+          <p:cxnSp>
+            <p:nvCxnSpPr>
+              <p:cNvPr id="36" name="Connector: Elbow 35">
+                <a:extLst>
+                  <a:ext uri="{FF2B5EF4-FFF2-40B4-BE49-F238E27FC236}">
+                    <a16:creationId xmlns:a16="http://schemas.microsoft.com/office/drawing/2014/main" id="{72F6C397-DF31-BD92-459E-4FD90C4CC38C}"/>
+                  </a:ext>
+                </a:extLst>
+              </p:cNvPr>
+              <p:cNvCxnSpPr>
+                <a:cxnSpLocks/>
+                <a:endCxn id="3" idx="0"/>
+              </p:cNvCxnSpPr>
+              <p:nvPr/>
+            </p:nvCxnSpPr>
+            <p:spPr>
+              <a:xfrm rot="10800000" flipV="1">
+                <a:off x="2301934" y="-637887"/>
+                <a:ext cx="1852488" cy="448941"/>
+              </a:xfrm>
+              <a:prstGeom prst="bentConnector2">
+                <a:avLst/>
+              </a:prstGeom>
+              <a:grpFill/>
+              <a:ln w="12700">
+                <a:solidFill>
+                  <a:schemeClr val="tx1"/>
+                </a:solidFill>
+                <a:tailEnd type="triangle"/>
+              </a:ln>
+            </p:spPr>
+            <p:style>
+              <a:lnRef idx="1">
+                <a:schemeClr val="accent1"/>
+              </a:lnRef>
+              <a:fillRef idx="0">
+                <a:schemeClr val="accent1"/>
+              </a:fillRef>
+              <a:effectRef idx="0">
+                <a:schemeClr val="accent1"/>
+              </a:effectRef>
+              <a:fontRef idx="minor">
+                <a:schemeClr val="tx1"/>
+              </a:fontRef>
+            </p:style>
+          </p:cxnSp>
+          <p:cxnSp>
+            <p:nvCxnSpPr>
+              <p:cNvPr id="41" name="Connector: Elbow 40">
+                <a:extLst>
+                  <a:ext uri="{FF2B5EF4-FFF2-40B4-BE49-F238E27FC236}">
+                    <a16:creationId xmlns:a16="http://schemas.microsoft.com/office/drawing/2014/main" id="{A0408222-1E51-778E-57C7-9428CF296E31}"/>
+                  </a:ext>
+                </a:extLst>
+              </p:cNvPr>
+              <p:cNvCxnSpPr>
+                <a:cxnSpLocks/>
+                <a:stCxn id="2" idx="3"/>
+                <a:endCxn id="4" idx="0"/>
+              </p:cNvCxnSpPr>
+              <p:nvPr/>
+            </p:nvCxnSpPr>
+            <p:spPr>
+              <a:xfrm>
+                <a:off x="7419582" y="-628897"/>
+                <a:ext cx="1860887" cy="439951"/>
+              </a:xfrm>
+              <a:prstGeom prst="bentConnector2">
+                <a:avLst/>
+              </a:prstGeom>
+              <a:grpFill/>
+              <a:ln w="12700">
+                <a:solidFill>
+                  <a:schemeClr val="tx1"/>
+                </a:solidFill>
+                <a:tailEnd type="triangle"/>
+              </a:ln>
+            </p:spPr>
+            <p:style>
+              <a:lnRef idx="1">
+                <a:schemeClr val="accent1"/>
+              </a:lnRef>
+              <a:fillRef idx="0">
+                <a:schemeClr val="accent1"/>
+              </a:fillRef>
+              <a:effectRef idx="0">
+                <a:schemeClr val="accent1"/>
+              </a:effectRef>
+              <a:fontRef idx="minor">
+                <a:schemeClr val="tx1"/>
+              </a:fontRef>
+            </p:style>
+          </p:cxnSp>
+          <p:cxnSp>
+            <p:nvCxnSpPr>
+              <p:cNvPr id="46" name="Connector: Elbow 45">
+                <a:extLst>
+                  <a:ext uri="{FF2B5EF4-FFF2-40B4-BE49-F238E27FC236}">
+                    <a16:creationId xmlns:a16="http://schemas.microsoft.com/office/drawing/2014/main" id="{5B493D4F-4DB6-F665-2A4B-705C14AAA39F}"/>
+                  </a:ext>
+                </a:extLst>
+              </p:cNvPr>
+              <p:cNvCxnSpPr>
+                <a:stCxn id="3" idx="2"/>
+                <a:endCxn id="5" idx="1"/>
+              </p:cNvCxnSpPr>
+              <p:nvPr/>
+            </p:nvCxnSpPr>
+            <p:spPr>
+              <a:xfrm rot="16200000" flipH="1">
+                <a:off x="3011403" y="-515859"/>
+                <a:ext cx="460991" cy="1879929"/>
+              </a:xfrm>
+              <a:prstGeom prst="bentConnector2">
+                <a:avLst/>
+              </a:prstGeom>
+              <a:grpFill/>
+              <a:ln w="12700">
+                <a:solidFill>
+                  <a:schemeClr val="tx1"/>
+                </a:solidFill>
+                <a:tailEnd type="triangle"/>
+              </a:ln>
+            </p:spPr>
+            <p:style>
+              <a:lnRef idx="1">
+                <a:schemeClr val="accent1"/>
+              </a:lnRef>
+              <a:fillRef idx="0">
+                <a:schemeClr val="accent1"/>
+              </a:fillRef>
+              <a:effectRef idx="0">
+                <a:schemeClr val="accent1"/>
+              </a:effectRef>
+              <a:fontRef idx="minor">
+                <a:schemeClr val="tx1"/>
+              </a:fontRef>
+            </p:style>
+          </p:cxnSp>
+          <p:cxnSp>
+            <p:nvCxnSpPr>
+              <p:cNvPr id="48" name="Connector: Elbow 47">
+                <a:extLst>
+                  <a:ext uri="{FF2B5EF4-FFF2-40B4-BE49-F238E27FC236}">
+                    <a16:creationId xmlns:a16="http://schemas.microsoft.com/office/drawing/2014/main" id="{302E4D77-3D40-629B-3B00-175AF1D83259}"/>
+                  </a:ext>
+                </a:extLst>
+              </p:cNvPr>
+              <p:cNvCxnSpPr>
+                <a:stCxn id="4" idx="2"/>
+                <a:endCxn id="5" idx="3"/>
+              </p:cNvCxnSpPr>
+              <p:nvPr/>
+            </p:nvCxnSpPr>
+            <p:spPr>
+              <a:xfrm rot="5400000">
+                <a:off x="8119532" y="-506336"/>
+                <a:ext cx="460993" cy="1860883"/>
+              </a:xfrm>
+              <a:prstGeom prst="bentConnector2">
+                <a:avLst/>
+              </a:prstGeom>
+              <a:grpFill/>
+              <a:ln w="12700">
+                <a:solidFill>
+                  <a:schemeClr val="tx1"/>
+                </a:solidFill>
+                <a:tailEnd type="triangle"/>
+              </a:ln>
+            </p:spPr>
+            <p:style>
+              <a:lnRef idx="1">
+                <a:schemeClr val="accent1"/>
+              </a:lnRef>
+              <a:fillRef idx="0">
+                <a:schemeClr val="accent1"/>
+              </a:fillRef>
+              <a:effectRef idx="0">
+                <a:schemeClr val="accent1"/>
+              </a:effectRef>
+              <a:fontRef idx="minor">
+                <a:schemeClr val="tx1"/>
+              </a:fontRef>
+            </p:style>
+          </p:cxnSp>
+          <p:sp>
+            <p:nvSpPr>
+              <p:cNvPr id="56" name="Flowchart: Alternate Process 55">
+                <a:extLst>
+                  <a:ext uri="{FF2B5EF4-FFF2-40B4-BE49-F238E27FC236}">
+                    <a16:creationId xmlns:a16="http://schemas.microsoft.com/office/drawing/2014/main" id="{DEC38ACE-49F4-7A47-7F1A-02ADED152BCD}"/>
+                  </a:ext>
+                </a:extLst>
+              </p:cNvPr>
+              <p:cNvSpPr/>
+              <p:nvPr/>
+            </p:nvSpPr>
+            <p:spPr>
+              <a:xfrm>
+                <a:off x="4181859" y="-2143841"/>
+                <a:ext cx="3247244" cy="419100"/>
+              </a:xfrm>
+              <a:prstGeom prst="flowChartAlternateProcess">
+                <a:avLst/>
+              </a:prstGeom>
+              <a:grpFill/>
+              <a:ln w="19050">
+                <a:solidFill>
+                  <a:schemeClr val="tx1"/>
+                </a:solidFill>
+              </a:ln>
+            </p:spPr>
+            <p:style>
+              <a:lnRef idx="2">
+                <a:schemeClr val="accent1">
+                  <a:shade val="50000"/>
+                </a:schemeClr>
+              </a:lnRef>
+              <a:fillRef idx="1">
+                <a:schemeClr val="accent1"/>
+              </a:fillRef>
+              <a:effectRef idx="0">
+                <a:schemeClr val="accent1"/>
+              </a:effectRef>
+              <a:fontRef idx="minor">
+                <a:schemeClr val="lt1"/>
+              </a:fontRef>
+            </p:style>
+            <p:txBody>
+              <a:bodyPr rtlCol="0" anchor="ctr"/>
+              <a:lstStyle/>
+              <a:p>
+                <a:pPr algn="ctr"/>
+                <a:r>
+                  <a:rPr lang="de-DE" sz="1200" dirty="0">
+                    <a:solidFill>
+                      <a:schemeClr val="tx1"/>
+                    </a:solidFill>
+                  </a:rPr>
+                  <a:t>Start</a:t>
+                </a:r>
+                <a:endParaRPr lang="en-US" sz="1200" dirty="0">
+                  <a:solidFill>
+                    <a:schemeClr val="tx1"/>
+                  </a:solidFill>
+                </a:endParaRPr>
+              </a:p>
+            </p:txBody>
+          </p:sp>
+          <p:sp>
+            <p:nvSpPr>
+              <p:cNvPr id="57" name="Flowchart: Data 56">
+                <a:extLst>
+                  <a:ext uri="{FF2B5EF4-FFF2-40B4-BE49-F238E27FC236}">
+                    <a16:creationId xmlns:a16="http://schemas.microsoft.com/office/drawing/2014/main" id="{16BBB732-5710-124A-EA47-802F6A1AB15F}"/>
+                  </a:ext>
+                </a:extLst>
+              </p:cNvPr>
+              <p:cNvSpPr/>
+              <p:nvPr/>
+            </p:nvSpPr>
+            <p:spPr>
+              <a:xfrm>
+                <a:off x="4191384" y="-1455903"/>
+                <a:ext cx="3237723" cy="365433"/>
+              </a:xfrm>
+              <a:prstGeom prst="flowChartInputOutput">
+                <a:avLst/>
+              </a:prstGeom>
+              <a:grpFill/>
+              <a:ln w="19050">
+                <a:solidFill>
+                  <a:schemeClr val="tx1"/>
+                </a:solidFill>
+              </a:ln>
+            </p:spPr>
+            <p:style>
+              <a:lnRef idx="2">
+                <a:schemeClr val="accent1">
+                  <a:shade val="50000"/>
+                </a:schemeClr>
+              </a:lnRef>
+              <a:fillRef idx="1">
+                <a:schemeClr val="accent1"/>
+              </a:fillRef>
+              <a:effectRef idx="0">
+                <a:schemeClr val="accent1"/>
+              </a:effectRef>
+              <a:fontRef idx="minor">
+                <a:schemeClr val="lt1"/>
+              </a:fontRef>
+            </p:style>
+            <p:txBody>
+              <a:bodyPr rtlCol="0" anchor="ctr"/>
+              <a:lstStyle/>
+              <a:p>
+                <a:pPr algn="ctr"/>
+                <a:r>
+                  <a:rPr lang="de-DE" sz="1200" dirty="0">
+                    <a:solidFill>
+                      <a:schemeClr val="tx1"/>
+                    </a:solidFill>
+                  </a:rPr>
+                  <a:t>Input JSON File</a:t>
+                </a:r>
+                <a:endParaRPr lang="en-US" sz="1200" dirty="0">
+                  <a:solidFill>
+                    <a:schemeClr val="tx1"/>
+                  </a:solidFill>
+                </a:endParaRPr>
+              </a:p>
+            </p:txBody>
+          </p:sp>
+          <p:cxnSp>
+            <p:nvCxnSpPr>
+              <p:cNvPr id="58" name="Straight Arrow Connector 57">
+                <a:extLst>
+                  <a:ext uri="{FF2B5EF4-FFF2-40B4-BE49-F238E27FC236}">
+                    <a16:creationId xmlns:a16="http://schemas.microsoft.com/office/drawing/2014/main" id="{89E8895F-3643-CBE3-2906-662C646048FB}"/>
+                  </a:ext>
+                </a:extLst>
+              </p:cNvPr>
+              <p:cNvCxnSpPr/>
+              <p:nvPr/>
+            </p:nvCxnSpPr>
+            <p:spPr>
+              <a:xfrm>
+                <a:off x="5781670" y="-1712493"/>
+                <a:ext cx="0" cy="247065"/>
+              </a:xfrm>
+              <a:prstGeom prst="straightConnector1">
+                <a:avLst/>
+              </a:prstGeom>
+              <a:grpFill/>
+              <a:ln w="12700">
+                <a:solidFill>
+                  <a:schemeClr val="tx1"/>
+                </a:solidFill>
+                <a:tailEnd type="triangle"/>
+              </a:ln>
+            </p:spPr>
+            <p:style>
+              <a:lnRef idx="1">
+                <a:schemeClr val="accent1"/>
+              </a:lnRef>
+              <a:fillRef idx="0">
+                <a:schemeClr val="accent1"/>
+              </a:fillRef>
+              <a:effectRef idx="0">
+                <a:schemeClr val="accent1"/>
+              </a:effectRef>
+              <a:fontRef idx="minor">
+                <a:schemeClr val="tx1"/>
+              </a:fontRef>
+            </p:style>
+          </p:cxnSp>
+          <p:cxnSp>
+            <p:nvCxnSpPr>
+              <p:cNvPr id="59" name="Straight Arrow Connector 58">
+                <a:extLst>
+                  <a:ext uri="{FF2B5EF4-FFF2-40B4-BE49-F238E27FC236}">
+                    <a16:creationId xmlns:a16="http://schemas.microsoft.com/office/drawing/2014/main" id="{7373DD67-AADC-DB71-8F3F-507D2182579D}"/>
+                  </a:ext>
+                </a:extLst>
+              </p:cNvPr>
+              <p:cNvCxnSpPr/>
+              <p:nvPr/>
+            </p:nvCxnSpPr>
+            <p:spPr>
+              <a:xfrm>
+                <a:off x="5791194" y="-1078125"/>
+                <a:ext cx="0" cy="247065"/>
+              </a:xfrm>
+              <a:prstGeom prst="straightConnector1">
+                <a:avLst/>
+              </a:prstGeom>
+              <a:grpFill/>
+              <a:ln w="12700">
+                <a:solidFill>
+                  <a:schemeClr val="tx1"/>
+                </a:solidFill>
+                <a:tailEnd type="triangle"/>
+              </a:ln>
+            </p:spPr>
+            <p:style>
+              <a:lnRef idx="1">
+                <a:schemeClr val="accent1"/>
+              </a:lnRef>
+              <a:fillRef idx="0">
+                <a:schemeClr val="accent1"/>
+              </a:fillRef>
+              <a:effectRef idx="0">
+                <a:schemeClr val="accent1"/>
+              </a:effectRef>
+              <a:fontRef idx="minor">
+                <a:schemeClr val="tx1"/>
+              </a:fontRef>
+            </p:style>
+          </p:cxnSp>
+          <p:sp>
+            <p:nvSpPr>
+              <p:cNvPr id="60" name="Rectangle 59">
+                <a:extLst>
+                  <a:ext uri="{FF2B5EF4-FFF2-40B4-BE49-F238E27FC236}">
+                    <a16:creationId xmlns:a16="http://schemas.microsoft.com/office/drawing/2014/main" id="{A849162B-D957-FA7E-E8A5-77C0EF9EDD02}"/>
+                  </a:ext>
+                </a:extLst>
+              </p:cNvPr>
+              <p:cNvSpPr/>
+              <p:nvPr/>
+            </p:nvSpPr>
+            <p:spPr>
+              <a:xfrm>
+                <a:off x="4191384" y="5943331"/>
+                <a:ext cx="3237723" cy="366229"/>
+              </a:xfrm>
+              <a:prstGeom prst="rect">
+                <a:avLst/>
+              </a:prstGeom>
+              <a:grpFill/>
+              <a:ln w="19050">
+                <a:solidFill>
+                  <a:schemeClr val="tx1"/>
+                </a:solidFill>
+              </a:ln>
+            </p:spPr>
+            <p:style>
+              <a:lnRef idx="2">
+                <a:schemeClr val="accent1">
+                  <a:shade val="50000"/>
+                </a:schemeClr>
+              </a:lnRef>
+              <a:fillRef idx="1">
+                <a:schemeClr val="accent1"/>
+              </a:fillRef>
+              <a:effectRef idx="0">
+                <a:schemeClr val="accent1"/>
+              </a:effectRef>
+              <a:fontRef idx="minor">
+                <a:schemeClr val="lt1"/>
+              </a:fontRef>
+            </p:style>
+            <p:txBody>
+              <a:bodyPr rtlCol="0" anchor="ctr"/>
+              <a:lstStyle/>
+              <a:p>
+                <a:pPr algn="ctr"/>
+                <a:r>
+                  <a:rPr lang="de-DE" sz="1200" dirty="0">
+                    <a:solidFill>
+                      <a:schemeClr val="tx1"/>
+                    </a:solidFill>
+                  </a:rPr>
+                  <a:t>Store Coordinates </a:t>
+                </a:r>
+                <a:endParaRPr lang="en-US" sz="1200" dirty="0">
+                  <a:solidFill>
+                    <a:schemeClr val="tx1"/>
+                  </a:solidFill>
+                </a:endParaRPr>
+              </a:p>
+            </p:txBody>
+          </p:sp>
+          <p:cxnSp>
+            <p:nvCxnSpPr>
+              <p:cNvPr id="62" name="Straight Arrow Connector 61">
+                <a:extLst>
+                  <a:ext uri="{FF2B5EF4-FFF2-40B4-BE49-F238E27FC236}">
+                    <a16:creationId xmlns:a16="http://schemas.microsoft.com/office/drawing/2014/main" id="{AAB18DDA-94EA-9176-3249-599CD872E19B}"/>
+                  </a:ext>
+                </a:extLst>
+              </p:cNvPr>
+              <p:cNvCxnSpPr/>
+              <p:nvPr/>
+            </p:nvCxnSpPr>
+            <p:spPr>
+              <a:xfrm>
+                <a:off x="5800720" y="5696266"/>
+                <a:ext cx="0" cy="247065"/>
+              </a:xfrm>
+              <a:prstGeom prst="straightConnector1">
+                <a:avLst/>
+              </a:prstGeom>
+              <a:grpFill/>
+              <a:ln w="12700">
+                <a:solidFill>
+                  <a:schemeClr val="tx1"/>
+                </a:solidFill>
+                <a:tailEnd type="triangle"/>
+              </a:ln>
+            </p:spPr>
+            <p:style>
+              <a:lnRef idx="1">
+                <a:schemeClr val="accent1"/>
+              </a:lnRef>
+              <a:fillRef idx="0">
+                <a:schemeClr val="accent1"/>
+              </a:fillRef>
+              <a:effectRef idx="0">
+                <a:schemeClr val="accent1"/>
+              </a:effectRef>
+              <a:fontRef idx="minor">
+                <a:schemeClr val="tx1"/>
+              </a:fontRef>
+            </p:style>
+          </p:cxnSp>
+          <p:cxnSp>
+            <p:nvCxnSpPr>
+              <p:cNvPr id="64" name="Connector: Elbow 63">
+                <a:extLst>
+                  <a:ext uri="{FF2B5EF4-FFF2-40B4-BE49-F238E27FC236}">
+                    <a16:creationId xmlns:a16="http://schemas.microsoft.com/office/drawing/2014/main" id="{44F5695C-D84C-767F-0CD4-C8909C3F2557}"/>
+                  </a:ext>
+                </a:extLst>
+              </p:cNvPr>
+              <p:cNvCxnSpPr>
+                <a:cxnSpLocks/>
+                <a:stCxn id="10" idx="3"/>
+                <a:endCxn id="60" idx="3"/>
+              </p:cNvCxnSpPr>
+              <p:nvPr/>
+            </p:nvCxnSpPr>
+            <p:spPr>
+              <a:xfrm flipH="1">
+                <a:off x="7429107" y="3414622"/>
+                <a:ext cx="3571821" cy="2711824"/>
+              </a:xfrm>
+              <a:prstGeom prst="bentConnector3">
+                <a:avLst>
+                  <a:gd name="adj1" fmla="val -6400"/>
+                </a:avLst>
+              </a:prstGeom>
+              <a:grpFill/>
+              <a:ln w="12700">
+                <a:solidFill>
+                  <a:schemeClr val="tx1"/>
+                </a:solidFill>
+                <a:tailEnd type="triangle"/>
+              </a:ln>
+            </p:spPr>
+            <p:style>
+              <a:lnRef idx="1">
+                <a:schemeClr val="accent1"/>
+              </a:lnRef>
+              <a:fillRef idx="0">
+                <a:schemeClr val="accent1"/>
+              </a:fillRef>
+              <a:effectRef idx="0">
+                <a:schemeClr val="accent1"/>
+              </a:effectRef>
+              <a:fontRef idx="minor">
+                <a:schemeClr val="tx1"/>
+              </a:fontRef>
+            </p:style>
+          </p:cxnSp>
+          <p:cxnSp>
+            <p:nvCxnSpPr>
+              <p:cNvPr id="66" name="Connector: Elbow 65">
+                <a:extLst>
+                  <a:ext uri="{FF2B5EF4-FFF2-40B4-BE49-F238E27FC236}">
+                    <a16:creationId xmlns:a16="http://schemas.microsoft.com/office/drawing/2014/main" id="{A9A86C07-E5C5-160C-F3A2-1D0039506A34}"/>
+                  </a:ext>
+                </a:extLst>
+              </p:cNvPr>
+              <p:cNvCxnSpPr>
+                <a:stCxn id="11" idx="3"/>
+                <a:endCxn id="60" idx="3"/>
+              </p:cNvCxnSpPr>
+              <p:nvPr/>
+            </p:nvCxnSpPr>
+            <p:spPr>
+              <a:xfrm flipH="1">
+                <a:off x="7429107" y="4603374"/>
+                <a:ext cx="3571825" cy="1523072"/>
+              </a:xfrm>
+              <a:prstGeom prst="bentConnector3">
+                <a:avLst>
+                  <a:gd name="adj1" fmla="val -6400"/>
+                </a:avLst>
+              </a:prstGeom>
+              <a:grpFill/>
+              <a:ln w="12700">
+                <a:solidFill>
+                  <a:schemeClr val="tx1"/>
+                </a:solidFill>
+                <a:tailEnd type="triangle"/>
+              </a:ln>
+            </p:spPr>
+            <p:style>
+              <a:lnRef idx="1">
+                <a:schemeClr val="accent1"/>
+              </a:lnRef>
+              <a:fillRef idx="0">
+                <a:schemeClr val="accent1"/>
+              </a:fillRef>
+              <a:effectRef idx="0">
+                <a:schemeClr val="accent1"/>
+              </a:effectRef>
+              <a:fontRef idx="minor">
+                <a:schemeClr val="tx1"/>
+              </a:fontRef>
+            </p:style>
+          </p:cxnSp>
+          <p:sp>
+            <p:nvSpPr>
+              <p:cNvPr id="67" name="Flowchart: Alternate Process 66">
+                <a:extLst>
+                  <a:ext uri="{FF2B5EF4-FFF2-40B4-BE49-F238E27FC236}">
+                    <a16:creationId xmlns:a16="http://schemas.microsoft.com/office/drawing/2014/main" id="{3A1E477B-5031-5381-6EBA-E6494E274435}"/>
+                  </a:ext>
+                </a:extLst>
+              </p:cNvPr>
+              <p:cNvSpPr/>
+              <p:nvPr/>
+            </p:nvSpPr>
+            <p:spPr>
+              <a:xfrm>
+                <a:off x="4172334" y="6570516"/>
+                <a:ext cx="3247244" cy="419100"/>
+              </a:xfrm>
+              <a:prstGeom prst="flowChartAlternateProcess">
+                <a:avLst/>
+              </a:prstGeom>
+              <a:grpFill/>
+              <a:ln w="19050">
+                <a:solidFill>
+                  <a:schemeClr val="tx1"/>
+                </a:solidFill>
+              </a:ln>
+            </p:spPr>
+            <p:style>
+              <a:lnRef idx="2">
+                <a:schemeClr val="accent1">
+                  <a:shade val="50000"/>
+                </a:schemeClr>
+              </a:lnRef>
+              <a:fillRef idx="1">
+                <a:schemeClr val="accent1"/>
+              </a:fillRef>
+              <a:effectRef idx="0">
+                <a:schemeClr val="accent1"/>
+              </a:effectRef>
+              <a:fontRef idx="minor">
+                <a:schemeClr val="lt1"/>
+              </a:fontRef>
+            </p:style>
+            <p:txBody>
+              <a:bodyPr rtlCol="0" anchor="ctr"/>
+              <a:lstStyle/>
+              <a:p>
+                <a:pPr algn="ctr"/>
+                <a:r>
+                  <a:rPr lang="de-DE" sz="1200" dirty="0">
+                    <a:solidFill>
+                      <a:schemeClr val="tx1"/>
+                    </a:solidFill>
+                  </a:rPr>
+                  <a:t>Stop</a:t>
+                </a:r>
+                <a:endParaRPr lang="en-US" sz="1200" dirty="0">
+                  <a:solidFill>
+                    <a:schemeClr val="tx1"/>
+                  </a:solidFill>
+                </a:endParaRPr>
+              </a:p>
+            </p:txBody>
+          </p:sp>
+          <p:cxnSp>
+            <p:nvCxnSpPr>
+              <p:cNvPr id="70" name="Straight Arrow Connector 69">
+                <a:extLst>
+                  <a:ext uri="{FF2B5EF4-FFF2-40B4-BE49-F238E27FC236}">
+                    <a16:creationId xmlns:a16="http://schemas.microsoft.com/office/drawing/2014/main" id="{8011BE53-63BF-94B2-037F-4B5CCBA822C1}"/>
+                  </a:ext>
+                </a:extLst>
+              </p:cNvPr>
+              <p:cNvCxnSpPr/>
+              <p:nvPr/>
+            </p:nvCxnSpPr>
+            <p:spPr>
+              <a:xfrm>
+                <a:off x="5791194" y="6309560"/>
+                <a:ext cx="0" cy="247065"/>
+              </a:xfrm>
+              <a:prstGeom prst="straightConnector1">
+                <a:avLst/>
+              </a:prstGeom>
+              <a:grpFill/>
+              <a:ln w="12700">
+                <a:solidFill>
+                  <a:schemeClr val="tx1"/>
+                </a:solidFill>
+                <a:tailEnd type="triangle"/>
+              </a:ln>
+            </p:spPr>
+            <p:style>
+              <a:lnRef idx="1">
+                <a:schemeClr val="accent1"/>
+              </a:lnRef>
+              <a:fillRef idx="0">
+                <a:schemeClr val="accent1"/>
+              </a:fillRef>
+              <a:effectRef idx="0">
+                <a:schemeClr val="accent1"/>
+              </a:effectRef>
+              <a:fontRef idx="minor">
+                <a:schemeClr val="tx1"/>
+              </a:fontRef>
+            </p:style>
+          </p:cxnSp>
+          <p:sp>
+            <p:nvSpPr>
+              <p:cNvPr id="71" name="TextBox 70">
+                <a:extLst>
+                  <a:ext uri="{FF2B5EF4-FFF2-40B4-BE49-F238E27FC236}">
+                    <a16:creationId xmlns:a16="http://schemas.microsoft.com/office/drawing/2014/main" id="{7F10326A-9AB6-8601-6CB0-193AE9A6BD79}"/>
+                  </a:ext>
+                </a:extLst>
+              </p:cNvPr>
+              <p:cNvSpPr txBox="1"/>
+              <p:nvPr/>
+            </p:nvSpPr>
+            <p:spPr>
+              <a:xfrm>
+                <a:off x="7177442" y="3113765"/>
+                <a:ext cx="447675" cy="276999"/>
+              </a:xfrm>
+              <a:prstGeom prst="rect">
+                <a:avLst/>
+              </a:prstGeom>
+              <a:noFill/>
+            </p:spPr>
+            <p:txBody>
+              <a:bodyPr wrap="square" rtlCol="0">
+                <a:spAutoFit/>
+              </a:bodyPr>
+              <a:lstStyle/>
+              <a:p>
+                <a:r>
+                  <a:rPr lang="de-DE" sz="1200" dirty="0"/>
+                  <a:t>No</a:t>
+                </a:r>
+                <a:endParaRPr lang="en-US" sz="1200" dirty="0"/>
+              </a:p>
+            </p:txBody>
+          </p:sp>
+          <p:sp>
+            <p:nvSpPr>
+              <p:cNvPr id="72" name="TextBox 71">
+                <a:extLst>
+                  <a:ext uri="{FF2B5EF4-FFF2-40B4-BE49-F238E27FC236}">
+                    <a16:creationId xmlns:a16="http://schemas.microsoft.com/office/drawing/2014/main" id="{447556CC-C1B5-145D-5B1E-A384EC4D997A}"/>
+                  </a:ext>
+                </a:extLst>
+              </p:cNvPr>
+              <p:cNvSpPr txBox="1"/>
+              <p:nvPr/>
+            </p:nvSpPr>
+            <p:spPr>
+              <a:xfrm>
+                <a:off x="7149614" y="4235525"/>
+                <a:ext cx="447675" cy="276999"/>
+              </a:xfrm>
+              <a:prstGeom prst="rect">
+                <a:avLst/>
+              </a:prstGeom>
+              <a:noFill/>
+            </p:spPr>
+            <p:txBody>
+              <a:bodyPr wrap="square" rtlCol="0">
+                <a:spAutoFit/>
+              </a:bodyPr>
+              <a:lstStyle/>
+              <a:p>
+                <a:r>
+                  <a:rPr lang="de-DE" sz="1200" dirty="0"/>
+                  <a:t>No</a:t>
+                </a:r>
+                <a:endParaRPr lang="en-US" sz="1200" dirty="0"/>
+              </a:p>
+            </p:txBody>
+          </p:sp>
+          <p:sp>
+            <p:nvSpPr>
+              <p:cNvPr id="73" name="TextBox 72">
+                <a:extLst>
+                  <a:ext uri="{FF2B5EF4-FFF2-40B4-BE49-F238E27FC236}">
+                    <a16:creationId xmlns:a16="http://schemas.microsoft.com/office/drawing/2014/main" id="{2B1B2787-1F12-338B-8982-5BD36E7CA320}"/>
+                  </a:ext>
+                </a:extLst>
+              </p:cNvPr>
+              <p:cNvSpPr txBox="1"/>
+              <p:nvPr/>
+            </p:nvSpPr>
+            <p:spPr>
+              <a:xfrm>
+                <a:off x="5872162" y="3877064"/>
+                <a:ext cx="447675" cy="276999"/>
+              </a:xfrm>
+              <a:prstGeom prst="rect">
+                <a:avLst/>
+              </a:prstGeom>
+              <a:noFill/>
+            </p:spPr>
+            <p:txBody>
+              <a:bodyPr wrap="square" rtlCol="0">
+                <a:spAutoFit/>
+              </a:bodyPr>
+              <a:lstStyle/>
+              <a:p>
+                <a:r>
+                  <a:rPr lang="de-DE" sz="1200" dirty="0"/>
+                  <a:t>Yes</a:t>
+                </a:r>
+                <a:endParaRPr lang="en-US" sz="1200" dirty="0"/>
+              </a:p>
+            </p:txBody>
+          </p:sp>
+        </p:grpSp>
+        <p:cxnSp>
+          <p:nvCxnSpPr>
+            <p:cNvPr id="81" name="Straight Arrow Connector 80">
+              <a:extLst>
+                <a:ext uri="{FF2B5EF4-FFF2-40B4-BE49-F238E27FC236}">
+                  <a16:creationId xmlns:a16="http://schemas.microsoft.com/office/drawing/2014/main" id="{CCB8AFF4-45CB-2AFE-CAFB-FAFD018CEEFE}"/>
+                </a:ext>
+              </a:extLst>
+            </p:cNvPr>
+            <p:cNvCxnSpPr>
+              <a:cxnSpLocks/>
+            </p:cNvCxnSpPr>
+            <p:nvPr/>
+          </p:nvCxnSpPr>
+          <p:spPr>
+            <a:xfrm flipV="1">
+              <a:off x="7433949" y="4583483"/>
+              <a:ext cx="334107" cy="1"/>
+            </a:xfrm>
+            <a:prstGeom prst="straightConnector1">
+              <a:avLst/>
+            </a:prstGeom>
+            <a:solidFill>
+              <a:schemeClr val="bg1"/>
+            </a:solidFill>
+            <a:ln w="12700">
               <a:solidFill>
                 <a:schemeClr val="tx1"/>
               </a:solidFill>
-            </a:endParaRPr>
-          </a:p>
-        </p:txBody>
-      </p:sp>
-      <p:sp>
-        <p:nvSpPr>
-          <p:cNvPr id="3" name="Rectangle 2">
-            <a:extLst>
-              <a:ext uri="{FF2B5EF4-FFF2-40B4-BE49-F238E27FC236}">
-                <a16:creationId xmlns:a16="http://schemas.microsoft.com/office/drawing/2014/main" id="{6F21763D-2DCA-B7C3-9B8C-65B6CC1A88B8}"/>
-              </a:ext>
-            </a:extLst>
-          </p:cNvPr>
-          <p:cNvSpPr/>
-          <p:nvPr/>
-        </p:nvSpPr>
-        <p:spPr>
-          <a:xfrm>
-            <a:off x="821094" y="1066800"/>
-            <a:ext cx="3237723" cy="765111"/>
-          </a:xfrm>
-          <a:prstGeom prst="rect">
-            <a:avLst/>
-          </a:prstGeom>
-          <a:solidFill>
-            <a:schemeClr val="bg1"/>
-          </a:solidFill>
-          <a:ln>
-            <a:solidFill>
+              <a:tailEnd type="triangle"/>
+            </a:ln>
+          </p:spPr>
+          <p:style>
+            <a:lnRef idx="1">
+              <a:schemeClr val="accent1"/>
+            </a:lnRef>
+            <a:fillRef idx="0">
+              <a:schemeClr val="accent1"/>
+            </a:fillRef>
+            <a:effectRef idx="0">
+              <a:schemeClr val="accent1"/>
+            </a:effectRef>
+            <a:fontRef idx="minor">
               <a:schemeClr val="tx1"/>
-            </a:solidFill>
-          </a:ln>
-        </p:spPr>
-        <p:style>
-          <a:lnRef idx="2">
-            <a:schemeClr val="accent1">
-              <a:shade val="50000"/>
-            </a:schemeClr>
-          </a:lnRef>
-          <a:fillRef idx="1">
-            <a:schemeClr val="accent1"/>
-          </a:fillRef>
-          <a:effectRef idx="0">
-            <a:schemeClr val="accent1"/>
-          </a:effectRef>
-          <a:fontRef idx="minor">
-            <a:schemeClr val="lt1"/>
-          </a:fontRef>
-        </p:style>
-        <p:txBody>
-          <a:bodyPr rtlCol="0" anchor="ctr"/>
-          <a:lstStyle/>
-          <a:p>
-            <a:pPr algn="ctr"/>
-            <a:r>
-              <a:rPr lang="de-DE" dirty="0">
-                <a:solidFill>
-                  <a:schemeClr val="tx1"/>
-                </a:solidFill>
-              </a:rPr>
-              <a:t>Extracting Small Bounding Boxes</a:t>
-            </a:r>
-            <a:endParaRPr lang="en-US" dirty="0">
+            </a:fontRef>
+          </p:style>
+        </p:cxnSp>
+        <p:sp>
+          <p:nvSpPr>
+            <p:cNvPr id="82" name="Left Brace 81">
+              <a:extLst>
+                <a:ext uri="{FF2B5EF4-FFF2-40B4-BE49-F238E27FC236}">
+                  <a16:creationId xmlns:a16="http://schemas.microsoft.com/office/drawing/2014/main" id="{6DAAEBEC-FBB0-6A39-9D4E-3060825E374D}"/>
+                </a:ext>
+              </a:extLst>
+            </p:cNvPr>
+            <p:cNvSpPr/>
+            <p:nvPr/>
+          </p:nvSpPr>
+          <p:spPr>
+            <a:xfrm>
+              <a:off x="130629" y="-2143841"/>
+              <a:ext cx="525004" cy="3594849"/>
+            </a:xfrm>
+            <a:prstGeom prst="leftBrace">
+              <a:avLst>
+                <a:gd name="adj1" fmla="val 8333"/>
+                <a:gd name="adj2" fmla="val 46366"/>
+              </a:avLst>
+            </a:prstGeom>
+            <a:ln w="12700">
               <a:solidFill>
                 <a:schemeClr val="tx1"/>
               </a:solidFill>
-            </a:endParaRPr>
-          </a:p>
-        </p:txBody>
-      </p:sp>
-      <p:sp>
-        <p:nvSpPr>
-          <p:cNvPr id="4" name="Rectangle 3">
-            <a:extLst>
-              <a:ext uri="{FF2B5EF4-FFF2-40B4-BE49-F238E27FC236}">
-                <a16:creationId xmlns:a16="http://schemas.microsoft.com/office/drawing/2014/main" id="{C772B15D-EBB5-A6D3-9DCA-E79807E35F0A}"/>
-              </a:ext>
-            </a:extLst>
-          </p:cNvPr>
-          <p:cNvSpPr/>
-          <p:nvPr/>
-        </p:nvSpPr>
-        <p:spPr>
-          <a:xfrm>
-            <a:off x="7851709" y="1066800"/>
-            <a:ext cx="3237723" cy="765111"/>
-          </a:xfrm>
-          <a:prstGeom prst="rect">
-            <a:avLst/>
-          </a:prstGeom>
-          <a:solidFill>
-            <a:schemeClr val="bg1"/>
-          </a:solidFill>
-          <a:ln>
-            <a:solidFill>
+            </a:ln>
+          </p:spPr>
+          <p:style>
+            <a:lnRef idx="1">
+              <a:schemeClr val="accent1"/>
+            </a:lnRef>
+            <a:fillRef idx="0">
+              <a:schemeClr val="accent1"/>
+            </a:fillRef>
+            <a:effectRef idx="0">
+              <a:schemeClr val="accent1"/>
+            </a:effectRef>
+            <a:fontRef idx="minor">
               <a:schemeClr val="tx1"/>
-            </a:solidFill>
-          </a:ln>
-        </p:spPr>
-        <p:style>
-          <a:lnRef idx="2">
-            <a:schemeClr val="accent1">
-              <a:shade val="50000"/>
-            </a:schemeClr>
-          </a:lnRef>
-          <a:fillRef idx="1">
-            <a:schemeClr val="accent1"/>
-          </a:fillRef>
-          <a:effectRef idx="0">
-            <a:schemeClr val="accent1"/>
-          </a:effectRef>
-          <a:fontRef idx="minor">
-            <a:schemeClr val="lt1"/>
-          </a:fontRef>
-        </p:style>
-        <p:txBody>
-          <a:bodyPr rtlCol="0" anchor="ctr"/>
-          <a:lstStyle/>
-          <a:p>
-            <a:pPr algn="ctr"/>
-            <a:r>
-              <a:rPr lang="de-DE" dirty="0">
-                <a:solidFill>
-                  <a:schemeClr val="tx1"/>
-                </a:solidFill>
-              </a:rPr>
-              <a:t>Extracting Large Bounding Boxes</a:t>
-            </a:r>
-            <a:endParaRPr lang="en-US" dirty="0">
+            </a:fontRef>
+          </p:style>
+          <p:txBody>
+            <a:bodyPr rtlCol="0" anchor="ctr"/>
+            <a:lstStyle/>
+            <a:p>
+              <a:pPr algn="ctr"/>
+              <a:endParaRPr lang="en-US"/>
+            </a:p>
+          </p:txBody>
+        </p:sp>
+        <p:sp>
+          <p:nvSpPr>
+            <p:cNvPr id="83" name="Left Brace 82">
+              <a:extLst>
+                <a:ext uri="{FF2B5EF4-FFF2-40B4-BE49-F238E27FC236}">
+                  <a16:creationId xmlns:a16="http://schemas.microsoft.com/office/drawing/2014/main" id="{3D26C5B3-ED28-EE6D-AD07-5B4C36D6EB55}"/>
+                </a:ext>
+              </a:extLst>
+            </p:cNvPr>
+            <p:cNvSpPr/>
+            <p:nvPr/>
+          </p:nvSpPr>
+          <p:spPr>
+            <a:xfrm>
+              <a:off x="158068" y="2326683"/>
+              <a:ext cx="447673" cy="3982877"/>
+            </a:xfrm>
+            <a:prstGeom prst="leftBrace">
+              <a:avLst>
+                <a:gd name="adj1" fmla="val 8333"/>
+                <a:gd name="adj2" fmla="val 46366"/>
+              </a:avLst>
+            </a:prstGeom>
+            <a:ln w="12700">
               <a:solidFill>
                 <a:schemeClr val="tx1"/>
               </a:solidFill>
-            </a:endParaRPr>
-          </a:p>
-        </p:txBody>
-      </p:sp>
-      <p:sp>
-        <p:nvSpPr>
-          <p:cNvPr id="5" name="Rectangle 4">
-            <a:extLst>
-              <a:ext uri="{FF2B5EF4-FFF2-40B4-BE49-F238E27FC236}">
-                <a16:creationId xmlns:a16="http://schemas.microsoft.com/office/drawing/2014/main" id="{1113E09E-4E22-8EB0-4042-406BCCDDA373}"/>
-              </a:ext>
-            </a:extLst>
-          </p:cNvPr>
-          <p:cNvSpPr/>
-          <p:nvPr/>
-        </p:nvSpPr>
-        <p:spPr>
-          <a:xfrm>
-            <a:off x="4315406" y="2055844"/>
-            <a:ext cx="3237723" cy="765111"/>
-          </a:xfrm>
-          <a:prstGeom prst="rect">
-            <a:avLst/>
-          </a:prstGeom>
-          <a:solidFill>
-            <a:schemeClr val="bg1"/>
-          </a:solidFill>
-          <a:ln>
-            <a:solidFill>
+            </a:ln>
+          </p:spPr>
+          <p:style>
+            <a:lnRef idx="1">
+              <a:schemeClr val="accent1"/>
+            </a:lnRef>
+            <a:fillRef idx="0">
+              <a:schemeClr val="accent1"/>
+            </a:fillRef>
+            <a:effectRef idx="0">
+              <a:schemeClr val="accent1"/>
+            </a:effectRef>
+            <a:fontRef idx="minor">
               <a:schemeClr val="tx1"/>
-            </a:solidFill>
-          </a:ln>
-        </p:spPr>
-        <p:style>
-          <a:lnRef idx="2">
-            <a:schemeClr val="accent1">
-              <a:shade val="50000"/>
-            </a:schemeClr>
-          </a:lnRef>
-          <a:fillRef idx="1">
-            <a:schemeClr val="accent1"/>
-          </a:fillRef>
-          <a:effectRef idx="0">
-            <a:schemeClr val="accent1"/>
-          </a:effectRef>
-          <a:fontRef idx="minor">
-            <a:schemeClr val="lt1"/>
-          </a:fontRef>
-        </p:style>
-        <p:txBody>
-          <a:bodyPr rtlCol="0" anchor="ctr"/>
-          <a:lstStyle/>
-          <a:p>
-            <a:pPr algn="ctr"/>
-            <a:r>
-              <a:rPr lang="de-DE" dirty="0">
-                <a:solidFill>
-                  <a:schemeClr val="tx1"/>
-                </a:solidFill>
-              </a:rPr>
-              <a:t>Finding Neighboring Plant Sections</a:t>
-            </a:r>
-            <a:endParaRPr lang="en-US" dirty="0">
+            </a:fontRef>
+          </p:style>
+          <p:txBody>
+            <a:bodyPr rtlCol="0" anchor="ctr"/>
+            <a:lstStyle/>
+            <a:p>
+              <a:pPr algn="ctr"/>
+              <a:endParaRPr lang="en-US"/>
+            </a:p>
+          </p:txBody>
+        </p:sp>
+        <p:sp>
+          <p:nvSpPr>
+            <p:cNvPr id="84" name="Left Brace 83">
+              <a:extLst>
+                <a:ext uri="{FF2B5EF4-FFF2-40B4-BE49-F238E27FC236}">
+                  <a16:creationId xmlns:a16="http://schemas.microsoft.com/office/drawing/2014/main" id="{F0749A18-5207-CB10-8A03-D75C7D074123}"/>
+                </a:ext>
+              </a:extLst>
+            </p:cNvPr>
+            <p:cNvSpPr/>
+            <p:nvPr/>
+          </p:nvSpPr>
+          <p:spPr>
+            <a:xfrm>
+              <a:off x="169294" y="1512633"/>
+              <a:ext cx="447673" cy="752424"/>
+            </a:xfrm>
+            <a:prstGeom prst="leftBrace">
+              <a:avLst>
+                <a:gd name="adj1" fmla="val 8333"/>
+                <a:gd name="adj2" fmla="val 46366"/>
+              </a:avLst>
+            </a:prstGeom>
+            <a:ln w="12700">
               <a:solidFill>
                 <a:schemeClr val="tx1"/>
               </a:solidFill>
-            </a:endParaRPr>
-          </a:p>
-        </p:txBody>
-      </p:sp>
-      <p:sp>
-        <p:nvSpPr>
-          <p:cNvPr id="6" name="Rectangle 5">
-            <a:extLst>
-              <a:ext uri="{FF2B5EF4-FFF2-40B4-BE49-F238E27FC236}">
-                <a16:creationId xmlns:a16="http://schemas.microsoft.com/office/drawing/2014/main" id="{B03AED21-206D-0275-E425-2E0B833AD0EB}"/>
-              </a:ext>
-            </a:extLst>
-          </p:cNvPr>
-          <p:cNvSpPr/>
-          <p:nvPr/>
-        </p:nvSpPr>
-        <p:spPr>
-          <a:xfrm>
-            <a:off x="4282748" y="3027781"/>
-            <a:ext cx="3237723" cy="765111"/>
-          </a:xfrm>
-          <a:prstGeom prst="rect">
-            <a:avLst/>
-          </a:prstGeom>
-          <a:solidFill>
-            <a:schemeClr val="bg1"/>
-          </a:solidFill>
-          <a:ln>
-            <a:solidFill>
+            </a:ln>
+          </p:spPr>
+          <p:style>
+            <a:lnRef idx="1">
+              <a:schemeClr val="accent1"/>
+            </a:lnRef>
+            <a:fillRef idx="0">
+              <a:schemeClr val="accent1"/>
+            </a:fillRef>
+            <a:effectRef idx="0">
+              <a:schemeClr val="accent1"/>
+            </a:effectRef>
+            <a:fontRef idx="minor">
               <a:schemeClr val="tx1"/>
-            </a:solidFill>
-          </a:ln>
-        </p:spPr>
-        <p:style>
-          <a:lnRef idx="2">
-            <a:schemeClr val="accent1">
-              <a:shade val="50000"/>
-            </a:schemeClr>
-          </a:lnRef>
-          <a:fillRef idx="1">
-            <a:schemeClr val="accent1"/>
-          </a:fillRef>
-          <a:effectRef idx="0">
-            <a:schemeClr val="accent1"/>
-          </a:effectRef>
-          <a:fontRef idx="minor">
-            <a:schemeClr val="lt1"/>
-          </a:fontRef>
-        </p:style>
-        <p:txBody>
-          <a:bodyPr rtlCol="0" anchor="ctr"/>
-          <a:lstStyle/>
-          <a:p>
-            <a:pPr algn="ctr"/>
-            <a:r>
-              <a:rPr lang="de-DE" dirty="0">
-                <a:solidFill>
-                  <a:schemeClr val="tx1"/>
-                </a:solidFill>
-              </a:rPr>
-              <a:t>Removing Identical Neighboring Plant Section Combinations</a:t>
-            </a:r>
-            <a:endParaRPr lang="en-US" dirty="0">
-              <a:solidFill>
-                <a:schemeClr val="tx1"/>
-              </a:solidFill>
-            </a:endParaRPr>
-          </a:p>
-        </p:txBody>
-      </p:sp>
-      <p:sp>
-        <p:nvSpPr>
-          <p:cNvPr id="7" name="Rectangle 6">
-            <a:extLst>
-              <a:ext uri="{FF2B5EF4-FFF2-40B4-BE49-F238E27FC236}">
-                <a16:creationId xmlns:a16="http://schemas.microsoft.com/office/drawing/2014/main" id="{716F0FDE-D7A1-9B53-A035-858028AA17A9}"/>
-              </a:ext>
-            </a:extLst>
-          </p:cNvPr>
-          <p:cNvSpPr/>
-          <p:nvPr/>
-        </p:nvSpPr>
-        <p:spPr>
-          <a:xfrm>
-            <a:off x="4282748" y="4052594"/>
-            <a:ext cx="3237723" cy="765111"/>
-          </a:xfrm>
-          <a:prstGeom prst="rect">
-            <a:avLst/>
-          </a:prstGeom>
-          <a:solidFill>
-            <a:schemeClr val="bg1"/>
-          </a:solidFill>
-          <a:ln>
-            <a:solidFill>
-              <a:schemeClr val="tx1"/>
-            </a:solidFill>
-          </a:ln>
-        </p:spPr>
-        <p:style>
-          <a:lnRef idx="2">
-            <a:schemeClr val="accent1">
-              <a:shade val="50000"/>
-            </a:schemeClr>
-          </a:lnRef>
-          <a:fillRef idx="1">
-            <a:schemeClr val="accent1"/>
-          </a:fillRef>
-          <a:effectRef idx="0">
-            <a:schemeClr val="accent1"/>
-          </a:effectRef>
-          <a:fontRef idx="minor">
-            <a:schemeClr val="lt1"/>
-          </a:fontRef>
-        </p:style>
-        <p:txBody>
-          <a:bodyPr rtlCol="0" anchor="ctr"/>
-          <a:lstStyle/>
-          <a:p>
-            <a:pPr algn="ctr"/>
-            <a:r>
-              <a:rPr lang="de-DE" dirty="0">
-                <a:solidFill>
-                  <a:schemeClr val="tx1"/>
-                </a:solidFill>
-              </a:rPr>
-              <a:t>Line Segments (Feature) Extraction using either Canny, Sobel or LoG</a:t>
-            </a:r>
-            <a:endParaRPr lang="en-US" dirty="0">
-              <a:solidFill>
-                <a:schemeClr val="tx1"/>
-              </a:solidFill>
-            </a:endParaRPr>
-          </a:p>
-        </p:txBody>
-      </p:sp>
-      <p:sp>
-        <p:nvSpPr>
-          <p:cNvPr id="8" name="Rectangle 7">
-            <a:extLst>
-              <a:ext uri="{FF2B5EF4-FFF2-40B4-BE49-F238E27FC236}">
-                <a16:creationId xmlns:a16="http://schemas.microsoft.com/office/drawing/2014/main" id="{F3285953-CEC2-7D8B-70F5-967778C090BD}"/>
-              </a:ext>
-            </a:extLst>
-          </p:cNvPr>
-          <p:cNvSpPr/>
-          <p:nvPr/>
-        </p:nvSpPr>
-        <p:spPr>
-          <a:xfrm>
-            <a:off x="4282747" y="5066510"/>
-            <a:ext cx="3237723" cy="765111"/>
-          </a:xfrm>
-          <a:prstGeom prst="rect">
-            <a:avLst/>
-          </a:prstGeom>
-          <a:solidFill>
-            <a:schemeClr val="bg1"/>
-          </a:solidFill>
-          <a:ln>
-            <a:solidFill>
-              <a:schemeClr val="tx1"/>
-            </a:solidFill>
-          </a:ln>
-        </p:spPr>
-        <p:style>
-          <a:lnRef idx="2">
-            <a:schemeClr val="accent1">
-              <a:shade val="50000"/>
-            </a:schemeClr>
-          </a:lnRef>
-          <a:fillRef idx="1">
-            <a:schemeClr val="accent1"/>
-          </a:fillRef>
-          <a:effectRef idx="0">
-            <a:schemeClr val="accent1"/>
-          </a:effectRef>
-          <a:fontRef idx="minor">
-            <a:schemeClr val="lt1"/>
-          </a:fontRef>
-        </p:style>
-        <p:txBody>
-          <a:bodyPr rtlCol="0" anchor="ctr"/>
-          <a:lstStyle/>
-          <a:p>
-            <a:pPr algn="ctr"/>
-            <a:r>
-              <a:rPr lang="de-DE" dirty="0">
-                <a:solidFill>
-                  <a:schemeClr val="tx1"/>
-                </a:solidFill>
-              </a:rPr>
-              <a:t>Removing Identical Neighboring Plant Section Combinations</a:t>
-            </a:r>
-            <a:endParaRPr lang="en-US" dirty="0">
-              <a:solidFill>
-                <a:schemeClr val="tx1"/>
-              </a:solidFill>
-            </a:endParaRPr>
-          </a:p>
-        </p:txBody>
-      </p:sp>
+            </a:fontRef>
+          </p:style>
+          <p:txBody>
+            <a:bodyPr rtlCol="0" anchor="ctr"/>
+            <a:lstStyle/>
+            <a:p>
+              <a:pPr algn="ctr"/>
+              <a:endParaRPr lang="en-US"/>
+            </a:p>
+          </p:txBody>
+        </p:sp>
+        <p:sp>
+          <p:nvSpPr>
+            <p:cNvPr id="85" name="TextBox 84">
+              <a:extLst>
+                <a:ext uri="{FF2B5EF4-FFF2-40B4-BE49-F238E27FC236}">
+                  <a16:creationId xmlns:a16="http://schemas.microsoft.com/office/drawing/2014/main" id="{D012DDFC-58CC-E38F-6CB7-AA4E22E5C1C3}"/>
+                </a:ext>
+              </a:extLst>
+            </p:cNvPr>
+            <p:cNvSpPr txBox="1"/>
+            <p:nvPr/>
+          </p:nvSpPr>
+          <p:spPr>
+            <a:xfrm>
+              <a:off x="-1426720" y="-644964"/>
+              <a:ext cx="1843315" cy="369332"/>
+            </a:xfrm>
+            <a:prstGeom prst="rect">
+              <a:avLst/>
+            </a:prstGeom>
+            <a:noFill/>
+          </p:spPr>
+          <p:txBody>
+            <a:bodyPr wrap="square" rtlCol="0">
+              <a:spAutoFit/>
+            </a:bodyPr>
+            <a:lstStyle/>
+            <a:p>
+              <a:r>
+                <a:rPr lang="de-DE" dirty="0"/>
+                <a:t>Preprocessing</a:t>
+              </a:r>
+              <a:endParaRPr lang="en-US" dirty="0"/>
+            </a:p>
+          </p:txBody>
+        </p:sp>
+        <p:sp>
+          <p:nvSpPr>
+            <p:cNvPr id="86" name="TextBox 85">
+              <a:extLst>
+                <a:ext uri="{FF2B5EF4-FFF2-40B4-BE49-F238E27FC236}">
+                  <a16:creationId xmlns:a16="http://schemas.microsoft.com/office/drawing/2014/main" id="{489FE585-8416-A139-F120-E72A1C11CA3E}"/>
+                </a:ext>
+              </a:extLst>
+            </p:cNvPr>
+            <p:cNvSpPr txBox="1"/>
+            <p:nvPr/>
+          </p:nvSpPr>
+          <p:spPr>
+            <a:xfrm>
+              <a:off x="-1787520" y="1683559"/>
+              <a:ext cx="2112614" cy="369332"/>
+            </a:xfrm>
+            <a:prstGeom prst="rect">
+              <a:avLst/>
+            </a:prstGeom>
+            <a:noFill/>
+          </p:spPr>
+          <p:txBody>
+            <a:bodyPr wrap="square" rtlCol="0">
+              <a:spAutoFit/>
+            </a:bodyPr>
+            <a:lstStyle/>
+            <a:p>
+              <a:r>
+                <a:rPr lang="de-DE" dirty="0"/>
+                <a:t>Feature Extraction</a:t>
+              </a:r>
+              <a:endParaRPr lang="en-US" dirty="0"/>
+            </a:p>
+          </p:txBody>
+        </p:sp>
+        <p:sp>
+          <p:nvSpPr>
+            <p:cNvPr id="87" name="TextBox 86">
+              <a:extLst>
+                <a:ext uri="{FF2B5EF4-FFF2-40B4-BE49-F238E27FC236}">
+                  <a16:creationId xmlns:a16="http://schemas.microsoft.com/office/drawing/2014/main" id="{3A4FDA01-E51B-0271-28C9-ECCBAEBF016B}"/>
+                </a:ext>
+              </a:extLst>
+            </p:cNvPr>
+            <p:cNvSpPr txBox="1"/>
+            <p:nvPr/>
+          </p:nvSpPr>
+          <p:spPr>
+            <a:xfrm>
+              <a:off x="-1280484" y="3990178"/>
+              <a:ext cx="1946154" cy="369332"/>
+            </a:xfrm>
+            <a:prstGeom prst="rect">
+              <a:avLst/>
+            </a:prstGeom>
+            <a:noFill/>
+          </p:spPr>
+          <p:txBody>
+            <a:bodyPr wrap="square" rtlCol="0">
+              <a:spAutoFit/>
+            </a:bodyPr>
+            <a:lstStyle/>
+            <a:p>
+              <a:r>
+                <a:rPr lang="de-DE" dirty="0"/>
+                <a:t>Classification</a:t>
+              </a:r>
+              <a:endParaRPr lang="en-US" dirty="0"/>
+            </a:p>
+          </p:txBody>
+        </p:sp>
+      </p:grpSp>
     </p:spTree>
     <p:extLst>
       <p:ext uri="{BB962C8B-B14F-4D97-AF65-F5344CB8AC3E}">
         <p14:creationId xmlns:p14="http://schemas.microsoft.com/office/powerpoint/2010/main" val="3173801725"/>
+      </p:ext>
+    </p:extLst>
+  </p:cSld>
+  <p:clrMapOvr>
+    <a:masterClrMapping/>
+  </p:clrMapOvr>
+</p:sld>
+</file>
+
+<file path=ppt/slides/slide8.xml><?xml version="1.0" encoding="utf-8"?>
+<p:sld xmlns:a="http://schemas.openxmlformats.org/drawingml/2006/main" xmlns:r="http://schemas.openxmlformats.org/officeDocument/2006/relationships" xmlns:p="http://schemas.openxmlformats.org/presentationml/2006/main">
+  <p:cSld>
+    <p:spTree>
+      <p:nvGrpSpPr>
+        <p:cNvPr id="1" name=""/>
+        <p:cNvGrpSpPr/>
+        <p:nvPr/>
+      </p:nvGrpSpPr>
+      <p:grpSpPr>
+        <a:xfrm>
+          <a:off x="0" y="0"/>
+          <a:ext cx="0" cy="0"/>
+          <a:chOff x="0" y="0"/>
+          <a:chExt cx="0" cy="0"/>
+        </a:xfrm>
+      </p:grpSpPr>
+    </p:spTree>
+    <p:extLst>
+      <p:ext uri="{BB962C8B-B14F-4D97-AF65-F5344CB8AC3E}">
+        <p14:creationId xmlns:p14="http://schemas.microsoft.com/office/powerpoint/2010/main" val="1090770735"/>
       </p:ext>
     </p:extLst>
   </p:cSld>

--- a/Report/Documentation/Images/figures.pptx
+++ b/Report/Documentation/Images/figures.pptx
@@ -15,6 +15,10 @@
     <p:sldId id="265" r:id="rId9"/>
     <p:sldId id="264" r:id="rId10"/>
     <p:sldId id="263" r:id="rId11"/>
+    <p:sldId id="269" r:id="rId12"/>
+    <p:sldId id="266" r:id="rId13"/>
+    <p:sldId id="267" r:id="rId14"/>
+    <p:sldId id="268" r:id="rId15"/>
   </p:sldIdLst>
   <p:sldSz cx="12192000" cy="6858000"/>
   <p:notesSz cx="6858000" cy="9144000"/>
@@ -119,6 +123,146 @@
     </p:ext>
   </p:extLst>
 </p:presentation>
+</file>
+
+<file path=ppt/ink/ink1.xml><?xml version="1.0" encoding="utf-8"?>
+<inkml:ink xmlns:inkml="http://www.w3.org/2003/InkML">
+  <inkml:definitions>
+    <inkml:context xml:id="ctx0">
+      <inkml:inkSource xml:id="inkSrc0">
+        <inkml:traceFormat>
+          <inkml:channel name="X" type="integer" min="-2.14748E9" max="2.14748E9" units="cm"/>
+          <inkml:channel name="Y" type="integer" min="-2.14748E9" max="2.14748E9" units="cm"/>
+          <inkml:channel name="F" type="integer" max="32767" units="dev"/>
+        </inkml:traceFormat>
+        <inkml:channelProperties>
+          <inkml:channelProperty channel="X" name="resolution" value="1000" units="1/cm"/>
+          <inkml:channelProperty channel="Y" name="resolution" value="1000" units="1/cm"/>
+          <inkml:channelProperty channel="F" name="resolution" value="0" units="1/dev"/>
+        </inkml:channelProperties>
+      </inkml:inkSource>
+      <inkml:timestamp xml:id="ts0" timeString="2023-07-31T14:28:45.340"/>
+    </inkml:context>
+    <inkml:brush xml:id="br0">
+      <inkml:brushProperty name="width" value="0.1" units="cm"/>
+      <inkml:brushProperty name="height" value="0.1" units="cm"/>
+      <inkml:brushProperty name="color" value="#FFFFFF"/>
+    </inkml:brush>
+  </inkml:definitions>
+  <inkml:trace contextRef="#ctx0" brushRef="#br0">1 1 24575,'0'0'-8191</inkml:trace>
+</inkml:ink>
+</file>
+
+<file path=ppt/ink/ink2.xml><?xml version="1.0" encoding="utf-8"?>
+<inkml:ink xmlns:inkml="http://www.w3.org/2003/InkML">
+  <inkml:definitions>
+    <inkml:context xml:id="ctx0">
+      <inkml:inkSource xml:id="inkSrc0">
+        <inkml:traceFormat>
+          <inkml:channel name="X" type="integer" min="-2.14748E9" max="2.14748E9" units="cm"/>
+          <inkml:channel name="Y" type="integer" min="-2.14748E9" max="2.14748E9" units="cm"/>
+          <inkml:channel name="F" type="integer" max="32767" units="dev"/>
+        </inkml:traceFormat>
+        <inkml:channelProperties>
+          <inkml:channelProperty channel="X" name="resolution" value="1000" units="1/cm"/>
+          <inkml:channelProperty channel="Y" name="resolution" value="1000" units="1/cm"/>
+          <inkml:channelProperty channel="F" name="resolution" value="0" units="1/dev"/>
+        </inkml:channelProperties>
+      </inkml:inkSource>
+      <inkml:timestamp xml:id="ts0" timeString="2023-07-31T14:28:57.319"/>
+    </inkml:context>
+    <inkml:brush xml:id="br0">
+      <inkml:brushProperty name="width" value="0.05" units="cm"/>
+      <inkml:brushProperty name="height" value="0.05" units="cm"/>
+      <inkml:brushProperty name="color" value="#E71224"/>
+    </inkml:brush>
+  </inkml:definitions>
+  <inkml:trace contextRef="#ctx0" brushRef="#br0">1 1 24575,'0'0'-8191</inkml:trace>
+</inkml:ink>
+</file>
+
+<file path=ppt/ink/ink3.xml><?xml version="1.0" encoding="utf-8"?>
+<inkml:ink xmlns:inkml="http://www.w3.org/2003/InkML">
+  <inkml:definitions>
+    <inkml:context xml:id="ctx0">
+      <inkml:inkSource xml:id="inkSrc0">
+        <inkml:traceFormat>
+          <inkml:channel name="X" type="integer" min="-2.14748E9" max="2.14748E9" units="cm"/>
+          <inkml:channel name="Y" type="integer" min="-2.14748E9" max="2.14748E9" units="cm"/>
+          <inkml:channel name="F" type="integer" max="32767" units="dev"/>
+        </inkml:traceFormat>
+        <inkml:channelProperties>
+          <inkml:channelProperty channel="X" name="resolution" value="1000" units="1/cm"/>
+          <inkml:channelProperty channel="Y" name="resolution" value="1000" units="1/cm"/>
+          <inkml:channelProperty channel="F" name="resolution" value="0" units="1/dev"/>
+        </inkml:channelProperties>
+      </inkml:inkSource>
+      <inkml:timestamp xml:id="ts0" timeString="2023-07-31T14:28:59.695"/>
+    </inkml:context>
+    <inkml:brush xml:id="br0">
+      <inkml:brushProperty name="width" value="0.05" units="cm"/>
+      <inkml:brushProperty name="height" value="0.05" units="cm"/>
+      <inkml:brushProperty name="color" value="#E71224"/>
+    </inkml:brush>
+  </inkml:definitions>
+  <inkml:trace contextRef="#ctx0" brushRef="#br0">1 1 24575,'0'0'-8191</inkml:trace>
+</inkml:ink>
+</file>
+
+<file path=ppt/ink/ink4.xml><?xml version="1.0" encoding="utf-8"?>
+<inkml:ink xmlns:inkml="http://www.w3.org/2003/InkML">
+  <inkml:definitions>
+    <inkml:context xml:id="ctx0">
+      <inkml:inkSource xml:id="inkSrc0">
+        <inkml:traceFormat>
+          <inkml:channel name="X" type="integer" min="-2.14748E9" max="2.14748E9" units="cm"/>
+          <inkml:channel name="Y" type="integer" min="-2.14748E9" max="2.14748E9" units="cm"/>
+          <inkml:channel name="F" type="integer" max="32767" units="dev"/>
+        </inkml:traceFormat>
+        <inkml:channelProperties>
+          <inkml:channelProperty channel="X" name="resolution" value="1000" units="1/cm"/>
+          <inkml:channelProperty channel="Y" name="resolution" value="1000" units="1/cm"/>
+          <inkml:channelProperty channel="F" name="resolution" value="0" units="1/dev"/>
+        </inkml:channelProperties>
+      </inkml:inkSource>
+      <inkml:timestamp xml:id="ts0" timeString="2023-07-31T14:29:03.113"/>
+    </inkml:context>
+    <inkml:brush xml:id="br0">
+      <inkml:brushProperty name="width" value="0.05" units="cm"/>
+      <inkml:brushProperty name="height" value="0.05" units="cm"/>
+      <inkml:brushProperty name="color" value="#E71224"/>
+    </inkml:brush>
+  </inkml:definitions>
+  <inkml:trace contextRef="#ctx0" brushRef="#br0">0 1 24575,'0'0'-8191</inkml:trace>
+</inkml:ink>
+</file>
+
+<file path=ppt/ink/ink5.xml><?xml version="1.0" encoding="utf-8"?>
+<inkml:ink xmlns:inkml="http://www.w3.org/2003/InkML">
+  <inkml:definitions>
+    <inkml:context xml:id="ctx0">
+      <inkml:inkSource xml:id="inkSrc0">
+        <inkml:traceFormat>
+          <inkml:channel name="X" type="integer" min="-2.14748E9" max="2.14748E9" units="cm"/>
+          <inkml:channel name="Y" type="integer" min="-2.14748E9" max="2.14748E9" units="cm"/>
+          <inkml:channel name="F" type="integer" max="32767" units="dev"/>
+        </inkml:traceFormat>
+        <inkml:channelProperties>
+          <inkml:channelProperty channel="X" name="resolution" value="1000" units="1/cm"/>
+          <inkml:channelProperty channel="Y" name="resolution" value="1000" units="1/cm"/>
+          <inkml:channelProperty channel="F" name="resolution" value="0" units="1/dev"/>
+        </inkml:channelProperties>
+      </inkml:inkSource>
+      <inkml:timestamp xml:id="ts0" timeString="2023-07-31T14:29:27.005"/>
+    </inkml:context>
+    <inkml:brush xml:id="br0">
+      <inkml:brushProperty name="width" value="0.1" units="cm"/>
+      <inkml:brushProperty name="height" value="0.1" units="cm"/>
+      <inkml:brushProperty name="color" value="#FFFFFF"/>
+    </inkml:brush>
+  </inkml:definitions>
+  <inkml:trace contextRef="#ctx0" brushRef="#br0">1 0 24575,'0'0'-8191</inkml:trace>
+</inkml:ink>
 </file>
 
 <file path=ppt/slideLayouts/slideLayout1.xml><?xml version="1.0" encoding="utf-8"?>
@@ -268,7 +412,7 @@
           <a:p>
             <a:fld id="{10EB2739-34E3-484D-896F-9DEF711C0B4A}" type="datetimeFigureOut">
               <a:rPr lang="en-US" smtClean="0"/>
-              <a:t>7/30/2023</a:t>
+              <a:t>7/31/2023</a:t>
             </a:fld>
             <a:endParaRPr lang="en-US"/>
           </a:p>
@@ -466,7 +610,7 @@
           <a:p>
             <a:fld id="{10EB2739-34E3-484D-896F-9DEF711C0B4A}" type="datetimeFigureOut">
               <a:rPr lang="en-US" smtClean="0"/>
-              <a:t>7/30/2023</a:t>
+              <a:t>7/31/2023</a:t>
             </a:fld>
             <a:endParaRPr lang="en-US"/>
           </a:p>
@@ -674,7 +818,7 @@
           <a:p>
             <a:fld id="{10EB2739-34E3-484D-896F-9DEF711C0B4A}" type="datetimeFigureOut">
               <a:rPr lang="en-US" smtClean="0"/>
-              <a:t>7/30/2023</a:t>
+              <a:t>7/31/2023</a:t>
             </a:fld>
             <a:endParaRPr lang="en-US"/>
           </a:p>
@@ -872,7 +1016,7 @@
           <a:p>
             <a:fld id="{10EB2739-34E3-484D-896F-9DEF711C0B4A}" type="datetimeFigureOut">
               <a:rPr lang="en-US" smtClean="0"/>
-              <a:t>7/30/2023</a:t>
+              <a:t>7/31/2023</a:t>
             </a:fld>
             <a:endParaRPr lang="en-US"/>
           </a:p>
@@ -1147,7 +1291,7 @@
           <a:p>
             <a:fld id="{10EB2739-34E3-484D-896F-9DEF711C0B4A}" type="datetimeFigureOut">
               <a:rPr lang="en-US" smtClean="0"/>
-              <a:t>7/30/2023</a:t>
+              <a:t>7/31/2023</a:t>
             </a:fld>
             <a:endParaRPr lang="en-US"/>
           </a:p>
@@ -1412,7 +1556,7 @@
           <a:p>
             <a:fld id="{10EB2739-34E3-484D-896F-9DEF711C0B4A}" type="datetimeFigureOut">
               <a:rPr lang="en-US" smtClean="0"/>
-              <a:t>7/30/2023</a:t>
+              <a:t>7/31/2023</a:t>
             </a:fld>
             <a:endParaRPr lang="en-US"/>
           </a:p>
@@ -1824,7 +1968,7 @@
           <a:p>
             <a:fld id="{10EB2739-34E3-484D-896F-9DEF711C0B4A}" type="datetimeFigureOut">
               <a:rPr lang="en-US" smtClean="0"/>
-              <a:t>7/30/2023</a:t>
+              <a:t>7/31/2023</a:t>
             </a:fld>
             <a:endParaRPr lang="en-US"/>
           </a:p>
@@ -1965,7 +2109,7 @@
           <a:p>
             <a:fld id="{10EB2739-34E3-484D-896F-9DEF711C0B4A}" type="datetimeFigureOut">
               <a:rPr lang="en-US" smtClean="0"/>
-              <a:t>7/30/2023</a:t>
+              <a:t>7/31/2023</a:t>
             </a:fld>
             <a:endParaRPr lang="en-US"/>
           </a:p>
@@ -2078,7 +2222,7 @@
           <a:p>
             <a:fld id="{10EB2739-34E3-484D-896F-9DEF711C0B4A}" type="datetimeFigureOut">
               <a:rPr lang="en-US" smtClean="0"/>
-              <a:t>7/30/2023</a:t>
+              <a:t>7/31/2023</a:t>
             </a:fld>
             <a:endParaRPr lang="en-US"/>
           </a:p>
@@ -2389,7 +2533,7 @@
           <a:p>
             <a:fld id="{10EB2739-34E3-484D-896F-9DEF711C0B4A}" type="datetimeFigureOut">
               <a:rPr lang="en-US" smtClean="0"/>
-              <a:t>7/30/2023</a:t>
+              <a:t>7/31/2023</a:t>
             </a:fld>
             <a:endParaRPr lang="en-US"/>
           </a:p>
@@ -2677,7 +2821,7 @@
           <a:p>
             <a:fld id="{10EB2739-34E3-484D-896F-9DEF711C0B4A}" type="datetimeFigureOut">
               <a:rPr lang="en-US" smtClean="0"/>
-              <a:t>7/30/2023</a:t>
+              <a:t>7/31/2023</a:t>
             </a:fld>
             <a:endParaRPr lang="en-US"/>
           </a:p>
@@ -2918,7 +3062,7 @@
           <a:p>
             <a:fld id="{10EB2739-34E3-484D-896F-9DEF711C0B4A}" type="datetimeFigureOut">
               <a:rPr lang="en-US" smtClean="0"/>
-              <a:t>7/30/2023</a:t>
+              <a:t>7/31/2023</a:t>
             </a:fld>
             <a:endParaRPr lang="en-US"/>
           </a:p>
@@ -5511,6 +5655,1856 @@
     <p:extLst>
       <p:ext uri="{BB962C8B-B14F-4D97-AF65-F5344CB8AC3E}">
         <p14:creationId xmlns:p14="http://schemas.microsoft.com/office/powerpoint/2010/main" val="1090770735"/>
+      </p:ext>
+    </p:extLst>
+  </p:cSld>
+  <p:clrMapOvr>
+    <a:masterClrMapping/>
+  </p:clrMapOvr>
+</p:sld>
+</file>
+
+<file path=ppt/slides/slide11.xml><?xml version="1.0" encoding="utf-8"?>
+<p:sld xmlns:a="http://schemas.openxmlformats.org/drawingml/2006/main" xmlns:r="http://schemas.openxmlformats.org/officeDocument/2006/relationships" xmlns:p="http://schemas.openxmlformats.org/presentationml/2006/main">
+  <p:cSld>
+    <p:spTree>
+      <p:nvGrpSpPr>
+        <p:cNvPr id="1" name=""/>
+        <p:cNvGrpSpPr/>
+        <p:nvPr/>
+      </p:nvGrpSpPr>
+      <p:grpSpPr>
+        <a:xfrm>
+          <a:off x="0" y="0"/>
+          <a:ext cx="0" cy="0"/>
+          <a:chOff x="0" y="0"/>
+          <a:chExt cx="0" cy="0"/>
+        </a:xfrm>
+      </p:grpSpPr>
+      <p:grpSp>
+        <p:nvGrpSpPr>
+          <p:cNvPr id="8" name="Group 7">
+            <a:extLst>
+              <a:ext uri="{FF2B5EF4-FFF2-40B4-BE49-F238E27FC236}">
+                <a16:creationId xmlns:a16="http://schemas.microsoft.com/office/drawing/2014/main" id="{9B676999-3AAD-9BE1-FA6F-CBFFDF92E3B9}"/>
+              </a:ext>
+            </a:extLst>
+          </p:cNvPr>
+          <p:cNvGrpSpPr/>
+          <p:nvPr/>
+        </p:nvGrpSpPr>
+        <p:grpSpPr>
+          <a:xfrm>
+            <a:off x="1097280" y="728543"/>
+            <a:ext cx="9760640" cy="4263635"/>
+            <a:chOff x="1097280" y="728543"/>
+            <a:chExt cx="9760640" cy="4263635"/>
+          </a:xfrm>
+        </p:grpSpPr>
+        <p:pic>
+          <p:nvPicPr>
+            <p:cNvPr id="4" name="Picture 3">
+              <a:extLst>
+                <a:ext uri="{FF2B5EF4-FFF2-40B4-BE49-F238E27FC236}">
+                  <a16:creationId xmlns:a16="http://schemas.microsoft.com/office/drawing/2014/main" id="{716CDE66-2F6A-1016-869F-00A04A78D3DB}"/>
+                </a:ext>
+              </a:extLst>
+            </p:cNvPr>
+            <p:cNvPicPr>
+              <a:picLocks noChangeAspect="1"/>
+            </p:cNvPicPr>
+            <p:nvPr/>
+          </p:nvPicPr>
+          <p:blipFill rotWithShape="1">
+            <a:blip r:embed="rId2">
+              <a:extLst>
+                <a:ext uri="{BEBA8EAE-BF5A-486C-A8C5-ECC9F3942E4B}">
+                  <a14:imgProps xmlns:a14="http://schemas.microsoft.com/office/drawing/2010/main">
+                    <a14:imgLayer r:embed="rId3">
+                      <a14:imgEffect>
+                        <a14:sharpenSoften amount="-2000"/>
+                      </a14:imgEffect>
+                      <a14:imgEffect>
+                        <a14:colorTemperature colorTemp="11200"/>
+                      </a14:imgEffect>
+                      <a14:imgEffect>
+                        <a14:saturation sat="400000"/>
+                      </a14:imgEffect>
+                      <a14:imgEffect>
+                        <a14:brightnessContrast bright="55000" contrast="100000"/>
+                      </a14:imgEffect>
+                    </a14:imgLayer>
+                  </a14:imgProps>
+                </a:ext>
+              </a:extLst>
+            </a:blip>
+            <a:srcRect l="32274" t="17959" r="43046" b="52478"/>
+            <a:stretch/>
+          </p:blipFill>
+          <p:spPr>
+            <a:xfrm>
+              <a:off x="6454886" y="1036320"/>
+              <a:ext cx="4403034" cy="3955858"/>
+            </a:xfrm>
+            <a:prstGeom prst="rect">
+              <a:avLst/>
+            </a:prstGeom>
+          </p:spPr>
+        </p:pic>
+        <p:pic>
+          <p:nvPicPr>
+            <p:cNvPr id="3" name="Picture 2">
+              <a:extLst>
+                <a:ext uri="{FF2B5EF4-FFF2-40B4-BE49-F238E27FC236}">
+                  <a16:creationId xmlns:a16="http://schemas.microsoft.com/office/drawing/2014/main" id="{E9AE4277-A594-8E0D-B95F-557BA595FE02}"/>
+                </a:ext>
+              </a:extLst>
+            </p:cNvPr>
+            <p:cNvPicPr>
+              <a:picLocks noChangeAspect="1"/>
+            </p:cNvPicPr>
+            <p:nvPr/>
+          </p:nvPicPr>
+          <p:blipFill rotWithShape="1">
+            <a:blip r:embed="rId4"/>
+            <a:srcRect l="31416" t="17778" r="42750" b="51444"/>
+            <a:stretch/>
+          </p:blipFill>
+          <p:spPr>
+            <a:xfrm>
+              <a:off x="1097280" y="1036320"/>
+              <a:ext cx="4403034" cy="3955858"/>
+            </a:xfrm>
+            <a:prstGeom prst="rect">
+              <a:avLst/>
+            </a:prstGeom>
+          </p:spPr>
+        </p:pic>
+        <p:sp>
+          <p:nvSpPr>
+            <p:cNvPr id="5" name="Arrow: Right 4">
+              <a:extLst>
+                <a:ext uri="{FF2B5EF4-FFF2-40B4-BE49-F238E27FC236}">
+                  <a16:creationId xmlns:a16="http://schemas.microsoft.com/office/drawing/2014/main" id="{56CF1330-57FF-945A-80BC-DAA80620224E}"/>
+                </a:ext>
+              </a:extLst>
+            </p:cNvPr>
+            <p:cNvSpPr/>
+            <p:nvPr/>
+          </p:nvSpPr>
+          <p:spPr>
+            <a:xfrm>
+              <a:off x="5775990" y="2870230"/>
+              <a:ext cx="403220" cy="288038"/>
+            </a:xfrm>
+            <a:prstGeom prst="rightArrow">
+              <a:avLst/>
+            </a:prstGeom>
+            <a:solidFill>
+              <a:srgbClr val="C00000"/>
+            </a:solidFill>
+            <a:ln>
+              <a:solidFill>
+                <a:srgbClr val="C00000"/>
+              </a:solidFill>
+            </a:ln>
+          </p:spPr>
+          <p:style>
+            <a:lnRef idx="2">
+              <a:schemeClr val="accent1">
+                <a:shade val="50000"/>
+              </a:schemeClr>
+            </a:lnRef>
+            <a:fillRef idx="1">
+              <a:schemeClr val="accent1"/>
+            </a:fillRef>
+            <a:effectRef idx="0">
+              <a:schemeClr val="accent1"/>
+            </a:effectRef>
+            <a:fontRef idx="minor">
+              <a:schemeClr val="lt1"/>
+            </a:fontRef>
+          </p:style>
+          <p:txBody>
+            <a:bodyPr rtlCol="0" anchor="ctr"/>
+            <a:lstStyle/>
+            <a:p>
+              <a:pPr algn="ctr"/>
+              <a:endParaRPr lang="en-US"/>
+            </a:p>
+          </p:txBody>
+        </p:sp>
+        <p:sp>
+          <p:nvSpPr>
+            <p:cNvPr id="6" name="TextBox 5">
+              <a:extLst>
+                <a:ext uri="{FF2B5EF4-FFF2-40B4-BE49-F238E27FC236}">
+                  <a16:creationId xmlns:a16="http://schemas.microsoft.com/office/drawing/2014/main" id="{332CFB26-F243-F18E-951D-84716B40D606}"/>
+                </a:ext>
+              </a:extLst>
+            </p:cNvPr>
+            <p:cNvSpPr txBox="1"/>
+            <p:nvPr/>
+          </p:nvSpPr>
+          <p:spPr>
+            <a:xfrm>
+              <a:off x="1816065" y="728543"/>
+              <a:ext cx="2606419" cy="307777"/>
+            </a:xfrm>
+            <a:prstGeom prst="rect">
+              <a:avLst/>
+            </a:prstGeom>
+            <a:noFill/>
+          </p:spPr>
+          <p:txBody>
+            <a:bodyPr wrap="none" rtlCol="0">
+              <a:spAutoFit/>
+            </a:bodyPr>
+            <a:lstStyle/>
+            <a:p>
+              <a:r>
+                <a:rPr lang="de-DE" sz="1400" b="1" dirty="0"/>
+                <a:t>Original Image of a Plant Section</a:t>
+              </a:r>
+              <a:endParaRPr lang="en-US" sz="1400" b="1" dirty="0"/>
+            </a:p>
+          </p:txBody>
+        </p:sp>
+        <p:sp>
+          <p:nvSpPr>
+            <p:cNvPr id="7" name="TextBox 6">
+              <a:extLst>
+                <a:ext uri="{FF2B5EF4-FFF2-40B4-BE49-F238E27FC236}">
+                  <a16:creationId xmlns:a16="http://schemas.microsoft.com/office/drawing/2014/main" id="{C86D5264-E37C-03B9-5722-5673A8965639}"/>
+                </a:ext>
+              </a:extLst>
+            </p:cNvPr>
+            <p:cNvSpPr txBox="1"/>
+            <p:nvPr/>
+          </p:nvSpPr>
+          <p:spPr>
+            <a:xfrm>
+              <a:off x="6880753" y="728543"/>
+              <a:ext cx="3673442" cy="307777"/>
+            </a:xfrm>
+            <a:prstGeom prst="rect">
+              <a:avLst/>
+            </a:prstGeom>
+            <a:noFill/>
+          </p:spPr>
+          <p:txBody>
+            <a:bodyPr wrap="none" rtlCol="0">
+              <a:spAutoFit/>
+            </a:bodyPr>
+            <a:lstStyle/>
+            <a:p>
+              <a:r>
+                <a:rPr lang="de-DE" sz="1400" b="1" dirty="0"/>
+                <a:t>After Applying OpenCV Line Segment Detector </a:t>
+              </a:r>
+              <a:endParaRPr lang="en-US" sz="1400" b="1" dirty="0"/>
+            </a:p>
+          </p:txBody>
+        </p:sp>
+      </p:grpSp>
+    </p:spTree>
+    <p:extLst>
+      <p:ext uri="{BB962C8B-B14F-4D97-AF65-F5344CB8AC3E}">
+        <p14:creationId xmlns:p14="http://schemas.microsoft.com/office/powerpoint/2010/main" val="2264770195"/>
+      </p:ext>
+    </p:extLst>
+  </p:cSld>
+  <p:clrMapOvr>
+    <a:masterClrMapping/>
+  </p:clrMapOvr>
+</p:sld>
+</file>
+
+<file path=ppt/slides/slide12.xml><?xml version="1.0" encoding="utf-8"?>
+<p:sld xmlns:a="http://schemas.openxmlformats.org/drawingml/2006/main" xmlns:r="http://schemas.openxmlformats.org/officeDocument/2006/relationships" xmlns:p="http://schemas.openxmlformats.org/presentationml/2006/main">
+  <p:cSld>
+    <p:spTree>
+      <p:nvGrpSpPr>
+        <p:cNvPr id="1" name=""/>
+        <p:cNvGrpSpPr/>
+        <p:nvPr/>
+      </p:nvGrpSpPr>
+      <p:grpSpPr>
+        <a:xfrm>
+          <a:off x="0" y="0"/>
+          <a:ext cx="0" cy="0"/>
+          <a:chOff x="0" y="0"/>
+          <a:chExt cx="0" cy="0"/>
+        </a:xfrm>
+      </p:grpSpPr>
+      <p:pic>
+        <p:nvPicPr>
+          <p:cNvPr id="3" name="Picture 2">
+            <a:extLst>
+              <a:ext uri="{FF2B5EF4-FFF2-40B4-BE49-F238E27FC236}">
+                <a16:creationId xmlns:a16="http://schemas.microsoft.com/office/drawing/2014/main" id="{EACED9A5-6F5C-1500-9048-8E8AC9181B4B}"/>
+              </a:ext>
+            </a:extLst>
+          </p:cNvPr>
+          <p:cNvPicPr>
+            <a:picLocks noChangeAspect="1"/>
+          </p:cNvPicPr>
+          <p:nvPr/>
+        </p:nvPicPr>
+        <p:blipFill rotWithShape="1">
+          <a:blip r:embed="rId2">
+            <a:extLst>
+              <a:ext uri="{BEBA8EAE-BF5A-486C-A8C5-ECC9F3942E4B}">
+                <a14:imgProps xmlns:a14="http://schemas.microsoft.com/office/drawing/2010/main">
+                  <a14:imgLayer r:embed="rId3">
+                    <a14:imgEffect>
+                      <a14:sharpenSoften amount="-2000"/>
+                    </a14:imgEffect>
+                    <a14:imgEffect>
+                      <a14:colorTemperature colorTemp="11200"/>
+                    </a14:imgEffect>
+                    <a14:imgEffect>
+                      <a14:saturation sat="400000"/>
+                    </a14:imgEffect>
+                    <a14:imgEffect>
+                      <a14:brightnessContrast bright="55000" contrast="100000"/>
+                    </a14:imgEffect>
+                  </a14:imgLayer>
+                </a14:imgProps>
+              </a:ext>
+            </a:extLst>
+          </a:blip>
+          <a:srcRect l="32274" t="17959" r="43046" b="52478"/>
+          <a:stretch/>
+        </p:blipFill>
+        <p:spPr>
+          <a:xfrm>
+            <a:off x="1433306" y="1214146"/>
+            <a:ext cx="4403034" cy="3955858"/>
+          </a:xfrm>
+          <a:prstGeom prst="rect">
+            <a:avLst/>
+          </a:prstGeom>
+        </p:spPr>
+      </p:pic>
+      <p:pic>
+        <p:nvPicPr>
+          <p:cNvPr id="5" name="Picture 4">
+            <a:extLst>
+              <a:ext uri="{FF2B5EF4-FFF2-40B4-BE49-F238E27FC236}">
+                <a16:creationId xmlns:a16="http://schemas.microsoft.com/office/drawing/2014/main" id="{BF131859-C88B-FF84-8494-24522B918C90}"/>
+              </a:ext>
+            </a:extLst>
+          </p:cNvPr>
+          <p:cNvPicPr>
+            <a:picLocks noChangeAspect="1"/>
+          </p:cNvPicPr>
+          <p:nvPr/>
+        </p:nvPicPr>
+        <p:blipFill rotWithShape="1">
+          <a:blip r:embed="rId4">
+            <a:extLst>
+              <a:ext uri="{BEBA8EAE-BF5A-486C-A8C5-ECC9F3942E4B}">
+                <a14:imgProps xmlns:a14="http://schemas.microsoft.com/office/drawing/2010/main">
+                  <a14:imgLayer r:embed="rId5">
+                    <a14:imgEffect>
+                      <a14:brightnessContrast bright="36000" contrast="39000"/>
+                    </a14:imgEffect>
+                  </a14:imgLayer>
+                </a14:imgProps>
+              </a:ext>
+            </a:extLst>
+          </a:blip>
+          <a:srcRect l="31055" t="17394" r="42858" b="51882"/>
+          <a:stretch/>
+        </p:blipFill>
+        <p:spPr>
+          <a:xfrm>
+            <a:off x="6786356" y="1214146"/>
+            <a:ext cx="4478328" cy="3955858"/>
+          </a:xfrm>
+          <a:prstGeom prst="rect">
+            <a:avLst/>
+          </a:prstGeom>
+        </p:spPr>
+      </p:pic>
+    </p:spTree>
+    <p:extLst>
+      <p:ext uri="{BB962C8B-B14F-4D97-AF65-F5344CB8AC3E}">
+        <p14:creationId xmlns:p14="http://schemas.microsoft.com/office/powerpoint/2010/main" val="2570813270"/>
+      </p:ext>
+    </p:extLst>
+  </p:cSld>
+  <p:clrMapOvr>
+    <a:masterClrMapping/>
+  </p:clrMapOvr>
+</p:sld>
+</file>
+
+<file path=ppt/slides/slide13.xml><?xml version="1.0" encoding="utf-8"?>
+<p:sld xmlns:a="http://schemas.openxmlformats.org/drawingml/2006/main" xmlns:r="http://schemas.openxmlformats.org/officeDocument/2006/relationships" xmlns:p="http://schemas.openxmlformats.org/presentationml/2006/main">
+  <p:cSld>
+    <p:spTree>
+      <p:nvGrpSpPr>
+        <p:cNvPr id="1" name=""/>
+        <p:cNvGrpSpPr/>
+        <p:nvPr/>
+      </p:nvGrpSpPr>
+      <p:grpSpPr>
+        <a:xfrm>
+          <a:off x="0" y="0"/>
+          <a:ext cx="0" cy="0"/>
+          <a:chOff x="0" y="0"/>
+          <a:chExt cx="0" cy="0"/>
+        </a:xfrm>
+      </p:grpSpPr>
+      <p:pic>
+        <p:nvPicPr>
+          <p:cNvPr id="3" name="Picture 2">
+            <a:extLst>
+              <a:ext uri="{FF2B5EF4-FFF2-40B4-BE49-F238E27FC236}">
+                <a16:creationId xmlns:a16="http://schemas.microsoft.com/office/drawing/2014/main" id="{10B1ED20-D7CE-3B39-0016-C1CAEEF8FFB5}"/>
+              </a:ext>
+            </a:extLst>
+          </p:cNvPr>
+          <p:cNvPicPr>
+            <a:picLocks noChangeAspect="1"/>
+          </p:cNvPicPr>
+          <p:nvPr/>
+        </p:nvPicPr>
+        <p:blipFill rotWithShape="1">
+          <a:blip r:embed="rId2"/>
+          <a:srcRect l="34559" t="17687" r="45850" b="53741"/>
+          <a:stretch/>
+        </p:blipFill>
+        <p:spPr>
+          <a:xfrm>
+            <a:off x="477328" y="-85431"/>
+            <a:ext cx="3508312" cy="3837212"/>
+          </a:xfrm>
+          <a:prstGeom prst="rect">
+            <a:avLst/>
+          </a:prstGeom>
+        </p:spPr>
+      </p:pic>
+      <p:pic>
+        <p:nvPicPr>
+          <p:cNvPr id="18" name="Picture 17">
+            <a:extLst>
+              <a:ext uri="{FF2B5EF4-FFF2-40B4-BE49-F238E27FC236}">
+                <a16:creationId xmlns:a16="http://schemas.microsoft.com/office/drawing/2014/main" id="{198E5162-F1BD-5C18-CAB8-AF91117DB6DD}"/>
+              </a:ext>
+            </a:extLst>
+          </p:cNvPr>
+          <p:cNvPicPr>
+            <a:picLocks noChangeAspect="1"/>
+          </p:cNvPicPr>
+          <p:nvPr/>
+        </p:nvPicPr>
+        <p:blipFill rotWithShape="1">
+          <a:blip r:embed="rId3"/>
+          <a:srcRect l="35508" t="27971" r="50000" b="53768"/>
+          <a:stretch/>
+        </p:blipFill>
+        <p:spPr>
+          <a:xfrm>
+            <a:off x="2522220" y="2053690"/>
+            <a:ext cx="3188655" cy="3013279"/>
+          </a:xfrm>
+          <a:prstGeom prst="rect">
+            <a:avLst/>
+          </a:prstGeom>
+        </p:spPr>
+      </p:pic>
+      <p:grpSp>
+        <p:nvGrpSpPr>
+          <p:cNvPr id="38" name="Group 37">
+            <a:extLst>
+              <a:ext uri="{FF2B5EF4-FFF2-40B4-BE49-F238E27FC236}">
+                <a16:creationId xmlns:a16="http://schemas.microsoft.com/office/drawing/2014/main" id="{702D8EA8-04BE-E81F-0A37-B686C055840B}"/>
+              </a:ext>
+            </a:extLst>
+          </p:cNvPr>
+          <p:cNvGrpSpPr/>
+          <p:nvPr/>
+        </p:nvGrpSpPr>
+        <p:grpSpPr>
+          <a:xfrm>
+            <a:off x="6771861" y="1065109"/>
+            <a:ext cx="3736119" cy="3445931"/>
+            <a:chOff x="6771861" y="1065109"/>
+            <a:chExt cx="3736119" cy="3445931"/>
+          </a:xfrm>
+        </p:grpSpPr>
+        <p:pic>
+          <p:nvPicPr>
+            <p:cNvPr id="6" name="Picture 5">
+              <a:extLst>
+                <a:ext uri="{FF2B5EF4-FFF2-40B4-BE49-F238E27FC236}">
+                  <a16:creationId xmlns:a16="http://schemas.microsoft.com/office/drawing/2014/main" id="{3D6C2E72-FEF8-9291-A9FB-FB1FB7612371}"/>
+                </a:ext>
+              </a:extLst>
+            </p:cNvPr>
+            <p:cNvPicPr>
+              <a:picLocks noChangeAspect="1"/>
+            </p:cNvPicPr>
+            <p:nvPr/>
+          </p:nvPicPr>
+          <p:blipFill rotWithShape="1">
+            <a:blip r:embed="rId3"/>
+            <a:srcRect l="35508" t="27971" r="47511" b="51146"/>
+            <a:stretch/>
+          </p:blipFill>
+          <p:spPr>
+            <a:xfrm>
+              <a:off x="6771861" y="1065109"/>
+              <a:ext cx="3736119" cy="3445931"/>
+            </a:xfrm>
+            <a:prstGeom prst="rect">
+              <a:avLst/>
+            </a:prstGeom>
+          </p:spPr>
+        </p:pic>
+        <p:cxnSp>
+          <p:nvCxnSpPr>
+            <p:cNvPr id="11" name="Straight Arrow Connector 10">
+              <a:extLst>
+                <a:ext uri="{FF2B5EF4-FFF2-40B4-BE49-F238E27FC236}">
+                  <a16:creationId xmlns:a16="http://schemas.microsoft.com/office/drawing/2014/main" id="{B312380C-0AAF-13A7-722C-30FA464FAF35}"/>
+                </a:ext>
+              </a:extLst>
+            </p:cNvPr>
+            <p:cNvCxnSpPr>
+              <a:cxnSpLocks/>
+            </p:cNvCxnSpPr>
+            <p:nvPr/>
+          </p:nvCxnSpPr>
+          <p:spPr>
+            <a:xfrm>
+              <a:off x="7267575" y="1943100"/>
+              <a:ext cx="371475" cy="1114425"/>
+            </a:xfrm>
+            <a:prstGeom prst="straightConnector1">
+              <a:avLst/>
+            </a:prstGeom>
+            <a:ln>
+              <a:solidFill>
+                <a:schemeClr val="bg1"/>
+              </a:solidFill>
+              <a:tailEnd type="triangle"/>
+            </a:ln>
+          </p:spPr>
+          <p:style>
+            <a:lnRef idx="1">
+              <a:schemeClr val="accent1"/>
+            </a:lnRef>
+            <a:fillRef idx="0">
+              <a:schemeClr val="accent1"/>
+            </a:fillRef>
+            <a:effectRef idx="0">
+              <a:schemeClr val="accent1"/>
+            </a:effectRef>
+            <a:fontRef idx="minor">
+              <a:schemeClr val="tx1"/>
+            </a:fontRef>
+          </p:style>
+        </p:cxnSp>
+        <p:sp>
+          <p:nvSpPr>
+            <p:cNvPr id="14" name="TextBox 13">
+              <a:extLst>
+                <a:ext uri="{FF2B5EF4-FFF2-40B4-BE49-F238E27FC236}">
+                  <a16:creationId xmlns:a16="http://schemas.microsoft.com/office/drawing/2014/main" id="{84711A02-674C-A974-A368-94A6421661FE}"/>
+                </a:ext>
+              </a:extLst>
+            </p:cNvPr>
+            <p:cNvSpPr txBox="1"/>
+            <p:nvPr/>
+          </p:nvSpPr>
+          <p:spPr>
+            <a:xfrm>
+              <a:off x="6840465" y="1694676"/>
+              <a:ext cx="1570238" cy="276999"/>
+            </a:xfrm>
+            <a:prstGeom prst="rect">
+              <a:avLst/>
+            </a:prstGeom>
+            <a:noFill/>
+          </p:spPr>
+          <p:txBody>
+            <a:bodyPr wrap="none" rtlCol="0">
+              <a:spAutoFit/>
+            </a:bodyPr>
+            <a:lstStyle/>
+            <a:p>
+              <a:r>
+                <a:rPr lang="de-DE" sz="1200" dirty="0">
+                  <a:solidFill>
+                    <a:schemeClr val="bg1"/>
+                  </a:solidFill>
+                </a:rPr>
+                <a:t>Selected solid contour</a:t>
+              </a:r>
+              <a:endParaRPr lang="en-US" sz="1200" dirty="0">
+                <a:solidFill>
+                  <a:schemeClr val="bg1"/>
+                </a:solidFill>
+              </a:endParaRPr>
+            </a:p>
+          </p:txBody>
+        </p:sp>
+        <p:sp>
+          <p:nvSpPr>
+            <p:cNvPr id="19" name="TextBox 18">
+              <a:extLst>
+                <a:ext uri="{FF2B5EF4-FFF2-40B4-BE49-F238E27FC236}">
+                  <a16:creationId xmlns:a16="http://schemas.microsoft.com/office/drawing/2014/main" id="{9AB01782-7978-483F-3952-76EFF239F843}"/>
+                </a:ext>
+              </a:extLst>
+            </p:cNvPr>
+            <p:cNvSpPr txBox="1"/>
+            <p:nvPr/>
+          </p:nvSpPr>
+          <p:spPr>
+            <a:xfrm>
+              <a:off x="9288090" y="2237458"/>
+              <a:ext cx="1061124" cy="461665"/>
+            </a:xfrm>
+            <a:prstGeom prst="rect">
+              <a:avLst/>
+            </a:prstGeom>
+            <a:noFill/>
+          </p:spPr>
+          <p:txBody>
+            <a:bodyPr wrap="none" rtlCol="0">
+              <a:spAutoFit/>
+            </a:bodyPr>
+            <a:lstStyle/>
+            <a:p>
+              <a:r>
+                <a:rPr lang="en-US" sz="1200" dirty="0">
+                  <a:solidFill>
+                    <a:schemeClr val="bg1"/>
+                  </a:solidFill>
+                </a:rPr>
+                <a:t>Rejected</a:t>
+              </a:r>
+            </a:p>
+            <a:p>
+              <a:r>
+                <a:rPr lang="en-US" sz="1200" dirty="0">
+                  <a:solidFill>
+                    <a:schemeClr val="bg1"/>
+                  </a:solidFill>
+                </a:rPr>
+                <a:t>solid contours</a:t>
+              </a:r>
+            </a:p>
+          </p:txBody>
+        </p:sp>
+        <p:cxnSp>
+          <p:nvCxnSpPr>
+            <p:cNvPr id="20" name="Straight Arrow Connector 19">
+              <a:extLst>
+                <a:ext uri="{FF2B5EF4-FFF2-40B4-BE49-F238E27FC236}">
+                  <a16:creationId xmlns:a16="http://schemas.microsoft.com/office/drawing/2014/main" id="{62BE4CC6-0BDB-652D-3DA5-68F8AED6D007}"/>
+                </a:ext>
+              </a:extLst>
+            </p:cNvPr>
+            <p:cNvCxnSpPr>
+              <a:cxnSpLocks/>
+            </p:cNvCxnSpPr>
+            <p:nvPr/>
+          </p:nvCxnSpPr>
+          <p:spPr>
+            <a:xfrm flipH="1">
+              <a:off x="9220200" y="2468290"/>
+              <a:ext cx="67890" cy="773794"/>
+            </a:xfrm>
+            <a:prstGeom prst="straightConnector1">
+              <a:avLst/>
+            </a:prstGeom>
+            <a:ln>
+              <a:solidFill>
+                <a:schemeClr val="bg1"/>
+              </a:solidFill>
+              <a:tailEnd type="triangle"/>
+            </a:ln>
+          </p:spPr>
+          <p:style>
+            <a:lnRef idx="1">
+              <a:schemeClr val="accent1"/>
+            </a:lnRef>
+            <a:fillRef idx="0">
+              <a:schemeClr val="accent1"/>
+            </a:fillRef>
+            <a:effectRef idx="0">
+              <a:schemeClr val="accent1"/>
+            </a:effectRef>
+            <a:fontRef idx="minor">
+              <a:schemeClr val="tx1"/>
+            </a:fontRef>
+          </p:style>
+        </p:cxnSp>
+        <p:cxnSp>
+          <p:nvCxnSpPr>
+            <p:cNvPr id="24" name="Straight Arrow Connector 23">
+              <a:extLst>
+                <a:ext uri="{FF2B5EF4-FFF2-40B4-BE49-F238E27FC236}">
+                  <a16:creationId xmlns:a16="http://schemas.microsoft.com/office/drawing/2014/main" id="{4C148430-5E2D-40F2-17A6-94D483B681B8}"/>
+                </a:ext>
+              </a:extLst>
+            </p:cNvPr>
+            <p:cNvCxnSpPr>
+              <a:cxnSpLocks/>
+              <a:stCxn id="19" idx="1"/>
+            </p:cNvCxnSpPr>
+            <p:nvPr/>
+          </p:nvCxnSpPr>
+          <p:spPr>
+            <a:xfrm flipH="1">
+              <a:off x="8933348" y="2468291"/>
+              <a:ext cx="354742" cy="359192"/>
+            </a:xfrm>
+            <a:prstGeom prst="straightConnector1">
+              <a:avLst/>
+            </a:prstGeom>
+            <a:ln>
+              <a:solidFill>
+                <a:schemeClr val="bg1"/>
+              </a:solidFill>
+              <a:tailEnd type="triangle"/>
+            </a:ln>
+          </p:spPr>
+          <p:style>
+            <a:lnRef idx="1">
+              <a:schemeClr val="accent1"/>
+            </a:lnRef>
+            <a:fillRef idx="0">
+              <a:schemeClr val="accent1"/>
+            </a:fillRef>
+            <a:effectRef idx="0">
+              <a:schemeClr val="accent1"/>
+            </a:effectRef>
+            <a:fontRef idx="minor">
+              <a:schemeClr val="tx1"/>
+            </a:fontRef>
+          </p:style>
+        </p:cxnSp>
+        <p:cxnSp>
+          <p:nvCxnSpPr>
+            <p:cNvPr id="31" name="Straight Arrow Connector 30">
+              <a:extLst>
+                <a:ext uri="{FF2B5EF4-FFF2-40B4-BE49-F238E27FC236}">
+                  <a16:creationId xmlns:a16="http://schemas.microsoft.com/office/drawing/2014/main" id="{298CC8F0-2396-5755-38F9-3501F71BFA3A}"/>
+                </a:ext>
+              </a:extLst>
+            </p:cNvPr>
+            <p:cNvCxnSpPr>
+              <a:cxnSpLocks/>
+              <a:stCxn id="19" idx="1"/>
+            </p:cNvCxnSpPr>
+            <p:nvPr/>
+          </p:nvCxnSpPr>
+          <p:spPr>
+            <a:xfrm flipH="1" flipV="1">
+              <a:off x="8933348" y="2053690"/>
+              <a:ext cx="354742" cy="414601"/>
+            </a:xfrm>
+            <a:prstGeom prst="straightConnector1">
+              <a:avLst/>
+            </a:prstGeom>
+            <a:ln>
+              <a:solidFill>
+                <a:schemeClr val="bg1"/>
+              </a:solidFill>
+              <a:tailEnd type="triangle"/>
+            </a:ln>
+          </p:spPr>
+          <p:style>
+            <a:lnRef idx="1">
+              <a:schemeClr val="accent1"/>
+            </a:lnRef>
+            <a:fillRef idx="0">
+              <a:schemeClr val="accent1"/>
+            </a:fillRef>
+            <a:effectRef idx="0">
+              <a:schemeClr val="accent1"/>
+            </a:effectRef>
+            <a:fontRef idx="minor">
+              <a:schemeClr val="tx1"/>
+            </a:fontRef>
+          </p:style>
+        </p:cxnSp>
+      </p:grpSp>
+    </p:spTree>
+    <p:extLst>
+      <p:ext uri="{BB962C8B-B14F-4D97-AF65-F5344CB8AC3E}">
+        <p14:creationId xmlns:p14="http://schemas.microsoft.com/office/powerpoint/2010/main" val="3614386874"/>
+      </p:ext>
+    </p:extLst>
+  </p:cSld>
+  <p:clrMapOvr>
+    <a:masterClrMapping/>
+  </p:clrMapOvr>
+</p:sld>
+</file>
+
+<file path=ppt/slides/slide14.xml><?xml version="1.0" encoding="utf-8"?>
+<p:sld xmlns:a="http://schemas.openxmlformats.org/drawingml/2006/main" xmlns:r="http://schemas.openxmlformats.org/officeDocument/2006/relationships" xmlns:p="http://schemas.openxmlformats.org/presentationml/2006/main">
+  <p:cSld>
+    <p:spTree>
+      <p:nvGrpSpPr>
+        <p:cNvPr id="1" name=""/>
+        <p:cNvGrpSpPr/>
+        <p:nvPr/>
+      </p:nvGrpSpPr>
+      <p:grpSpPr>
+        <a:xfrm>
+          <a:off x="0" y="0"/>
+          <a:ext cx="0" cy="0"/>
+          <a:chOff x="0" y="0"/>
+          <a:chExt cx="0" cy="0"/>
+        </a:xfrm>
+      </p:grpSpPr>
+      <p:grpSp>
+        <p:nvGrpSpPr>
+          <p:cNvPr id="85" name="Group 84">
+            <a:extLst>
+              <a:ext uri="{FF2B5EF4-FFF2-40B4-BE49-F238E27FC236}">
+                <a16:creationId xmlns:a16="http://schemas.microsoft.com/office/drawing/2014/main" id="{00AF115B-9849-4389-B2DA-09AC26A3411A}"/>
+              </a:ext>
+            </a:extLst>
+          </p:cNvPr>
+          <p:cNvGrpSpPr/>
+          <p:nvPr/>
+        </p:nvGrpSpPr>
+        <p:grpSpPr>
+          <a:xfrm>
+            <a:off x="3385428" y="420112"/>
+            <a:ext cx="4873348" cy="4603125"/>
+            <a:chOff x="3385428" y="420112"/>
+            <a:chExt cx="4873348" cy="4603125"/>
+          </a:xfrm>
+        </p:grpSpPr>
+        <p:pic>
+          <p:nvPicPr>
+            <p:cNvPr id="2" name="Picture 1">
+              <a:extLst>
+                <a:ext uri="{FF2B5EF4-FFF2-40B4-BE49-F238E27FC236}">
+                  <a16:creationId xmlns:a16="http://schemas.microsoft.com/office/drawing/2014/main" id="{8CA4DD85-BA3B-FC86-D89D-039D0CA92BCD}"/>
+                </a:ext>
+              </a:extLst>
+            </p:cNvPr>
+            <p:cNvPicPr>
+              <a:picLocks noChangeAspect="1"/>
+            </p:cNvPicPr>
+            <p:nvPr/>
+          </p:nvPicPr>
+          <p:blipFill>
+            <a:blip r:embed="rId2"/>
+            <a:stretch>
+              <a:fillRect/>
+            </a:stretch>
+          </p:blipFill>
+          <p:spPr>
+            <a:xfrm>
+              <a:off x="3385428" y="420112"/>
+              <a:ext cx="4873348" cy="4603125"/>
+            </a:xfrm>
+            <a:prstGeom prst="rect">
+              <a:avLst/>
+            </a:prstGeom>
+          </p:spPr>
+        </p:pic>
+        <p:pic>
+          <p:nvPicPr>
+            <p:cNvPr id="4" name="Picture 3">
+              <a:extLst>
+                <a:ext uri="{FF2B5EF4-FFF2-40B4-BE49-F238E27FC236}">
+                  <a16:creationId xmlns:a16="http://schemas.microsoft.com/office/drawing/2014/main" id="{9EB42B9A-CEEB-6B10-0033-97AA0F548D6B}"/>
+                </a:ext>
+              </a:extLst>
+            </p:cNvPr>
+            <p:cNvPicPr>
+              <a:picLocks noChangeAspect="1"/>
+            </p:cNvPicPr>
+            <p:nvPr/>
+          </p:nvPicPr>
+          <p:blipFill rotWithShape="1">
+            <a:blip r:embed="rId3">
+              <a:extLst>
+                <a:ext uri="{BEBA8EAE-BF5A-486C-A8C5-ECC9F3942E4B}">
+                  <a14:imgProps xmlns:a14="http://schemas.microsoft.com/office/drawing/2010/main">
+                    <a14:imgLayer r:embed="rId4">
+                      <a14:imgEffect>
+                        <a14:backgroundRemoval t="24278" b="41834" l="40583" r="52750">
+                          <a14:foregroundMark x1="45215" y1="31966" x2="45215" y2="31966"/>
+                          <a14:foregroundMark x1="51514" y1="32422" x2="51514" y2="32422"/>
+                        </a14:backgroundRemoval>
+                      </a14:imgEffect>
+                    </a14:imgLayer>
+                  </a14:imgProps>
+                </a:ext>
+              </a:extLst>
+            </a:blip>
+            <a:srcRect l="39062" t="22083" r="45729" b="60667"/>
+            <a:stretch/>
+          </p:blipFill>
+          <p:spPr>
+            <a:xfrm>
+              <a:off x="3728045" y="3672841"/>
+              <a:ext cx="1474531" cy="1254292"/>
+            </a:xfrm>
+            <a:prstGeom prst="rect">
+              <a:avLst/>
+            </a:prstGeom>
+          </p:spPr>
+        </p:pic>
+        <mc:AlternateContent xmlns:mc="http://schemas.openxmlformats.org/markup-compatibility/2006">
+          <mc:Choice xmlns:p14="http://schemas.microsoft.com/office/powerpoint/2010/main" Requires="p14">
+            <p:contentPart p14:bwMode="auto" r:id="rId5">
+              <p14:nvContentPartPr>
+                <p14:cNvPr id="5" name="Ink 4">
+                  <a:extLst>
+                    <a:ext uri="{FF2B5EF4-FFF2-40B4-BE49-F238E27FC236}">
+                      <a16:creationId xmlns:a16="http://schemas.microsoft.com/office/drawing/2014/main" id="{953AB768-55CC-230B-07C9-3BE3E622A81B}"/>
+                    </a:ext>
+                  </a:extLst>
+                </p14:cNvPr>
+                <p14:cNvContentPartPr/>
+                <p14:nvPr/>
+              </p14:nvContentPartPr>
+              <p14:xfrm>
+                <a:off x="4399500" y="4358448"/>
+                <a:ext cx="360" cy="360"/>
+              </p14:xfrm>
+            </p:contentPart>
+          </mc:Choice>
+          <mc:Fallback>
+            <p:pic>
+              <p:nvPicPr>
+                <p:cNvPr id="5" name="Ink 4">
+                  <a:extLst>
+                    <a:ext uri="{FF2B5EF4-FFF2-40B4-BE49-F238E27FC236}">
+                      <a16:creationId xmlns:a16="http://schemas.microsoft.com/office/drawing/2014/main" id="{953AB768-55CC-230B-07C9-3BE3E622A81B}"/>
+                    </a:ext>
+                  </a:extLst>
+                </p:cNvPr>
+                <p:cNvPicPr/>
+                <p:nvPr/>
+              </p:nvPicPr>
+              <p:blipFill>
+                <a:blip r:embed="rId6"/>
+                <a:stretch>
+                  <a:fillRect/>
+                </a:stretch>
+              </p:blipFill>
+              <p:spPr>
+                <a:xfrm>
+                  <a:off x="4381860" y="4340808"/>
+                  <a:ext cx="36000" cy="36000"/>
+                </a:xfrm>
+                <a:prstGeom prst="rect">
+                  <a:avLst/>
+                </a:prstGeom>
+              </p:spPr>
+            </p:pic>
+          </mc:Fallback>
+        </mc:AlternateContent>
+        <mc:AlternateContent xmlns:mc="http://schemas.openxmlformats.org/markup-compatibility/2006">
+          <mc:Choice xmlns:p14="http://schemas.microsoft.com/office/powerpoint/2010/main" Requires="p14">
+            <p:contentPart p14:bwMode="auto" r:id="rId7">
+              <p14:nvContentPartPr>
+                <p14:cNvPr id="6" name="Ink 5">
+                  <a:extLst>
+                    <a:ext uri="{FF2B5EF4-FFF2-40B4-BE49-F238E27FC236}">
+                      <a16:creationId xmlns:a16="http://schemas.microsoft.com/office/drawing/2014/main" id="{A9148AA2-26AC-A9A8-B544-3277A8664366}"/>
+                    </a:ext>
+                  </a:extLst>
+                </p14:cNvPr>
+                <p14:cNvContentPartPr/>
+                <p14:nvPr/>
+              </p14:nvContentPartPr>
+              <p14:xfrm>
+                <a:off x="4740780" y="4388688"/>
+                <a:ext cx="360" cy="360"/>
+              </p14:xfrm>
+            </p:contentPart>
+          </mc:Choice>
+          <mc:Fallback>
+            <p:pic>
+              <p:nvPicPr>
+                <p:cNvPr id="6" name="Ink 5">
+                  <a:extLst>
+                    <a:ext uri="{FF2B5EF4-FFF2-40B4-BE49-F238E27FC236}">
+                      <a16:creationId xmlns:a16="http://schemas.microsoft.com/office/drawing/2014/main" id="{A9148AA2-26AC-A9A8-B544-3277A8664366}"/>
+                    </a:ext>
+                  </a:extLst>
+                </p:cNvPr>
+                <p:cNvPicPr/>
+                <p:nvPr/>
+              </p:nvPicPr>
+              <p:blipFill>
+                <a:blip r:embed="rId8"/>
+                <a:stretch>
+                  <a:fillRect/>
+                </a:stretch>
+              </p:blipFill>
+              <p:spPr>
+                <a:xfrm>
+                  <a:off x="4732140" y="4380048"/>
+                  <a:ext cx="18000" cy="18000"/>
+                </a:xfrm>
+                <a:prstGeom prst="rect">
+                  <a:avLst/>
+                </a:prstGeom>
+              </p:spPr>
+            </p:pic>
+          </mc:Fallback>
+        </mc:AlternateContent>
+        <mc:AlternateContent xmlns:mc="http://schemas.openxmlformats.org/markup-compatibility/2006">
+          <mc:Choice xmlns:p14="http://schemas.microsoft.com/office/powerpoint/2010/main" Requires="p14">
+            <p:contentPart p14:bwMode="auto" r:id="rId9">
+              <p14:nvContentPartPr>
+                <p14:cNvPr id="7" name="Ink 6">
+                  <a:extLst>
+                    <a:ext uri="{FF2B5EF4-FFF2-40B4-BE49-F238E27FC236}">
+                      <a16:creationId xmlns:a16="http://schemas.microsoft.com/office/drawing/2014/main" id="{30B85A00-EECF-2463-B622-099CFE45D714}"/>
+                    </a:ext>
+                  </a:extLst>
+                </p14:cNvPr>
+                <p14:cNvContentPartPr/>
+                <p14:nvPr/>
+              </p14:nvContentPartPr>
+              <p14:xfrm>
+                <a:off x="4948140" y="4419288"/>
+                <a:ext cx="360" cy="360"/>
+              </p14:xfrm>
+            </p:contentPart>
+          </mc:Choice>
+          <mc:Fallback>
+            <p:pic>
+              <p:nvPicPr>
+                <p:cNvPr id="7" name="Ink 6">
+                  <a:extLst>
+                    <a:ext uri="{FF2B5EF4-FFF2-40B4-BE49-F238E27FC236}">
+                      <a16:creationId xmlns:a16="http://schemas.microsoft.com/office/drawing/2014/main" id="{30B85A00-EECF-2463-B622-099CFE45D714}"/>
+                    </a:ext>
+                  </a:extLst>
+                </p:cNvPr>
+                <p:cNvPicPr/>
+                <p:nvPr/>
+              </p:nvPicPr>
+              <p:blipFill>
+                <a:blip r:embed="rId8"/>
+                <a:stretch>
+                  <a:fillRect/>
+                </a:stretch>
+              </p:blipFill>
+              <p:spPr>
+                <a:xfrm>
+                  <a:off x="4939500" y="4410648"/>
+                  <a:ext cx="18000" cy="18000"/>
+                </a:xfrm>
+                <a:prstGeom prst="rect">
+                  <a:avLst/>
+                </a:prstGeom>
+              </p:spPr>
+            </p:pic>
+          </mc:Fallback>
+        </mc:AlternateContent>
+        <mc:AlternateContent xmlns:mc="http://schemas.openxmlformats.org/markup-compatibility/2006">
+          <mc:Choice xmlns:p14="http://schemas.microsoft.com/office/powerpoint/2010/main" Requires="p14">
+            <p:contentPart p14:bwMode="auto" r:id="rId10">
+              <p14:nvContentPartPr>
+                <p14:cNvPr id="8" name="Ink 7">
+                  <a:extLst>
+                    <a:ext uri="{FF2B5EF4-FFF2-40B4-BE49-F238E27FC236}">
+                      <a16:creationId xmlns:a16="http://schemas.microsoft.com/office/drawing/2014/main" id="{2CB1B9F0-807F-5210-2DC1-6D9FE6741DFB}"/>
+                    </a:ext>
+                  </a:extLst>
+                </p14:cNvPr>
+                <p14:cNvContentPartPr/>
+                <p14:nvPr/>
+              </p14:nvContentPartPr>
+              <p14:xfrm>
+                <a:off x="4338660" y="4388688"/>
+                <a:ext cx="360" cy="360"/>
+              </p14:xfrm>
+            </p:contentPart>
+          </mc:Choice>
+          <mc:Fallback>
+            <p:pic>
+              <p:nvPicPr>
+                <p:cNvPr id="8" name="Ink 7">
+                  <a:extLst>
+                    <a:ext uri="{FF2B5EF4-FFF2-40B4-BE49-F238E27FC236}">
+                      <a16:creationId xmlns:a16="http://schemas.microsoft.com/office/drawing/2014/main" id="{2CB1B9F0-807F-5210-2DC1-6D9FE6741DFB}"/>
+                    </a:ext>
+                  </a:extLst>
+                </p:cNvPr>
+                <p:cNvPicPr/>
+                <p:nvPr/>
+              </p:nvPicPr>
+              <p:blipFill>
+                <a:blip r:embed="rId8"/>
+                <a:stretch>
+                  <a:fillRect/>
+                </a:stretch>
+              </p:blipFill>
+              <p:spPr>
+                <a:xfrm>
+                  <a:off x="4329660" y="4380048"/>
+                  <a:ext cx="18000" cy="18000"/>
+                </a:xfrm>
+                <a:prstGeom prst="rect">
+                  <a:avLst/>
+                </a:prstGeom>
+              </p:spPr>
+            </p:pic>
+          </mc:Fallback>
+        </mc:AlternateContent>
+        <mc:AlternateContent xmlns:mc="http://schemas.openxmlformats.org/markup-compatibility/2006">
+          <mc:Choice xmlns:p14="http://schemas.microsoft.com/office/powerpoint/2010/main" Requires="p14">
+            <p:contentPart p14:bwMode="auto" r:id="rId11">
+              <p14:nvContentPartPr>
+                <p14:cNvPr id="9" name="Ink 8">
+                  <a:extLst>
+                    <a:ext uri="{FF2B5EF4-FFF2-40B4-BE49-F238E27FC236}">
+                      <a16:creationId xmlns:a16="http://schemas.microsoft.com/office/drawing/2014/main" id="{A2246F07-FC72-393E-0EF5-B9371B2D4DB6}"/>
+                    </a:ext>
+                  </a:extLst>
+                </p14:cNvPr>
+                <p14:cNvContentPartPr/>
+                <p14:nvPr/>
+              </p14:nvContentPartPr>
+              <p14:xfrm>
+                <a:off x="5899260" y="2212848"/>
+                <a:ext cx="360" cy="360"/>
+              </p14:xfrm>
+            </p:contentPart>
+          </mc:Choice>
+          <mc:Fallback>
+            <p:pic>
+              <p:nvPicPr>
+                <p:cNvPr id="9" name="Ink 8">
+                  <a:extLst>
+                    <a:ext uri="{FF2B5EF4-FFF2-40B4-BE49-F238E27FC236}">
+                      <a16:creationId xmlns:a16="http://schemas.microsoft.com/office/drawing/2014/main" id="{A2246F07-FC72-393E-0EF5-B9371B2D4DB6}"/>
+                    </a:ext>
+                  </a:extLst>
+                </p:cNvPr>
+                <p:cNvPicPr/>
+                <p:nvPr/>
+              </p:nvPicPr>
+              <p:blipFill>
+                <a:blip r:embed="rId6"/>
+                <a:stretch>
+                  <a:fillRect/>
+                </a:stretch>
+              </p:blipFill>
+              <p:spPr>
+                <a:xfrm>
+                  <a:off x="5881620" y="2194848"/>
+                  <a:ext cx="36000" cy="36000"/>
+                </a:xfrm>
+                <a:prstGeom prst="rect">
+                  <a:avLst/>
+                </a:prstGeom>
+              </p:spPr>
+            </p:pic>
+          </mc:Fallback>
+        </mc:AlternateContent>
+        <p:cxnSp>
+          <p:nvCxnSpPr>
+            <p:cNvPr id="11" name="Straight Arrow Connector 10">
+              <a:extLst>
+                <a:ext uri="{FF2B5EF4-FFF2-40B4-BE49-F238E27FC236}">
+                  <a16:creationId xmlns:a16="http://schemas.microsoft.com/office/drawing/2014/main" id="{5F65FF8D-FDB3-2732-425C-F35C9AC4E04A}"/>
+                </a:ext>
+              </a:extLst>
+            </p:cNvPr>
+            <p:cNvCxnSpPr>
+              <a:cxnSpLocks/>
+            </p:cNvCxnSpPr>
+            <p:nvPr/>
+          </p:nvCxnSpPr>
+          <p:spPr>
+            <a:xfrm>
+              <a:off x="4399500" y="4358448"/>
+              <a:ext cx="315155" cy="30240"/>
+            </a:xfrm>
+            <a:prstGeom prst="straightConnector1">
+              <a:avLst/>
+            </a:prstGeom>
+            <a:ln w="6350">
+              <a:solidFill>
+                <a:srgbClr val="FF0000"/>
+              </a:solidFill>
+              <a:headEnd type="triangle"/>
+              <a:tailEnd type="triangle"/>
+            </a:ln>
+          </p:spPr>
+          <p:style>
+            <a:lnRef idx="1">
+              <a:schemeClr val="accent1"/>
+            </a:lnRef>
+            <a:fillRef idx="0">
+              <a:schemeClr val="accent1"/>
+            </a:fillRef>
+            <a:effectRef idx="0">
+              <a:schemeClr val="accent1"/>
+            </a:effectRef>
+            <a:fontRef idx="minor">
+              <a:schemeClr val="tx1"/>
+            </a:fontRef>
+          </p:style>
+        </p:cxnSp>
+        <p:sp>
+          <p:nvSpPr>
+            <p:cNvPr id="12" name="TextBox 11">
+              <a:extLst>
+                <a:ext uri="{FF2B5EF4-FFF2-40B4-BE49-F238E27FC236}">
+                  <a16:creationId xmlns:a16="http://schemas.microsoft.com/office/drawing/2014/main" id="{7726D7AB-06D2-1BA4-B3F6-4D83A655A0CE}"/>
+                </a:ext>
+              </a:extLst>
+            </p:cNvPr>
+            <p:cNvSpPr txBox="1"/>
+            <p:nvPr/>
+          </p:nvSpPr>
+          <p:spPr>
+            <a:xfrm>
+              <a:off x="5545193" y="4650133"/>
+              <a:ext cx="1343253" cy="276999"/>
+            </a:xfrm>
+            <a:prstGeom prst="rect">
+              <a:avLst/>
+            </a:prstGeom>
+            <a:noFill/>
+          </p:spPr>
+          <p:txBody>
+            <a:bodyPr wrap="none" rtlCol="0">
+              <a:spAutoFit/>
+            </a:bodyPr>
+            <a:lstStyle/>
+            <a:p>
+              <a:r>
+                <a:rPr lang="en-US" sz="1200" dirty="0">
+                  <a:solidFill>
+                    <a:schemeClr val="bg1"/>
+                  </a:solidFill>
+                </a:rPr>
+                <a:t>Euclidean distance</a:t>
+              </a:r>
+            </a:p>
+          </p:txBody>
+        </p:sp>
+        <p:cxnSp>
+          <p:nvCxnSpPr>
+            <p:cNvPr id="14" name="Straight Arrow Connector 13">
+              <a:extLst>
+                <a:ext uri="{FF2B5EF4-FFF2-40B4-BE49-F238E27FC236}">
+                  <a16:creationId xmlns:a16="http://schemas.microsoft.com/office/drawing/2014/main" id="{41459213-7CAB-9838-3F54-5C7656BFBEEF}"/>
+                </a:ext>
+              </a:extLst>
+            </p:cNvPr>
+            <p:cNvCxnSpPr>
+              <a:cxnSpLocks/>
+              <a:stCxn id="12" idx="1"/>
+            </p:cNvCxnSpPr>
+            <p:nvPr/>
+          </p:nvCxnSpPr>
+          <p:spPr>
+            <a:xfrm flipH="1" flipV="1">
+              <a:off x="4557077" y="4415963"/>
+              <a:ext cx="988116" cy="372670"/>
+            </a:xfrm>
+            <a:prstGeom prst="straightConnector1">
+              <a:avLst/>
+            </a:prstGeom>
+            <a:ln>
+              <a:solidFill>
+                <a:schemeClr val="bg1"/>
+              </a:solidFill>
+              <a:tailEnd type="triangle"/>
+            </a:ln>
+          </p:spPr>
+          <p:style>
+            <a:lnRef idx="1">
+              <a:schemeClr val="accent1"/>
+            </a:lnRef>
+            <a:fillRef idx="0">
+              <a:schemeClr val="accent1"/>
+            </a:fillRef>
+            <a:effectRef idx="0">
+              <a:schemeClr val="accent1"/>
+            </a:effectRef>
+            <a:fontRef idx="minor">
+              <a:schemeClr val="tx1"/>
+            </a:fontRef>
+          </p:style>
+        </p:cxnSp>
+        <p:cxnSp>
+          <p:nvCxnSpPr>
+            <p:cNvPr id="15" name="Straight Arrow Connector 14">
+              <a:extLst>
+                <a:ext uri="{FF2B5EF4-FFF2-40B4-BE49-F238E27FC236}">
+                  <a16:creationId xmlns:a16="http://schemas.microsoft.com/office/drawing/2014/main" id="{74F56F01-3DDF-AD55-6D63-89FF2DE26F59}"/>
+                </a:ext>
+              </a:extLst>
+            </p:cNvPr>
+            <p:cNvCxnSpPr>
+              <a:cxnSpLocks/>
+            </p:cNvCxnSpPr>
+            <p:nvPr/>
+          </p:nvCxnSpPr>
+          <p:spPr>
+            <a:xfrm flipH="1" flipV="1">
+              <a:off x="4948140" y="4419288"/>
+              <a:ext cx="615413" cy="51414"/>
+            </a:xfrm>
+            <a:prstGeom prst="straightConnector1">
+              <a:avLst/>
+            </a:prstGeom>
+            <a:ln>
+              <a:solidFill>
+                <a:schemeClr val="bg1"/>
+              </a:solidFill>
+              <a:tailEnd type="triangle"/>
+            </a:ln>
+          </p:spPr>
+          <p:style>
+            <a:lnRef idx="1">
+              <a:schemeClr val="accent1"/>
+            </a:lnRef>
+            <a:fillRef idx="0">
+              <a:schemeClr val="accent1"/>
+            </a:fillRef>
+            <a:effectRef idx="0">
+              <a:schemeClr val="accent1"/>
+            </a:effectRef>
+            <a:fontRef idx="minor">
+              <a:schemeClr val="tx1"/>
+            </a:fontRef>
+          </p:style>
+        </p:cxnSp>
+        <p:sp>
+          <p:nvSpPr>
+            <p:cNvPr id="17" name="TextBox 16">
+              <a:extLst>
+                <a:ext uri="{FF2B5EF4-FFF2-40B4-BE49-F238E27FC236}">
+                  <a16:creationId xmlns:a16="http://schemas.microsoft.com/office/drawing/2014/main" id="{CB279966-C7AE-3828-A830-0D7D1362A8E2}"/>
+                </a:ext>
+              </a:extLst>
+            </p:cNvPr>
+            <p:cNvSpPr txBox="1"/>
+            <p:nvPr/>
+          </p:nvSpPr>
+          <p:spPr>
+            <a:xfrm>
+              <a:off x="5545193" y="4330739"/>
+              <a:ext cx="2209387" cy="276999"/>
+            </a:xfrm>
+            <a:prstGeom prst="rect">
+              <a:avLst/>
+            </a:prstGeom>
+            <a:noFill/>
+          </p:spPr>
+          <p:txBody>
+            <a:bodyPr wrap="none" rtlCol="0">
+              <a:spAutoFit/>
+            </a:bodyPr>
+            <a:lstStyle/>
+            <a:p>
+              <a:r>
+                <a:rPr lang="en-US" sz="1200" dirty="0">
+                  <a:solidFill>
+                    <a:schemeClr val="bg1"/>
+                  </a:solidFill>
+                </a:rPr>
+                <a:t>Centre point of the line segment</a:t>
+              </a:r>
+            </a:p>
+          </p:txBody>
+        </p:sp>
+        <p:cxnSp>
+          <p:nvCxnSpPr>
+            <p:cNvPr id="18" name="Straight Arrow Connector 17">
+              <a:extLst>
+                <a:ext uri="{FF2B5EF4-FFF2-40B4-BE49-F238E27FC236}">
+                  <a16:creationId xmlns:a16="http://schemas.microsoft.com/office/drawing/2014/main" id="{22284295-6D51-05C6-4366-49D9A79DCE05}"/>
+                </a:ext>
+              </a:extLst>
+            </p:cNvPr>
+            <p:cNvCxnSpPr>
+              <a:cxnSpLocks/>
+              <a:stCxn id="21" idx="2"/>
+            </p:cNvCxnSpPr>
+            <p:nvPr/>
+          </p:nvCxnSpPr>
+          <p:spPr>
+            <a:xfrm flipH="1">
+              <a:off x="4393489" y="2002205"/>
+              <a:ext cx="642333" cy="2328534"/>
+            </a:xfrm>
+            <a:prstGeom prst="straightConnector1">
+              <a:avLst/>
+            </a:prstGeom>
+            <a:ln>
+              <a:solidFill>
+                <a:schemeClr val="bg1"/>
+              </a:solidFill>
+              <a:tailEnd type="triangle"/>
+            </a:ln>
+          </p:spPr>
+          <p:style>
+            <a:lnRef idx="1">
+              <a:schemeClr val="accent1"/>
+            </a:lnRef>
+            <a:fillRef idx="0">
+              <a:schemeClr val="accent1"/>
+            </a:fillRef>
+            <a:effectRef idx="0">
+              <a:schemeClr val="accent1"/>
+            </a:effectRef>
+            <a:fontRef idx="minor">
+              <a:schemeClr val="tx1"/>
+            </a:fontRef>
+          </p:style>
+        </p:cxnSp>
+        <p:sp>
+          <p:nvSpPr>
+            <p:cNvPr id="21" name="TextBox 20">
+              <a:extLst>
+                <a:ext uri="{FF2B5EF4-FFF2-40B4-BE49-F238E27FC236}">
+                  <a16:creationId xmlns:a16="http://schemas.microsoft.com/office/drawing/2014/main" id="{2C162AD5-B25C-3681-F7B9-A9BACFF41BE4}"/>
+                </a:ext>
+              </a:extLst>
+            </p:cNvPr>
+            <p:cNvSpPr txBox="1"/>
+            <p:nvPr/>
+          </p:nvSpPr>
+          <p:spPr>
+            <a:xfrm>
+              <a:off x="4461017" y="1355874"/>
+              <a:ext cx="1149610" cy="646331"/>
+            </a:xfrm>
+            <a:prstGeom prst="rect">
+              <a:avLst/>
+            </a:prstGeom>
+            <a:noFill/>
+          </p:spPr>
+          <p:txBody>
+            <a:bodyPr wrap="none" rtlCol="0">
+              <a:spAutoFit/>
+            </a:bodyPr>
+            <a:lstStyle/>
+            <a:p>
+              <a:r>
+                <a:rPr lang="en-US" sz="1200" dirty="0">
+                  <a:solidFill>
+                    <a:schemeClr val="bg1"/>
+                  </a:solidFill>
+                </a:rPr>
+                <a:t>Lowest point </a:t>
+              </a:r>
+            </a:p>
+            <a:p>
+              <a:r>
+                <a:rPr lang="en-US" sz="1200" dirty="0">
+                  <a:solidFill>
+                    <a:schemeClr val="bg1"/>
+                  </a:solidFill>
+                </a:rPr>
+                <a:t>of the selected </a:t>
+              </a:r>
+            </a:p>
+            <a:p>
+              <a:r>
+                <a:rPr lang="en-US" sz="1200" dirty="0">
+                  <a:solidFill>
+                    <a:schemeClr val="bg1"/>
+                  </a:solidFill>
+                </a:rPr>
+                <a:t>solid contour</a:t>
+              </a:r>
+            </a:p>
+          </p:txBody>
+        </p:sp>
+        <p:sp>
+          <p:nvSpPr>
+            <p:cNvPr id="22" name="TextBox 21">
+              <a:extLst>
+                <a:ext uri="{FF2B5EF4-FFF2-40B4-BE49-F238E27FC236}">
+                  <a16:creationId xmlns:a16="http://schemas.microsoft.com/office/drawing/2014/main" id="{B59E91D4-B2E7-59AF-EC6C-308CA3062239}"/>
+                </a:ext>
+              </a:extLst>
+            </p:cNvPr>
+            <p:cNvSpPr txBox="1"/>
+            <p:nvPr/>
+          </p:nvSpPr>
+          <p:spPr>
+            <a:xfrm>
+              <a:off x="5500276" y="663823"/>
+              <a:ext cx="1149610" cy="646331"/>
+            </a:xfrm>
+            <a:prstGeom prst="rect">
+              <a:avLst/>
+            </a:prstGeom>
+            <a:noFill/>
+          </p:spPr>
+          <p:txBody>
+            <a:bodyPr wrap="none" rtlCol="0">
+              <a:spAutoFit/>
+            </a:bodyPr>
+            <a:lstStyle/>
+            <a:p>
+              <a:r>
+                <a:rPr lang="en-US" sz="1200" dirty="0">
+                  <a:solidFill>
+                    <a:schemeClr val="bg1"/>
+                  </a:solidFill>
+                </a:rPr>
+                <a:t>Highest point </a:t>
+              </a:r>
+            </a:p>
+            <a:p>
+              <a:r>
+                <a:rPr lang="en-US" sz="1200" dirty="0">
+                  <a:solidFill>
+                    <a:schemeClr val="bg1"/>
+                  </a:solidFill>
+                </a:rPr>
+                <a:t>of the selected </a:t>
+              </a:r>
+            </a:p>
+            <a:p>
+              <a:r>
+                <a:rPr lang="en-US" sz="1200" dirty="0">
+                  <a:solidFill>
+                    <a:schemeClr val="bg1"/>
+                  </a:solidFill>
+                </a:rPr>
+                <a:t>solid contour</a:t>
+              </a:r>
+            </a:p>
+          </p:txBody>
+        </p:sp>
+        <p:cxnSp>
+          <p:nvCxnSpPr>
+            <p:cNvPr id="23" name="Straight Arrow Connector 22">
+              <a:extLst>
+                <a:ext uri="{FF2B5EF4-FFF2-40B4-BE49-F238E27FC236}">
+                  <a16:creationId xmlns:a16="http://schemas.microsoft.com/office/drawing/2014/main" id="{FF2B3B80-4A4B-A2CE-6967-F133015F34EA}"/>
+                </a:ext>
+              </a:extLst>
+            </p:cNvPr>
+            <p:cNvCxnSpPr>
+              <a:cxnSpLocks/>
+              <a:stCxn id="22" idx="2"/>
+            </p:cNvCxnSpPr>
+            <p:nvPr/>
+          </p:nvCxnSpPr>
+          <p:spPr>
+            <a:xfrm flipH="1">
+              <a:off x="5899260" y="1310154"/>
+              <a:ext cx="175821" cy="902694"/>
+            </a:xfrm>
+            <a:prstGeom prst="straightConnector1">
+              <a:avLst/>
+            </a:prstGeom>
+            <a:ln>
+              <a:solidFill>
+                <a:schemeClr val="bg1"/>
+              </a:solidFill>
+              <a:tailEnd type="triangle"/>
+            </a:ln>
+          </p:spPr>
+          <p:style>
+            <a:lnRef idx="1">
+              <a:schemeClr val="accent1"/>
+            </a:lnRef>
+            <a:fillRef idx="0">
+              <a:schemeClr val="accent1"/>
+            </a:fillRef>
+            <a:effectRef idx="0">
+              <a:schemeClr val="accent1"/>
+            </a:effectRef>
+            <a:fontRef idx="minor">
+              <a:schemeClr val="tx1"/>
+            </a:fontRef>
+          </p:style>
+        </p:cxnSp>
+        <p:cxnSp>
+          <p:nvCxnSpPr>
+            <p:cNvPr id="38" name="Straight Arrow Connector 37">
+              <a:extLst>
+                <a:ext uri="{FF2B5EF4-FFF2-40B4-BE49-F238E27FC236}">
+                  <a16:creationId xmlns:a16="http://schemas.microsoft.com/office/drawing/2014/main" id="{638507E8-8D04-CC94-81CF-9A8316B96A66}"/>
+                </a:ext>
+              </a:extLst>
+            </p:cNvPr>
+            <p:cNvCxnSpPr>
+              <a:cxnSpLocks/>
+            </p:cNvCxnSpPr>
+            <p:nvPr/>
+          </p:nvCxnSpPr>
+          <p:spPr>
+            <a:xfrm>
+              <a:off x="3805276" y="3101171"/>
+              <a:ext cx="481021" cy="1229568"/>
+            </a:xfrm>
+            <a:prstGeom prst="straightConnector1">
+              <a:avLst/>
+            </a:prstGeom>
+            <a:ln>
+              <a:solidFill>
+                <a:schemeClr val="bg1"/>
+              </a:solidFill>
+              <a:tailEnd type="triangle"/>
+            </a:ln>
+          </p:spPr>
+          <p:style>
+            <a:lnRef idx="1">
+              <a:schemeClr val="accent1"/>
+            </a:lnRef>
+            <a:fillRef idx="0">
+              <a:schemeClr val="accent1"/>
+            </a:fillRef>
+            <a:effectRef idx="0">
+              <a:schemeClr val="accent1"/>
+            </a:effectRef>
+            <a:fontRef idx="minor">
+              <a:schemeClr val="tx1"/>
+            </a:fontRef>
+          </p:style>
+        </p:cxnSp>
+        <p:cxnSp>
+          <p:nvCxnSpPr>
+            <p:cNvPr id="42" name="Straight Arrow Connector 41">
+              <a:extLst>
+                <a:ext uri="{FF2B5EF4-FFF2-40B4-BE49-F238E27FC236}">
+                  <a16:creationId xmlns:a16="http://schemas.microsoft.com/office/drawing/2014/main" id="{618755FA-5C3A-3BB3-6E16-671B40F61741}"/>
+                </a:ext>
+              </a:extLst>
+            </p:cNvPr>
+            <p:cNvCxnSpPr>
+              <a:cxnSpLocks/>
+            </p:cNvCxnSpPr>
+            <p:nvPr/>
+          </p:nvCxnSpPr>
+          <p:spPr>
+            <a:xfrm>
+              <a:off x="3805276" y="3101171"/>
+              <a:ext cx="1166924" cy="1272397"/>
+            </a:xfrm>
+            <a:prstGeom prst="straightConnector1">
+              <a:avLst/>
+            </a:prstGeom>
+            <a:ln>
+              <a:solidFill>
+                <a:schemeClr val="bg1"/>
+              </a:solidFill>
+              <a:tailEnd type="triangle"/>
+            </a:ln>
+          </p:spPr>
+          <p:style>
+            <a:lnRef idx="1">
+              <a:schemeClr val="accent1"/>
+            </a:lnRef>
+            <a:fillRef idx="0">
+              <a:schemeClr val="accent1"/>
+            </a:fillRef>
+            <a:effectRef idx="0">
+              <a:schemeClr val="accent1"/>
+            </a:effectRef>
+            <a:fontRef idx="minor">
+              <a:schemeClr val="tx1"/>
+            </a:fontRef>
+          </p:style>
+        </p:cxnSp>
+        <p:cxnSp>
+          <p:nvCxnSpPr>
+            <p:cNvPr id="49" name="Straight Arrow Connector 48">
+              <a:extLst>
+                <a:ext uri="{FF2B5EF4-FFF2-40B4-BE49-F238E27FC236}">
+                  <a16:creationId xmlns:a16="http://schemas.microsoft.com/office/drawing/2014/main" id="{B66287EC-76D0-CF61-FEB0-D0DD42AE668D}"/>
+                </a:ext>
+              </a:extLst>
+            </p:cNvPr>
+            <p:cNvCxnSpPr>
+              <a:cxnSpLocks/>
+            </p:cNvCxnSpPr>
+            <p:nvPr/>
+          </p:nvCxnSpPr>
+          <p:spPr>
+            <a:xfrm>
+              <a:off x="3805276" y="3101171"/>
+              <a:ext cx="870932" cy="1217810"/>
+            </a:xfrm>
+            <a:prstGeom prst="straightConnector1">
+              <a:avLst/>
+            </a:prstGeom>
+            <a:ln>
+              <a:solidFill>
+                <a:schemeClr val="bg1"/>
+              </a:solidFill>
+              <a:tailEnd type="triangle"/>
+            </a:ln>
+          </p:spPr>
+          <p:style>
+            <a:lnRef idx="1">
+              <a:schemeClr val="accent1"/>
+            </a:lnRef>
+            <a:fillRef idx="0">
+              <a:schemeClr val="accent1"/>
+            </a:fillRef>
+            <a:effectRef idx="0">
+              <a:schemeClr val="accent1"/>
+            </a:effectRef>
+            <a:fontRef idx="minor">
+              <a:schemeClr val="tx1"/>
+            </a:fontRef>
+          </p:style>
+        </p:cxnSp>
+        <p:sp>
+          <p:nvSpPr>
+            <p:cNvPr id="56" name="TextBox 55">
+              <a:extLst>
+                <a:ext uri="{FF2B5EF4-FFF2-40B4-BE49-F238E27FC236}">
+                  <a16:creationId xmlns:a16="http://schemas.microsoft.com/office/drawing/2014/main" id="{B9CB806A-5B11-DD47-F918-4298C1DA3C07}"/>
+                </a:ext>
+              </a:extLst>
+            </p:cNvPr>
+            <p:cNvSpPr txBox="1"/>
+            <p:nvPr/>
+          </p:nvSpPr>
+          <p:spPr>
+            <a:xfrm>
+              <a:off x="3407906" y="2657177"/>
+              <a:ext cx="1399935" cy="461665"/>
+            </a:xfrm>
+            <a:prstGeom prst="rect">
+              <a:avLst/>
+            </a:prstGeom>
+            <a:noFill/>
+          </p:spPr>
+          <p:txBody>
+            <a:bodyPr wrap="none" rtlCol="0">
+              <a:spAutoFit/>
+            </a:bodyPr>
+            <a:lstStyle/>
+            <a:p>
+              <a:r>
+                <a:rPr lang="en-US" sz="1200" dirty="0">
+                  <a:solidFill>
+                    <a:schemeClr val="bg1"/>
+                  </a:solidFill>
+                </a:rPr>
+                <a:t>Detected three line</a:t>
+              </a:r>
+            </a:p>
+            <a:p>
+              <a:r>
+                <a:rPr lang="en-US" sz="1200" dirty="0">
+                  <a:solidFill>
+                    <a:schemeClr val="bg1"/>
+                  </a:solidFill>
+                </a:rPr>
+                <a:t>segments</a:t>
+              </a:r>
+            </a:p>
+          </p:txBody>
+        </p:sp>
+        <p:cxnSp>
+          <p:nvCxnSpPr>
+            <p:cNvPr id="77" name="Straight Arrow Connector 76">
+              <a:extLst>
+                <a:ext uri="{FF2B5EF4-FFF2-40B4-BE49-F238E27FC236}">
+                  <a16:creationId xmlns:a16="http://schemas.microsoft.com/office/drawing/2014/main" id="{1CE455FA-6907-9295-2179-2BF25FF41E1A}"/>
+                </a:ext>
+              </a:extLst>
+            </p:cNvPr>
+            <p:cNvCxnSpPr>
+              <a:cxnSpLocks/>
+            </p:cNvCxnSpPr>
+            <p:nvPr/>
+          </p:nvCxnSpPr>
+          <p:spPr>
+            <a:xfrm flipV="1">
+              <a:off x="4214460" y="4415963"/>
+              <a:ext cx="106362" cy="268352"/>
+            </a:xfrm>
+            <a:prstGeom prst="straightConnector1">
+              <a:avLst/>
+            </a:prstGeom>
+            <a:ln>
+              <a:solidFill>
+                <a:schemeClr val="bg1"/>
+              </a:solidFill>
+              <a:tailEnd type="triangle"/>
+            </a:ln>
+          </p:spPr>
+          <p:style>
+            <a:lnRef idx="1">
+              <a:schemeClr val="accent1"/>
+            </a:lnRef>
+            <a:fillRef idx="0">
+              <a:schemeClr val="accent1"/>
+            </a:fillRef>
+            <a:effectRef idx="0">
+              <a:schemeClr val="accent1"/>
+            </a:effectRef>
+            <a:fontRef idx="minor">
+              <a:schemeClr val="tx1"/>
+            </a:fontRef>
+          </p:style>
+        </p:cxnSp>
+        <p:sp>
+          <p:nvSpPr>
+            <p:cNvPr id="81" name="TextBox 80">
+              <a:extLst>
+                <a:ext uri="{FF2B5EF4-FFF2-40B4-BE49-F238E27FC236}">
+                  <a16:creationId xmlns:a16="http://schemas.microsoft.com/office/drawing/2014/main" id="{9FEFDB22-26D2-C1B5-9358-B5FFAE994A03}"/>
+                </a:ext>
+              </a:extLst>
+            </p:cNvPr>
+            <p:cNvSpPr txBox="1"/>
+            <p:nvPr/>
+          </p:nvSpPr>
+          <p:spPr>
+            <a:xfrm>
+              <a:off x="3457161" y="4629728"/>
+              <a:ext cx="1727321" cy="276999"/>
+            </a:xfrm>
+            <a:prstGeom prst="rect">
+              <a:avLst/>
+            </a:prstGeom>
+            <a:noFill/>
+          </p:spPr>
+          <p:txBody>
+            <a:bodyPr wrap="square" rtlCol="0">
+              <a:spAutoFit/>
+            </a:bodyPr>
+            <a:lstStyle/>
+            <a:p>
+              <a:r>
+                <a:rPr lang="en-US" sz="1200" dirty="0">
+                  <a:solidFill>
+                    <a:schemeClr val="bg1"/>
+                  </a:solidFill>
+                </a:rPr>
+                <a:t>Correct line segment</a:t>
+              </a:r>
+            </a:p>
+          </p:txBody>
+        </p:sp>
+      </p:grpSp>
+    </p:spTree>
+    <p:extLst>
+      <p:ext uri="{BB962C8B-B14F-4D97-AF65-F5344CB8AC3E}">
+        <p14:creationId xmlns:p14="http://schemas.microsoft.com/office/powerpoint/2010/main" val="2073714052"/>
       </p:ext>
     </p:extLst>
   </p:cSld>

--- a/Report/Documentation/Images/figures.pptx
+++ b/Report/Documentation/Images/figures.pptx
@@ -19,6 +19,10 @@
     <p:sldId id="266" r:id="rId13"/>
     <p:sldId id="267" r:id="rId14"/>
     <p:sldId id="268" r:id="rId15"/>
+    <p:sldId id="270" r:id="rId16"/>
+    <p:sldId id="271" r:id="rId17"/>
+    <p:sldId id="272" r:id="rId18"/>
+    <p:sldId id="273" r:id="rId19"/>
   </p:sldIdLst>
   <p:sldSz cx="12192000" cy="6858000"/>
   <p:notesSz cx="6858000" cy="9144000"/>
@@ -262,6 +266,89 @@
     </inkml:brush>
   </inkml:definitions>
   <inkml:trace contextRef="#ctx0" brushRef="#br0">1 0 24575,'0'0'-8191</inkml:trace>
+</inkml:ink>
+</file>
+
+<file path=ppt/ink/ink6.xml><?xml version="1.0" encoding="utf-8"?>
+<inkml:ink xmlns:inkml="http://www.w3.org/2003/InkML">
+  <inkml:definitions>
+    <inkml:context xml:id="ctx0">
+      <inkml:inkSource xml:id="inkSrc0">
+        <inkml:traceFormat>
+          <inkml:channel name="X" type="integer" min="-2.14748E9" max="2.14748E9" units="cm"/>
+          <inkml:channel name="Y" type="integer" min="-2.14748E9" max="2.14748E9" units="cm"/>
+          <inkml:channel name="F" type="integer" max="32767" units="dev"/>
+        </inkml:traceFormat>
+        <inkml:channelProperties>
+          <inkml:channelProperty channel="X" name="resolution" value="1000" units="1/cm"/>
+          <inkml:channelProperty channel="Y" name="resolution" value="1000" units="1/cm"/>
+          <inkml:channelProperty channel="F" name="resolution" value="0" units="1/dev"/>
+        </inkml:channelProperties>
+      </inkml:inkSource>
+      <inkml:timestamp xml:id="ts0" timeString="2023-07-31T21:04:30.155"/>
+    </inkml:context>
+    <inkml:brush xml:id="br0">
+      <inkml:brushProperty name="width" value="0.1" units="cm"/>
+      <inkml:brushProperty name="height" value="0.1" units="cm"/>
+      <inkml:brushProperty name="color" value="#FFFFFF"/>
+    </inkml:brush>
+  </inkml:definitions>
+  <inkml:trace contextRef="#ctx0" brushRef="#br0">1 1 24575,'0'0'-8191</inkml:trace>
+</inkml:ink>
+</file>
+
+<file path=ppt/ink/ink7.xml><?xml version="1.0" encoding="utf-8"?>
+<inkml:ink xmlns:inkml="http://www.w3.org/2003/InkML">
+  <inkml:definitions>
+    <inkml:context xml:id="ctx0">
+      <inkml:inkSource xml:id="inkSrc0">
+        <inkml:traceFormat>
+          <inkml:channel name="X" type="integer" min="-2.14748E9" max="2.14748E9" units="cm"/>
+          <inkml:channel name="Y" type="integer" min="-2.14748E9" max="2.14748E9" units="cm"/>
+          <inkml:channel name="F" type="integer" max="32767" units="dev"/>
+        </inkml:traceFormat>
+        <inkml:channelProperties>
+          <inkml:channelProperty channel="X" name="resolution" value="1000" units="1/cm"/>
+          <inkml:channelProperty channel="Y" name="resolution" value="1000" units="1/cm"/>
+          <inkml:channelProperty channel="F" name="resolution" value="0" units="1/dev"/>
+        </inkml:channelProperties>
+      </inkml:inkSource>
+      <inkml:timestamp xml:id="ts0" timeString="2023-07-31T21:04:37.350"/>
+    </inkml:context>
+    <inkml:brush xml:id="br0">
+      <inkml:brushProperty name="width" value="0.1" units="cm"/>
+      <inkml:brushProperty name="height" value="0.1" units="cm"/>
+      <inkml:brushProperty name="color" value="#FFFFFF"/>
+    </inkml:brush>
+  </inkml:definitions>
+  <inkml:trace contextRef="#ctx0" brushRef="#br0">1 1 24575,'0'0'-8191</inkml:trace>
+</inkml:ink>
+</file>
+
+<file path=ppt/ink/ink8.xml><?xml version="1.0" encoding="utf-8"?>
+<inkml:ink xmlns:inkml="http://www.w3.org/2003/InkML">
+  <inkml:definitions>
+    <inkml:context xml:id="ctx0">
+      <inkml:inkSource xml:id="inkSrc0">
+        <inkml:traceFormat>
+          <inkml:channel name="X" type="integer" min="-2.14748E9" max="2.14748E9" units="cm"/>
+          <inkml:channel name="Y" type="integer" min="-2.14748E9" max="2.14748E9" units="cm"/>
+          <inkml:channel name="F" type="integer" max="32767" units="dev"/>
+        </inkml:traceFormat>
+        <inkml:channelProperties>
+          <inkml:channelProperty channel="X" name="resolution" value="1000" units="1/cm"/>
+          <inkml:channelProperty channel="Y" name="resolution" value="1000" units="1/cm"/>
+          <inkml:channelProperty channel="F" name="resolution" value="0" units="1/dev"/>
+        </inkml:channelProperties>
+      </inkml:inkSource>
+      <inkml:timestamp xml:id="ts0" timeString="2023-07-31T21:05:05.940"/>
+    </inkml:context>
+    <inkml:brush xml:id="br0">
+      <inkml:brushProperty name="width" value="0.35" units="cm"/>
+      <inkml:brushProperty name="height" value="0.35" units="cm"/>
+    </inkml:brush>
+  </inkml:definitions>
+  <inkml:trace contextRef="#ctx0" brushRef="#br0">34 1 24575,'23'9'0,"-6"0"0,31 3 0,-41-10 0,-32-8 0,-53-12 0,74 19 0,14 6 0,-8-6 0,0 0 0,0 0 0,0 0 0,0 1 0,0-1 0,0 1 0,-1-1 0,1 1 0,0 0 0,-1-1 0,1 1 0,-1 0 0,0 0 0,1 0 0,-1 0 0,1 3 0,-2-3 0,-1-1 0,1 1 0,0-1 0,0 1 0,0 0 0,0-1 0,0 1 0,0-1 0,0 1 0,0-1 0,0 1 0,1-1 0,-1 1 0,1-1 0,-1 0 0,1 1 0,1 2 0,0-3 0,-1 0 0,1 0 0,0 0 0,-1 0 0,1 0 0,0 0 0,0 0 0,0 0 0,0-1 0,0 1 0,0-1 0,0 0 0,0 1 0,2-1 0,30 2 0,-25-1 0,-26-2 0,-5 0 0,-30 0 0,48 1 0,1 0 0,-1 0 0,1 1 0,-1 0 0,1-1 0,-1 1 0,1 1 0,-1-1 0,1 0 0,-6 4 0,9-5 0,0 1 0,-1-1 0,1 0 0,0 0 0,0 0 0,0 0 0,0 1 0,0-1 0,0 0 0,-1 0 0,1 0 0,0 1 0,0-1 0,0 0 0,0 0 0,0 1 0,0-1 0,0 0 0,0 0 0,0 1 0,0-1 0,0 0 0,0 0 0,0 0 0,0 1 0,0-1 0,0 0 0,0 0 0,0 1 0,1-1 0,-1 0 0,0 0 0,0 0 0,0 1 0,0-1 0,0 0 0,1 0 0,-1 0 0,0 0 0,0 1 0,0-1 0,0 0 0,1 0 0,-1 0 0,0 0 0,0 0 0,0 0 0,1 1 0,-1-1 0,0 0 0,0 0 0,1 0 0,-1 0 0,0 0 0,0 0 0,1 0 0,-1 0 0,0 0 0,19 5 0,-16-4 0,79 25 0,-127-8 0,45-18 0,0 0 0,0 0 0,0 1 0,0-1 0,0 0 0,0 0 0,0 1 0,0-1 0,0 0 0,0 1 0,0-1 0,0 0 0,0 0 0,0 1 0,0-1 0,0 0 0,0 1 0,0-1 0,0 0 0,0 0 0,0 1 0,1-1 0,-1 0 0,0 0 0,0 1 0,0-1 0,0 0 0,1 0 0,-1 0 0,0 1 0,0-1 0,0 0 0,1 0 0,-1 0 0,0 0 0,0 1 0,1-1 0,-1 0 0,0 0 0,1 0 0,-1 0 0,0 0 0,0 0 0,1 0 0,-1 0 0,0 0 0,1 0 0,-1 0 0,0 0 0,1 0 0,22 6 0,-16-5 0,-6-1 0,-1 0 0,0 0 0,1 0 0,-1 0 0,0 0 0,1 0 0,-1 0 0,0 0 0,1 0 0,-1 0 0,0 0 0,1 0 0,-1 1 0,0-1 0,1 0 0,-1 0 0,0 0 0,0 0 0,1 1 0,-1-1 0,0 0 0,0 0 0,1 1 0,-1-1 0,0 0 0,0 0 0,1 1 0,-1-1 0,0 0 0,0 1 0,0-1 0,0 0 0,0 0 0,0 1 0,1-1 0,-1 0 0,0 1 0,0-1 0,0 0 0,0 1 0,0-1 0,0 0 0,0 1 0,0-1 0,0 0 0,0 1 0,-1-1 0,1 0 0,0 1 0,0-1 0,0 0 0,0 1 0,0-1 0,-1 0 0,1 1 0,0-1 0,0 0 0,0 0 0,-1 1 0,1-1 0,-1 0 0,-25 16 0,6-5 0,20-10 0,0-1 0,0 0 0,0 0 0,0 0 0,-1 1 0,1-1 0,0 0 0,0 0 0,0 1 0,0-1 0,0 0 0,0 0 0,0 1 0,0-1 0,0 0 0,0 0 0,0 1 0,0-1 0,0 0 0,0 0 0,0 1 0,0-1 0,0 0 0,0 0 0,1 1 0,-1-1 0,0 0 0,0 0 0,0 0 0,0 1 0,0-1 0,1 0 0,-1 0 0,0 0 0,0 1 0,0-1 0,1 0 0,-1 0 0,0 0 0,1 0 0,15 6 0,16-2 0,-31-4 0,56 1-1365</inkml:trace>
 </inkml:ink>
 </file>
 
@@ -6561,8 +6648,8 @@
             </a:prstGeom>
           </p:spPr>
         </p:pic>
-        <mc:AlternateContent xmlns:mc="http://schemas.openxmlformats.org/markup-compatibility/2006">
-          <mc:Choice xmlns:p14="http://schemas.microsoft.com/office/powerpoint/2010/main" Requires="p14">
+        <mc:AlternateContent xmlns:mc="http://schemas.openxmlformats.org/markup-compatibility/2006" xmlns:p14="http://schemas.microsoft.com/office/powerpoint/2010/main">
+          <mc:Choice Requires="p14">
             <p:contentPart p14:bwMode="auto" r:id="rId5">
               <p14:nvContentPartPr>
                 <p14:cNvPr id="5" name="Ink 4">
@@ -6581,7 +6668,7 @@
               </p14:xfrm>
             </p:contentPart>
           </mc:Choice>
-          <mc:Fallback>
+          <mc:Fallback xmlns="">
             <p:pic>
               <p:nvPicPr>
                 <p:cNvPr id="5" name="Ink 4">
@@ -6612,8 +6699,8 @@
             </p:pic>
           </mc:Fallback>
         </mc:AlternateContent>
-        <mc:AlternateContent xmlns:mc="http://schemas.openxmlformats.org/markup-compatibility/2006">
-          <mc:Choice xmlns:p14="http://schemas.microsoft.com/office/powerpoint/2010/main" Requires="p14">
+        <mc:AlternateContent xmlns:mc="http://schemas.openxmlformats.org/markup-compatibility/2006" xmlns:p14="http://schemas.microsoft.com/office/powerpoint/2010/main">
+          <mc:Choice Requires="p14">
             <p:contentPart p14:bwMode="auto" r:id="rId7">
               <p14:nvContentPartPr>
                 <p14:cNvPr id="6" name="Ink 5">
@@ -6632,7 +6719,7 @@
               </p14:xfrm>
             </p:contentPart>
           </mc:Choice>
-          <mc:Fallback>
+          <mc:Fallback xmlns="">
             <p:pic>
               <p:nvPicPr>
                 <p:cNvPr id="6" name="Ink 5">
@@ -6663,8 +6750,8 @@
             </p:pic>
           </mc:Fallback>
         </mc:AlternateContent>
-        <mc:AlternateContent xmlns:mc="http://schemas.openxmlformats.org/markup-compatibility/2006">
-          <mc:Choice xmlns:p14="http://schemas.microsoft.com/office/powerpoint/2010/main" Requires="p14">
+        <mc:AlternateContent xmlns:mc="http://schemas.openxmlformats.org/markup-compatibility/2006" xmlns:p14="http://schemas.microsoft.com/office/powerpoint/2010/main">
+          <mc:Choice Requires="p14">
             <p:contentPart p14:bwMode="auto" r:id="rId9">
               <p14:nvContentPartPr>
                 <p14:cNvPr id="7" name="Ink 6">
@@ -6683,7 +6770,7 @@
               </p14:xfrm>
             </p:contentPart>
           </mc:Choice>
-          <mc:Fallback>
+          <mc:Fallback xmlns="">
             <p:pic>
               <p:nvPicPr>
                 <p:cNvPr id="7" name="Ink 6">
@@ -6714,8 +6801,8 @@
             </p:pic>
           </mc:Fallback>
         </mc:AlternateContent>
-        <mc:AlternateContent xmlns:mc="http://schemas.openxmlformats.org/markup-compatibility/2006">
-          <mc:Choice xmlns:p14="http://schemas.microsoft.com/office/powerpoint/2010/main" Requires="p14">
+        <mc:AlternateContent xmlns:mc="http://schemas.openxmlformats.org/markup-compatibility/2006" xmlns:p14="http://schemas.microsoft.com/office/powerpoint/2010/main">
+          <mc:Choice Requires="p14">
             <p:contentPart p14:bwMode="auto" r:id="rId10">
               <p14:nvContentPartPr>
                 <p14:cNvPr id="8" name="Ink 7">
@@ -6734,7 +6821,7 @@
               </p14:xfrm>
             </p:contentPart>
           </mc:Choice>
-          <mc:Fallback>
+          <mc:Fallback xmlns="">
             <p:pic>
               <p:nvPicPr>
                 <p:cNvPr id="8" name="Ink 7">
@@ -6765,8 +6852,8 @@
             </p:pic>
           </mc:Fallback>
         </mc:AlternateContent>
-        <mc:AlternateContent xmlns:mc="http://schemas.openxmlformats.org/markup-compatibility/2006">
-          <mc:Choice xmlns:p14="http://schemas.microsoft.com/office/powerpoint/2010/main" Requires="p14">
+        <mc:AlternateContent xmlns:mc="http://schemas.openxmlformats.org/markup-compatibility/2006" xmlns:p14="http://schemas.microsoft.com/office/powerpoint/2010/main">
+          <mc:Choice Requires="p14">
             <p:contentPart p14:bwMode="auto" r:id="rId11">
               <p14:nvContentPartPr>
                 <p14:cNvPr id="9" name="Ink 8">
@@ -6785,7 +6872,7 @@
               </p14:xfrm>
             </p:contentPart>
           </mc:Choice>
-          <mc:Fallback>
+          <mc:Fallback xmlns="">
             <p:pic>
               <p:nvPicPr>
                 <p:cNvPr id="9" name="Ink 8">
@@ -7505,6 +7592,1548 @@
     <p:extLst>
       <p:ext uri="{BB962C8B-B14F-4D97-AF65-F5344CB8AC3E}">
         <p14:creationId xmlns:p14="http://schemas.microsoft.com/office/powerpoint/2010/main" val="2073714052"/>
+      </p:ext>
+    </p:extLst>
+  </p:cSld>
+  <p:clrMapOvr>
+    <a:masterClrMapping/>
+  </p:clrMapOvr>
+</p:sld>
+</file>
+
+<file path=ppt/slides/slide15.xml><?xml version="1.0" encoding="utf-8"?>
+<p:sld xmlns:a="http://schemas.openxmlformats.org/drawingml/2006/main" xmlns:r="http://schemas.openxmlformats.org/officeDocument/2006/relationships" xmlns:p="http://schemas.openxmlformats.org/presentationml/2006/main">
+  <p:cSld>
+    <p:spTree>
+      <p:nvGrpSpPr>
+        <p:cNvPr id="1" name=""/>
+        <p:cNvGrpSpPr/>
+        <p:nvPr/>
+      </p:nvGrpSpPr>
+      <p:grpSpPr>
+        <a:xfrm>
+          <a:off x="0" y="0"/>
+          <a:ext cx="0" cy="0"/>
+          <a:chOff x="0" y="0"/>
+          <a:chExt cx="0" cy="0"/>
+        </a:xfrm>
+      </p:grpSpPr>
+      <p:grpSp>
+        <p:nvGrpSpPr>
+          <p:cNvPr id="6" name="Group 5">
+            <a:extLst>
+              <a:ext uri="{FF2B5EF4-FFF2-40B4-BE49-F238E27FC236}">
+                <a16:creationId xmlns:a16="http://schemas.microsoft.com/office/drawing/2014/main" id="{384A49C3-1E5B-B1A9-5A68-D086F88EF06C}"/>
+              </a:ext>
+            </a:extLst>
+          </p:cNvPr>
+          <p:cNvGrpSpPr/>
+          <p:nvPr/>
+        </p:nvGrpSpPr>
+        <p:grpSpPr>
+          <a:xfrm>
+            <a:off x="1135803" y="620042"/>
+            <a:ext cx="4960194" cy="4282751"/>
+            <a:chOff x="4462030" y="1659368"/>
+            <a:chExt cx="1623099" cy="1446245"/>
+          </a:xfrm>
+        </p:grpSpPr>
+        <p:pic>
+          <p:nvPicPr>
+            <p:cNvPr id="5" name="Picture 4" descr="A black background with a light in the dark&#10;&#10;Description automatically generated">
+              <a:extLst>
+                <a:ext uri="{FF2B5EF4-FFF2-40B4-BE49-F238E27FC236}">
+                  <a16:creationId xmlns:a16="http://schemas.microsoft.com/office/drawing/2014/main" id="{6401D779-E8FD-9CF2-0A7D-29DDFFD1E515}"/>
+                </a:ext>
+              </a:extLst>
+            </p:cNvPr>
+            <p:cNvPicPr>
+              <a:picLocks noChangeAspect="1"/>
+            </p:cNvPicPr>
+            <p:nvPr/>
+          </p:nvPicPr>
+          <p:blipFill rotWithShape="1">
+            <a:blip r:embed="rId2">
+              <a:extLst>
+                <a:ext uri="{28A0092B-C50C-407E-A947-70E740481C1C}">
+                  <a14:useLocalDpi xmlns:a14="http://schemas.microsoft.com/office/drawing/2010/main" val="0"/>
+                </a:ext>
+              </a:extLst>
+            </a:blip>
+            <a:srcRect l="33945" t="23945" r="50000" b="54966"/>
+            <a:stretch/>
+          </p:blipFill>
+          <p:spPr>
+            <a:xfrm>
+              <a:off x="4617113" y="1659368"/>
+              <a:ext cx="1468016" cy="1446245"/>
+            </a:xfrm>
+            <a:prstGeom prst="rect">
+              <a:avLst/>
+            </a:prstGeom>
+          </p:spPr>
+        </p:pic>
+        <p:pic>
+          <p:nvPicPr>
+            <p:cNvPr id="3" name="Picture 2" descr="A black sky with a light in the dark&#10;&#10;Description automatically generated">
+              <a:extLst>
+                <a:ext uri="{FF2B5EF4-FFF2-40B4-BE49-F238E27FC236}">
+                  <a16:creationId xmlns:a16="http://schemas.microsoft.com/office/drawing/2014/main" id="{626769B5-2712-FD46-AA69-E7D7821C58D1}"/>
+                </a:ext>
+              </a:extLst>
+            </p:cNvPr>
+            <p:cNvPicPr>
+              <a:picLocks noChangeAspect="1"/>
+            </p:cNvPicPr>
+            <p:nvPr/>
+          </p:nvPicPr>
+          <p:blipFill rotWithShape="1">
+            <a:blip r:embed="rId3">
+              <a:extLst>
+                <a:ext uri="{BEBA8EAE-BF5A-486C-A8C5-ECC9F3942E4B}">
+                  <a14:imgProps xmlns:a14="http://schemas.microsoft.com/office/drawing/2010/main">
+                    <a14:imgLayer r:embed="rId4">
+                      <a14:imgEffect>
+                        <a14:backgroundRemoval t="27541" b="41208" l="33677" r="44761">
+                          <a14:foregroundMark x1="35596" y1="33919" x2="35596" y2="33919"/>
+                          <a14:foregroundMark x1="36885" y1="34965" x2="37012" y2="35547"/>
+                          <a14:foregroundMark x1="36169" y1="31683" x2="36587" y2="33600"/>
+                          <a14:foregroundMark x1="35928" y1="30575" x2="36038" y2="31078"/>
+                          <a14:foregroundMark x1="36279" y1="31185" x2="36279" y2="31185"/>
+                          <a14:foregroundMark x1="36137" y1="32475" x2="36377" y2="36068"/>
+                          <a14:foregroundMark x1="35986" y1="30208" x2="36106" y2="32002"/>
+                          <a14:foregroundMark x1="35764" y1="35677" x2="35791" y2="37630"/>
+                          <a14:foregroundMark x1="35726" y1="32852" x2="35745" y2="34245"/>
+                          <a14:foregroundMark x1="35696" y1="30675" x2="35727" y2="32855"/>
+                          <a14:foregroundMark x1="35791" y1="37630" x2="38418" y2="38374"/>
+                          <a14:foregroundMark x1="37607" y1="35958" x2="36601" y2="35078"/>
+                          <a14:foregroundMark x1="37916" y1="36228" x2="37609" y2="35959"/>
+                          <a14:foregroundMark x1="40272" y1="38286" x2="38008" y2="36307"/>
+                          <a14:foregroundMark x1="35876" y1="31199" x2="35740" y2="30656"/>
+                          <a14:foregroundMark x1="36638" y1="34245" x2="36024" y2="31791"/>
+                          <a14:foregroundMark x1="41263" y1="38657" x2="42090" y2="39323"/>
+                          <a14:foregroundMark x1="37777" y1="35849" x2="40859" y2="38332"/>
+                          <a14:foregroundMark x1="41538" y1="38353" x2="37671" y2="35639"/>
+                          <a14:foregroundMark x1="42245" y1="38849" x2="41606" y2="38401"/>
+                          <a14:foregroundMark x1="42920" y1="39323" x2="42466" y2="39004"/>
+                          <a14:foregroundMark x1="40031" y1="36944" x2="41769" y2="38428"/>
+                          <a14:foregroundMark x1="38613" y1="35733" x2="39019" y2="36080"/>
+                          <a14:foregroundMark x1="41790" y1="38416" x2="38810" y2="35794"/>
+                          <a14:foregroundMark x1="41620" y1="38373" x2="42090" y2="38802"/>
+                          <a14:foregroundMark x1="38803" y1="35807" x2="41600" y2="38355"/>
+                          <a14:foregroundMark x1="41941" y1="38416" x2="37797" y2="35927"/>
+                          <a14:foregroundMark x1="37807" y1="35963" x2="40861" y2="38252"/>
+                          <a14:foregroundMark x1="41544" y1="38353" x2="39049" y2="35617"/>
+                          <a14:foregroundMark x1="42176" y1="39046" x2="41600" y2="38414"/>
+                          <a14:foregroundMark x1="43039" y1="39992" x2="42375" y2="39263"/>
+                          <a14:foregroundMark x1="38519" y1="36041" x2="42314" y2="38315"/>
+                          <a14:foregroundMark x1="36625" y1="34905" x2="37727" y2="35565"/>
+                          <a14:foregroundMark x1="39141" y1="35378" x2="38429" y2="35216"/>
+                          <a14:foregroundMark x1="35938" y1="30571" x2="37764" y2="31829"/>
+                          <a14:foregroundMark x1="35811" y1="30625" x2="35711" y2="31321"/>
+                          <a14:foregroundMark x1="35756" y1="29795" x2="37833" y2="31519"/>
+                          <a14:foregroundMark x1="35456" y1="35677" x2="35485" y2="38501"/>
+                          <a14:foregroundMark x1="35429" y1="33112" x2="35441" y2="34245"/>
+                          <a14:foregroundMark x1="34961" y1="35286" x2="38827" y2="38872"/>
+                          <a14:foregroundMark x1="37109" y1="35156" x2="37703" y2="35333"/>
+                          <a14:foregroundMark x1="37538" y1="34961" x2="36719" y2="34961"/>
+                          <a14:foregroundMark x1="36187" y1="33299" x2="37996" y2="35457"/>
+                          <a14:foregroundMark x1="37164" y1="34142" x2="37012" y2="34831"/>
+                          <a14:foregroundMark x1="37269" y1="34207" x2="37207" y2="35156"/>
+                          <a14:foregroundMark x1="38454" y1="35500" x2="37734" y2="35542"/>
+                          <a14:foregroundMark x1="38566" y1="35494" x2="38515" y2="35497"/>
+                          <a14:foregroundMark x1="38493" y1="35662" x2="37615" y2="35948"/>
+                          <a14:foregroundMark x1="38635" y1="35095" x2="37672" y2="35448"/>
+                          <a14:foregroundMark x1="38381" y1="35194" x2="37677" y2="35476"/>
+                          <a14:foregroundMark x1="36341" y1="35303" x2="37142" y2="35131"/>
+                          <a14:foregroundMark x1="41530" y1="36603" x2="40831" y2="35858"/>
+                          <a14:foregroundMark x1="38672" y1="35156" x2="41064" y2="36003"/>
+                          <a14:foregroundMark x1="38672" y1="35156" x2="40723" y2="35807"/>
+                          <a14:foregroundMark x1="40820" y1="35938" x2="39111" y2="35286"/>
+                          <a14:foregroundMark x1="39111" y1="35286" x2="40283" y2="35482"/>
+                          <a14:foregroundMark x1="40332" y1="35352" x2="38867" y2="35026"/>
+                          <a14:foregroundMark x1="41699" y1="37109" x2="42501" y2="38122"/>
+                          <a14:foregroundMark x1="37354" y1="31641" x2="37528" y2="32804"/>
+                          <a14:foregroundMark x1="37451" y1="33464" x2="37354" y2="33984"/>
+                          <a14:foregroundMark x1="37451" y1="31966" x2="37451" y2="33398"/>
+                          <a14:foregroundMark x1="37451" y1="31771" x2="37549" y2="33659"/>
+                          <a14:foregroundMark x1="37695" y1="33008" x2="37598" y2="32096"/>
+                          <a14:foregroundMark x1="35840" y1="38932" x2="37793" y2="38932"/>
+                          <a14:foregroundMark x1="37793" y1="38932" x2="38379" y2="38932"/>
+                          <a14:foregroundMark x1="36328" y1="38216" x2="35596" y2="38867"/>
+                          <a14:foregroundMark x1="35596" y1="30404" x2="35596" y2="30469"/>
+                          <a14:foregroundMark x1="35547" y1="30143" x2="35645" y2="30143"/>
+                          <a14:foregroundMark x1="41846" y1="37109" x2="42871" y2="38672"/>
+                          <a14:foregroundMark x1="38184" y1="38867" x2="40479" y2="38997"/>
+                          <a14:foregroundMark x1="40479" y1="38997" x2="38818" y2="38867"/>
+                          <a14:foregroundMark x1="40576" y1="39128" x2="41406" y2="39193"/>
+                          <a14:foregroundMark x1="35693" y1="34440" x2="35840" y2="35482"/>
+                          <a14:foregroundMark x1="35645" y1="34831" x2="35645" y2="35612"/>
+                          <a14:backgroundMark x1="38124" y1="34201" x2="38347" y2="33756"/>
+                          <a14:backgroundMark x1="37744" y1="34961" x2="38037" y2="34375"/>
+                          <a14:backgroundMark x1="41309" y1="35156" x2="41992" y2="35938"/>
+                          <a14:backgroundMark x1="42090" y1="34701" x2="42529" y2="34961"/>
+                          <a14:backgroundMark x1="41719" y1="34858" x2="42529" y2="34961"/>
+                          <a14:backgroundMark x1="42920" y1="39583" x2="41992" y2="39583"/>
+                          <a14:backgroundMark x1="39551" y1="41081" x2="39258" y2="40951"/>
+                          <a14:backgroundMark x1="37305" y1="40169" x2="36621" y2="40169"/>
+                          <a14:backgroundMark x1="37207" y1="30273" x2="36426" y2="29948"/>
+                          <a14:backgroundMark x1="37598" y1="30794" x2="37549" y2="31120"/>
+                          <a14:backgroundMark x1="37451" y1="34635" x2="37402" y2="34440"/>
+                          <a14:backgroundMark x1="37793" y1="35026" x2="37842" y2="34831"/>
+                          <a14:backgroundMark x1="38135" y1="31771" x2="37105" y2="30647"/>
+                          <a14:backgroundMark x1="37939" y1="31836" x2="37646" y2="31250"/>
+                          <a14:backgroundMark x1="43311" y1="40234" x2="43213" y2="40234"/>
+                          <a14:backgroundMark x1="43066" y1="39909" x2="43408" y2="39518"/>
+                          <a14:backgroundMark x1="43848" y1="39714" x2="44580" y2="40690"/>
+                          <a14:backgroundMark x1="42871" y1="39714" x2="42383" y2="39714"/>
+                          <a14:backgroundMark x1="42773" y1="40495" x2="42773" y2="39844"/>
+                          <a14:backgroundMark x1="41649" y1="39843" x2="41211" y2="39323"/>
+                          <a14:backgroundMark x1="41895" y1="39844" x2="42285" y2="39518"/>
+                          <a14:backgroundMark x1="34831" y1="30469" x2="34961" y2="30990"/>
+                          <a14:backgroundMark x1="34619" y1="29622" x2="34815" y2="30404"/>
+                          <a14:backgroundMark x1="35498" y1="31576" x2="35449" y2="30469"/>
+                          <a14:backgroundMark x1="35107" y1="31771" x2="35352" y2="32292"/>
+                          <a14:backgroundMark x1="35449" y1="31771" x2="35205" y2="30924"/>
+                          <a14:backgroundMark x1="35205" y1="32813" x2="35400" y2="33138"/>
+                        </a14:backgroundRemoval>
+                      </a14:imgEffect>
+                    </a14:imgLayer>
+                  </a14:imgProps>
+                </a:ext>
+                <a:ext uri="{28A0092B-C50C-407E-A947-70E740481C1C}">
+                  <a14:useLocalDpi xmlns:a14="http://schemas.microsoft.com/office/drawing/2010/main" val="0"/>
+                </a:ext>
+              </a:extLst>
+            </a:blip>
+            <a:srcRect l="32292" t="25833" r="53854" b="57084"/>
+            <a:stretch/>
+          </p:blipFill>
+          <p:spPr>
+            <a:xfrm>
+              <a:off x="4462030" y="1796703"/>
+              <a:ext cx="1266825" cy="1171575"/>
+            </a:xfrm>
+            <a:prstGeom prst="rect">
+              <a:avLst/>
+            </a:prstGeom>
+          </p:spPr>
+        </p:pic>
+      </p:grpSp>
+      <p:sp>
+        <p:nvSpPr>
+          <p:cNvPr id="19" name="Oval 18">
+            <a:extLst>
+              <a:ext uri="{FF2B5EF4-FFF2-40B4-BE49-F238E27FC236}">
+                <a16:creationId xmlns:a16="http://schemas.microsoft.com/office/drawing/2014/main" id="{10D179BB-3784-FC0E-7D8C-0BD03BC1C7E8}"/>
+              </a:ext>
+            </a:extLst>
+          </p:cNvPr>
+          <p:cNvSpPr/>
+          <p:nvPr/>
+        </p:nvSpPr>
+        <p:spPr>
+          <a:xfrm>
+            <a:off x="2403194" y="2599861"/>
+            <a:ext cx="532218" cy="525881"/>
+          </a:xfrm>
+          <a:prstGeom prst="ellipse">
+            <a:avLst/>
+          </a:prstGeom>
+          <a:noFill/>
+          <a:ln>
+            <a:solidFill>
+              <a:srgbClr val="FFFF00"/>
+            </a:solidFill>
+          </a:ln>
+        </p:spPr>
+        <p:style>
+          <a:lnRef idx="2">
+            <a:schemeClr val="accent1">
+              <a:shade val="15000"/>
+            </a:schemeClr>
+          </a:lnRef>
+          <a:fillRef idx="1">
+            <a:schemeClr val="accent1"/>
+          </a:fillRef>
+          <a:effectRef idx="0">
+            <a:schemeClr val="accent1"/>
+          </a:effectRef>
+          <a:fontRef idx="minor">
+            <a:schemeClr val="lt1"/>
+          </a:fontRef>
+        </p:style>
+        <p:txBody>
+          <a:bodyPr rtlCol="0" anchor="ctr"/>
+          <a:lstStyle/>
+          <a:p>
+            <a:pPr algn="ctr"/>
+            <a:endParaRPr lang="en-US"/>
+          </a:p>
+        </p:txBody>
+      </p:sp>
+      <p:pic>
+        <p:nvPicPr>
+          <p:cNvPr id="21" name="Picture 20">
+            <a:extLst>
+              <a:ext uri="{FF2B5EF4-FFF2-40B4-BE49-F238E27FC236}">
+                <a16:creationId xmlns:a16="http://schemas.microsoft.com/office/drawing/2014/main" id="{D446A8A2-F292-998E-A836-3BD917622C0B}"/>
+              </a:ext>
+            </a:extLst>
+          </p:cNvPr>
+          <p:cNvPicPr>
+            <a:picLocks noChangeAspect="1"/>
+          </p:cNvPicPr>
+          <p:nvPr/>
+        </p:nvPicPr>
+        <p:blipFill rotWithShape="1">
+          <a:blip r:embed="rId5"/>
+          <a:srcRect l="27700" t="23144" r="51212" b="50925"/>
+          <a:stretch/>
+        </p:blipFill>
+        <p:spPr>
+          <a:xfrm>
+            <a:off x="7021493" y="620042"/>
+            <a:ext cx="4515070" cy="4282751"/>
+          </a:xfrm>
+          <a:prstGeom prst="rect">
+            <a:avLst/>
+          </a:prstGeom>
+        </p:spPr>
+      </p:pic>
+    </p:spTree>
+    <p:extLst>
+      <p:ext uri="{BB962C8B-B14F-4D97-AF65-F5344CB8AC3E}">
+        <p14:creationId xmlns:p14="http://schemas.microsoft.com/office/powerpoint/2010/main" val="1679519479"/>
+      </p:ext>
+    </p:extLst>
+  </p:cSld>
+  <p:clrMapOvr>
+    <a:masterClrMapping/>
+  </p:clrMapOvr>
+</p:sld>
+</file>
+
+<file path=ppt/slides/slide16.xml><?xml version="1.0" encoding="utf-8"?>
+<p:sld xmlns:a="http://schemas.openxmlformats.org/drawingml/2006/main" xmlns:r="http://schemas.openxmlformats.org/officeDocument/2006/relationships" xmlns:p="http://schemas.openxmlformats.org/presentationml/2006/main">
+  <p:cSld>
+    <p:spTree>
+      <p:nvGrpSpPr>
+        <p:cNvPr id="1" name=""/>
+        <p:cNvGrpSpPr/>
+        <p:nvPr/>
+      </p:nvGrpSpPr>
+      <p:grpSpPr>
+        <a:xfrm>
+          <a:off x="0" y="0"/>
+          <a:ext cx="0" cy="0"/>
+          <a:chOff x="0" y="0"/>
+          <a:chExt cx="0" cy="0"/>
+        </a:xfrm>
+      </p:grpSpPr>
+      <p:grpSp>
+        <p:nvGrpSpPr>
+          <p:cNvPr id="55" name="Group 54">
+            <a:extLst>
+              <a:ext uri="{FF2B5EF4-FFF2-40B4-BE49-F238E27FC236}">
+                <a16:creationId xmlns:a16="http://schemas.microsoft.com/office/drawing/2014/main" id="{85A624B9-211F-4A45-9555-410CF82A9CB8}"/>
+              </a:ext>
+            </a:extLst>
+          </p:cNvPr>
+          <p:cNvGrpSpPr/>
+          <p:nvPr/>
+        </p:nvGrpSpPr>
+        <p:grpSpPr>
+          <a:xfrm>
+            <a:off x="288252" y="375982"/>
+            <a:ext cx="11762640" cy="6174210"/>
+            <a:chOff x="288252" y="375982"/>
+            <a:chExt cx="11762640" cy="6174210"/>
+          </a:xfrm>
+        </p:grpSpPr>
+        <p:grpSp>
+          <p:nvGrpSpPr>
+            <p:cNvPr id="53" name="Group 52">
+              <a:extLst>
+                <a:ext uri="{FF2B5EF4-FFF2-40B4-BE49-F238E27FC236}">
+                  <a16:creationId xmlns:a16="http://schemas.microsoft.com/office/drawing/2014/main" id="{F55F64E0-426B-AA52-F729-24F2B9290C4D}"/>
+                </a:ext>
+              </a:extLst>
+            </p:cNvPr>
+            <p:cNvGrpSpPr/>
+            <p:nvPr/>
+          </p:nvGrpSpPr>
+          <p:grpSpPr>
+            <a:xfrm>
+              <a:off x="288252" y="375982"/>
+              <a:ext cx="11762640" cy="6174210"/>
+              <a:chOff x="288252" y="375982"/>
+              <a:chExt cx="11762640" cy="6174210"/>
+            </a:xfrm>
+          </p:grpSpPr>
+          <p:pic>
+            <p:nvPicPr>
+              <p:cNvPr id="3" name="Picture 2" descr="A white object in a black background&#10;&#10;Description automatically generated">
+                <a:extLst>
+                  <a:ext uri="{FF2B5EF4-FFF2-40B4-BE49-F238E27FC236}">
+                    <a16:creationId xmlns:a16="http://schemas.microsoft.com/office/drawing/2014/main" id="{F2CE86E8-788E-ED01-9129-EB936BB7E727}"/>
+                  </a:ext>
+                </a:extLst>
+              </p:cNvPr>
+              <p:cNvPicPr>
+                <a:picLocks noChangeAspect="1"/>
+              </p:cNvPicPr>
+              <p:nvPr/>
+            </p:nvPicPr>
+            <p:blipFill rotWithShape="1">
+              <a:blip r:embed="rId2">
+                <a:extLst>
+                  <a:ext uri="{28A0092B-C50C-407E-A947-70E740481C1C}">
+                    <a14:useLocalDpi xmlns:a14="http://schemas.microsoft.com/office/drawing/2010/main" val="0"/>
+                  </a:ext>
+                </a:extLst>
+              </a:blip>
+              <a:srcRect l="32708" t="26528" r="53854" b="57500"/>
+              <a:stretch/>
+            </p:blipFill>
+            <p:spPr>
+              <a:xfrm>
+                <a:off x="4084403" y="1179904"/>
+                <a:ext cx="2113710" cy="1884315"/>
+              </a:xfrm>
+              <a:prstGeom prst="rect">
+                <a:avLst/>
+              </a:prstGeom>
+            </p:spPr>
+          </p:pic>
+          <p:pic>
+            <p:nvPicPr>
+              <p:cNvPr id="5" name="Picture 4" descr="A white arrow in a black background&#10;&#10;Description automatically generated">
+                <a:extLst>
+                  <a:ext uri="{FF2B5EF4-FFF2-40B4-BE49-F238E27FC236}">
+                    <a16:creationId xmlns:a16="http://schemas.microsoft.com/office/drawing/2014/main" id="{F49604C3-576E-8E97-0016-69F96A352484}"/>
+                  </a:ext>
+                </a:extLst>
+              </p:cNvPr>
+              <p:cNvPicPr>
+                <a:picLocks noChangeAspect="1"/>
+              </p:cNvPicPr>
+              <p:nvPr/>
+            </p:nvPicPr>
+            <p:blipFill rotWithShape="1">
+              <a:blip r:embed="rId3">
+                <a:extLst>
+                  <a:ext uri="{28A0092B-C50C-407E-A947-70E740481C1C}">
+                    <a14:useLocalDpi xmlns:a14="http://schemas.microsoft.com/office/drawing/2010/main" val="0"/>
+                  </a:ext>
+                </a:extLst>
+              </a:blip>
+              <a:srcRect l="34481" t="26440" r="52081" b="57588"/>
+              <a:stretch/>
+            </p:blipFill>
+            <p:spPr>
+              <a:xfrm>
+                <a:off x="4069934" y="4652980"/>
+                <a:ext cx="2128179" cy="1897212"/>
+              </a:xfrm>
+              <a:prstGeom prst="rect">
+                <a:avLst/>
+              </a:prstGeom>
+            </p:spPr>
+          </p:pic>
+          <p:sp>
+            <p:nvSpPr>
+              <p:cNvPr id="24" name="TextBox 23">
+                <a:extLst>
+                  <a:ext uri="{FF2B5EF4-FFF2-40B4-BE49-F238E27FC236}">
+                    <a16:creationId xmlns:a16="http://schemas.microsoft.com/office/drawing/2014/main" id="{C7A9344B-2304-B160-5E5B-B414C4F3586A}"/>
+                  </a:ext>
+                </a:extLst>
+              </p:cNvPr>
+              <p:cNvSpPr txBox="1"/>
+              <p:nvPr/>
+            </p:nvSpPr>
+            <p:spPr>
+              <a:xfrm>
+                <a:off x="4011261" y="375982"/>
+                <a:ext cx="2607577" cy="830997"/>
+              </a:xfrm>
+              <a:prstGeom prst="rect">
+                <a:avLst/>
+              </a:prstGeom>
+              <a:noFill/>
+            </p:spPr>
+            <p:txBody>
+              <a:bodyPr wrap="square" rtlCol="0">
+                <a:spAutoFit/>
+              </a:bodyPr>
+              <a:lstStyle/>
+              <a:p>
+                <a:r>
+                  <a:rPr lang="en-US" sz="1600" b="1" dirty="0"/>
+                  <a:t>Area Belonging to Fifth Bounding Box in Second Bounding Box</a:t>
+                </a:r>
+              </a:p>
+            </p:txBody>
+          </p:sp>
+          <p:sp>
+            <p:nvSpPr>
+              <p:cNvPr id="25" name="TextBox 24">
+                <a:extLst>
+                  <a:ext uri="{FF2B5EF4-FFF2-40B4-BE49-F238E27FC236}">
+                    <a16:creationId xmlns:a16="http://schemas.microsoft.com/office/drawing/2014/main" id="{9263F6D5-C2FE-9A43-1CFC-45C0059BA8B7}"/>
+                  </a:ext>
+                </a:extLst>
+              </p:cNvPr>
+              <p:cNvSpPr txBox="1"/>
+              <p:nvPr/>
+            </p:nvSpPr>
+            <p:spPr>
+              <a:xfrm>
+                <a:off x="4011260" y="3821983"/>
+                <a:ext cx="2607577" cy="830997"/>
+              </a:xfrm>
+              <a:prstGeom prst="rect">
+                <a:avLst/>
+              </a:prstGeom>
+              <a:noFill/>
+            </p:spPr>
+            <p:txBody>
+              <a:bodyPr wrap="square" rtlCol="0">
+                <a:spAutoFit/>
+              </a:bodyPr>
+              <a:lstStyle/>
+              <a:p>
+                <a:r>
+                  <a:rPr lang="en-US" sz="1600" b="1" dirty="0"/>
+                  <a:t>Area Belonging to Second Bounding Box in Fifth  Bounding Box</a:t>
+                </a:r>
+              </a:p>
+            </p:txBody>
+          </p:sp>
+          <p:grpSp>
+            <p:nvGrpSpPr>
+              <p:cNvPr id="26" name="Group 25">
+                <a:extLst>
+                  <a:ext uri="{FF2B5EF4-FFF2-40B4-BE49-F238E27FC236}">
+                    <a16:creationId xmlns:a16="http://schemas.microsoft.com/office/drawing/2014/main" id="{DD42C1F6-45FB-6A18-27CD-DF5EC8EC21B9}"/>
+                  </a:ext>
+                </a:extLst>
+              </p:cNvPr>
+              <p:cNvGrpSpPr/>
+              <p:nvPr/>
+            </p:nvGrpSpPr>
+            <p:grpSpPr>
+              <a:xfrm>
+                <a:off x="6677511" y="2488097"/>
+                <a:ext cx="2446991" cy="2254586"/>
+                <a:chOff x="4462030" y="1659368"/>
+                <a:chExt cx="1623099" cy="1446245"/>
+              </a:xfrm>
+            </p:grpSpPr>
+            <p:pic>
+              <p:nvPicPr>
+                <p:cNvPr id="27" name="Picture 26" descr="A black background with a light in the dark&#10;&#10;Description automatically generated">
+                  <a:extLst>
+                    <a:ext uri="{FF2B5EF4-FFF2-40B4-BE49-F238E27FC236}">
+                      <a16:creationId xmlns:a16="http://schemas.microsoft.com/office/drawing/2014/main" id="{C6F5A154-BC74-4534-8E15-E64F3D84E74D}"/>
+                    </a:ext>
+                  </a:extLst>
+                </p:cNvPr>
+                <p:cNvPicPr>
+                  <a:picLocks noChangeAspect="1"/>
+                </p:cNvPicPr>
+                <p:nvPr/>
+              </p:nvPicPr>
+              <p:blipFill rotWithShape="1">
+                <a:blip r:embed="rId4">
+                  <a:extLst>
+                    <a:ext uri="{28A0092B-C50C-407E-A947-70E740481C1C}">
+                      <a14:useLocalDpi xmlns:a14="http://schemas.microsoft.com/office/drawing/2010/main" val="0"/>
+                    </a:ext>
+                  </a:extLst>
+                </a:blip>
+                <a:srcRect l="33945" t="23945" r="50000" b="54966"/>
+                <a:stretch/>
+              </p:blipFill>
+              <p:spPr>
+                <a:xfrm>
+                  <a:off x="4617113" y="1659368"/>
+                  <a:ext cx="1468016" cy="1446245"/>
+                </a:xfrm>
+                <a:prstGeom prst="rect">
+                  <a:avLst/>
+                </a:prstGeom>
+              </p:spPr>
+            </p:pic>
+            <p:pic>
+              <p:nvPicPr>
+                <p:cNvPr id="28" name="Picture 27" descr="A black sky with a light in the dark&#10;&#10;Description automatically generated">
+                  <a:extLst>
+                    <a:ext uri="{FF2B5EF4-FFF2-40B4-BE49-F238E27FC236}">
+                      <a16:creationId xmlns:a16="http://schemas.microsoft.com/office/drawing/2014/main" id="{A8A8815D-5E60-1489-4714-0EF172CB7348}"/>
+                    </a:ext>
+                  </a:extLst>
+                </p:cNvPr>
+                <p:cNvPicPr>
+                  <a:picLocks noChangeAspect="1"/>
+                </p:cNvPicPr>
+                <p:nvPr/>
+              </p:nvPicPr>
+              <p:blipFill rotWithShape="1">
+                <a:blip r:embed="rId5">
+                  <a:extLst>
+                    <a:ext uri="{BEBA8EAE-BF5A-486C-A8C5-ECC9F3942E4B}">
+                      <a14:imgProps xmlns:a14="http://schemas.microsoft.com/office/drawing/2010/main">
+                        <a14:imgLayer r:embed="rId6">
+                          <a14:imgEffect>
+                            <a14:backgroundRemoval t="27541" b="41208" l="33677" r="44761">
+                              <a14:foregroundMark x1="35596" y1="33919" x2="35596" y2="33919"/>
+                              <a14:foregroundMark x1="36885" y1="34965" x2="37012" y2="35547"/>
+                              <a14:foregroundMark x1="36169" y1="31683" x2="36587" y2="33600"/>
+                              <a14:foregroundMark x1="35928" y1="30575" x2="36038" y2="31078"/>
+                              <a14:foregroundMark x1="36279" y1="31185" x2="36279" y2="31185"/>
+                              <a14:foregroundMark x1="36137" y1="32475" x2="36377" y2="36068"/>
+                              <a14:foregroundMark x1="35986" y1="30208" x2="36106" y2="32002"/>
+                              <a14:foregroundMark x1="35764" y1="35677" x2="35791" y2="37630"/>
+                              <a14:foregroundMark x1="35726" y1="32852" x2="35745" y2="34245"/>
+                              <a14:foregroundMark x1="35696" y1="30675" x2="35727" y2="32855"/>
+                              <a14:foregroundMark x1="35791" y1="37630" x2="38418" y2="38374"/>
+                              <a14:foregroundMark x1="37607" y1="35958" x2="36601" y2="35078"/>
+                              <a14:foregroundMark x1="37916" y1="36228" x2="37609" y2="35959"/>
+                              <a14:foregroundMark x1="40272" y1="38286" x2="38008" y2="36307"/>
+                              <a14:foregroundMark x1="35876" y1="31199" x2="35740" y2="30656"/>
+                              <a14:foregroundMark x1="36638" y1="34245" x2="36024" y2="31791"/>
+                              <a14:foregroundMark x1="41263" y1="38657" x2="42090" y2="39323"/>
+                              <a14:foregroundMark x1="37777" y1="35849" x2="40859" y2="38332"/>
+                              <a14:foregroundMark x1="41538" y1="38353" x2="37671" y2="35639"/>
+                              <a14:foregroundMark x1="42245" y1="38849" x2="41606" y2="38401"/>
+                              <a14:foregroundMark x1="42920" y1="39323" x2="42466" y2="39004"/>
+                              <a14:foregroundMark x1="40031" y1="36944" x2="41769" y2="38428"/>
+                              <a14:foregroundMark x1="38613" y1="35733" x2="39019" y2="36080"/>
+                              <a14:foregroundMark x1="41790" y1="38416" x2="38810" y2="35794"/>
+                              <a14:foregroundMark x1="41620" y1="38373" x2="42090" y2="38802"/>
+                              <a14:foregroundMark x1="38803" y1="35807" x2="41600" y2="38355"/>
+                              <a14:foregroundMark x1="41941" y1="38416" x2="37797" y2="35927"/>
+                              <a14:foregroundMark x1="37807" y1="35963" x2="40861" y2="38252"/>
+                              <a14:foregroundMark x1="41544" y1="38353" x2="39049" y2="35617"/>
+                              <a14:foregroundMark x1="42176" y1="39046" x2="41600" y2="38414"/>
+                              <a14:foregroundMark x1="43039" y1="39992" x2="42375" y2="39263"/>
+                              <a14:foregroundMark x1="38519" y1="36041" x2="42314" y2="38315"/>
+                              <a14:foregroundMark x1="36625" y1="34905" x2="37727" y2="35565"/>
+                              <a14:foregroundMark x1="39141" y1="35378" x2="38429" y2="35216"/>
+                              <a14:foregroundMark x1="35938" y1="30571" x2="37764" y2="31829"/>
+                              <a14:foregroundMark x1="35811" y1="30625" x2="35711" y2="31321"/>
+                              <a14:foregroundMark x1="35756" y1="29795" x2="37833" y2="31519"/>
+                              <a14:foregroundMark x1="35456" y1="35677" x2="35485" y2="38501"/>
+                              <a14:foregroundMark x1="35429" y1="33112" x2="35441" y2="34245"/>
+                              <a14:foregroundMark x1="34961" y1="35286" x2="38827" y2="38872"/>
+                              <a14:foregroundMark x1="37109" y1="35156" x2="37703" y2="35333"/>
+                              <a14:foregroundMark x1="37538" y1="34961" x2="36719" y2="34961"/>
+                              <a14:foregroundMark x1="36187" y1="33299" x2="37996" y2="35457"/>
+                              <a14:foregroundMark x1="37164" y1="34142" x2="37012" y2="34831"/>
+                              <a14:foregroundMark x1="37269" y1="34207" x2="37207" y2="35156"/>
+                              <a14:foregroundMark x1="38454" y1="35500" x2="37734" y2="35542"/>
+                              <a14:foregroundMark x1="38566" y1="35494" x2="38515" y2="35497"/>
+                              <a14:foregroundMark x1="38493" y1="35662" x2="37615" y2="35948"/>
+                              <a14:foregroundMark x1="38635" y1="35095" x2="37672" y2="35448"/>
+                              <a14:foregroundMark x1="38381" y1="35194" x2="37677" y2="35476"/>
+                              <a14:foregroundMark x1="36341" y1="35303" x2="37142" y2="35131"/>
+                              <a14:foregroundMark x1="41530" y1="36603" x2="40831" y2="35858"/>
+                              <a14:foregroundMark x1="38672" y1="35156" x2="41064" y2="36003"/>
+                              <a14:foregroundMark x1="38672" y1="35156" x2="40723" y2="35807"/>
+                              <a14:foregroundMark x1="40820" y1="35938" x2="39111" y2="35286"/>
+                              <a14:foregroundMark x1="39111" y1="35286" x2="40283" y2="35482"/>
+                              <a14:foregroundMark x1="40332" y1="35352" x2="38867" y2="35026"/>
+                              <a14:foregroundMark x1="41699" y1="37109" x2="42501" y2="38122"/>
+                              <a14:foregroundMark x1="37354" y1="31641" x2="37528" y2="32804"/>
+                              <a14:foregroundMark x1="37451" y1="33464" x2="37354" y2="33984"/>
+                              <a14:foregroundMark x1="37451" y1="31966" x2="37451" y2="33398"/>
+                              <a14:foregroundMark x1="37451" y1="31771" x2="37549" y2="33659"/>
+                              <a14:foregroundMark x1="37695" y1="33008" x2="37598" y2="32096"/>
+                              <a14:foregroundMark x1="35840" y1="38932" x2="37793" y2="38932"/>
+                              <a14:foregroundMark x1="37793" y1="38932" x2="38379" y2="38932"/>
+                              <a14:foregroundMark x1="36328" y1="38216" x2="35596" y2="38867"/>
+                              <a14:foregroundMark x1="35596" y1="30404" x2="35596" y2="30469"/>
+                              <a14:foregroundMark x1="35547" y1="30143" x2="35645" y2="30143"/>
+                              <a14:foregroundMark x1="41846" y1="37109" x2="42871" y2="38672"/>
+                              <a14:foregroundMark x1="38184" y1="38867" x2="40479" y2="38997"/>
+                              <a14:foregroundMark x1="40479" y1="38997" x2="38818" y2="38867"/>
+                              <a14:foregroundMark x1="40576" y1="39128" x2="41406" y2="39193"/>
+                              <a14:foregroundMark x1="35693" y1="34440" x2="35840" y2="35482"/>
+                              <a14:foregroundMark x1="35645" y1="34831" x2="35645" y2="35612"/>
+                              <a14:backgroundMark x1="38124" y1="34201" x2="38347" y2="33756"/>
+                              <a14:backgroundMark x1="37744" y1="34961" x2="38037" y2="34375"/>
+                              <a14:backgroundMark x1="41309" y1="35156" x2="41992" y2="35938"/>
+                              <a14:backgroundMark x1="42090" y1="34701" x2="42529" y2="34961"/>
+                              <a14:backgroundMark x1="41719" y1="34858" x2="42529" y2="34961"/>
+                              <a14:backgroundMark x1="42920" y1="39583" x2="41992" y2="39583"/>
+                              <a14:backgroundMark x1="39551" y1="41081" x2="39258" y2="40951"/>
+                              <a14:backgroundMark x1="37305" y1="40169" x2="36621" y2="40169"/>
+                              <a14:backgroundMark x1="37207" y1="30273" x2="36426" y2="29948"/>
+                              <a14:backgroundMark x1="37598" y1="30794" x2="37549" y2="31120"/>
+                              <a14:backgroundMark x1="37451" y1="34635" x2="37402" y2="34440"/>
+                              <a14:backgroundMark x1="37793" y1="35026" x2="37842" y2="34831"/>
+                              <a14:backgroundMark x1="38135" y1="31771" x2="37105" y2="30647"/>
+                              <a14:backgroundMark x1="37939" y1="31836" x2="37646" y2="31250"/>
+                              <a14:backgroundMark x1="43311" y1="40234" x2="43213" y2="40234"/>
+                              <a14:backgroundMark x1="43066" y1="39909" x2="43408" y2="39518"/>
+                              <a14:backgroundMark x1="43848" y1="39714" x2="44580" y2="40690"/>
+                              <a14:backgroundMark x1="42871" y1="39714" x2="42383" y2="39714"/>
+                              <a14:backgroundMark x1="42773" y1="40495" x2="42773" y2="39844"/>
+                              <a14:backgroundMark x1="41649" y1="39843" x2="41211" y2="39323"/>
+                              <a14:backgroundMark x1="41895" y1="39844" x2="42285" y2="39518"/>
+                              <a14:backgroundMark x1="34831" y1="30469" x2="34961" y2="30990"/>
+                              <a14:backgroundMark x1="34619" y1="29622" x2="34815" y2="30404"/>
+                              <a14:backgroundMark x1="35498" y1="31576" x2="35449" y2="30469"/>
+                              <a14:backgroundMark x1="35107" y1="31771" x2="35352" y2="32292"/>
+                              <a14:backgroundMark x1="35449" y1="31771" x2="35205" y2="30924"/>
+                              <a14:backgroundMark x1="35205" y1="32813" x2="35400" y2="33138"/>
+                            </a14:backgroundRemoval>
+                          </a14:imgEffect>
+                        </a14:imgLayer>
+                      </a14:imgProps>
+                    </a:ext>
+                    <a:ext uri="{28A0092B-C50C-407E-A947-70E740481C1C}">
+                      <a14:useLocalDpi xmlns:a14="http://schemas.microsoft.com/office/drawing/2010/main" val="0"/>
+                    </a:ext>
+                  </a:extLst>
+                </a:blip>
+                <a:srcRect l="32292" t="25833" r="53854" b="57084"/>
+                <a:stretch/>
+              </p:blipFill>
+              <p:spPr>
+                <a:xfrm>
+                  <a:off x="4462030" y="1796703"/>
+                  <a:ext cx="1266825" cy="1171575"/>
+                </a:xfrm>
+                <a:prstGeom prst="rect">
+                  <a:avLst/>
+                </a:prstGeom>
+              </p:spPr>
+            </p:pic>
+          </p:grpSp>
+          <p:pic>
+            <p:nvPicPr>
+              <p:cNvPr id="29" name="Picture 28">
+                <a:extLst>
+                  <a:ext uri="{FF2B5EF4-FFF2-40B4-BE49-F238E27FC236}">
+                    <a16:creationId xmlns:a16="http://schemas.microsoft.com/office/drawing/2014/main" id="{AAA030B1-13C8-BADE-965A-A61275264051}"/>
+                  </a:ext>
+                </a:extLst>
+              </p:cNvPr>
+              <p:cNvPicPr>
+                <a:picLocks noChangeAspect="1"/>
+              </p:cNvPicPr>
+              <p:nvPr/>
+            </p:nvPicPr>
+            <p:blipFill rotWithShape="1">
+              <a:blip r:embed="rId7">
+                <a:extLst>
+                  <a:ext uri="{BEBA8EAE-BF5A-486C-A8C5-ECC9F3942E4B}">
+                    <a14:imgProps xmlns:a14="http://schemas.microsoft.com/office/drawing/2010/main">
+                      <a14:imgLayer r:embed="rId8">
+                        <a14:imgEffect>
+                          <a14:sharpenSoften amount="16000"/>
+                        </a14:imgEffect>
+                        <a14:imgEffect>
+                          <a14:brightnessContrast bright="35000" contrast="100000"/>
+                        </a14:imgEffect>
+                      </a14:imgLayer>
+                    </a14:imgProps>
+                  </a:ext>
+                </a:extLst>
+              </a:blip>
+              <a:srcRect l="27700" t="23144" r="51212" b="50925"/>
+              <a:stretch/>
+            </p:blipFill>
+            <p:spPr>
+              <a:xfrm>
+                <a:off x="9674006" y="2498609"/>
+                <a:ext cx="2376886" cy="2254586"/>
+              </a:xfrm>
+              <a:prstGeom prst="rect">
+                <a:avLst/>
+              </a:prstGeom>
+            </p:spPr>
+          </p:pic>
+          <p:sp>
+            <p:nvSpPr>
+              <p:cNvPr id="31" name="TextBox 30">
+                <a:extLst>
+                  <a:ext uri="{FF2B5EF4-FFF2-40B4-BE49-F238E27FC236}">
+                    <a16:creationId xmlns:a16="http://schemas.microsoft.com/office/drawing/2014/main" id="{FA579362-7E2E-B617-C24C-2926FC96B289}"/>
+                  </a:ext>
+                </a:extLst>
+              </p:cNvPr>
+              <p:cNvSpPr txBox="1"/>
+              <p:nvPr/>
+            </p:nvSpPr>
+            <p:spPr>
+              <a:xfrm>
+                <a:off x="7044116" y="1892029"/>
+                <a:ext cx="1947584" cy="584775"/>
+              </a:xfrm>
+              <a:prstGeom prst="rect">
+                <a:avLst/>
+              </a:prstGeom>
+              <a:noFill/>
+            </p:spPr>
+            <p:txBody>
+              <a:bodyPr wrap="none" rtlCol="0">
+                <a:spAutoFit/>
+              </a:bodyPr>
+              <a:lstStyle/>
+              <a:p>
+                <a:r>
+                  <a:rPr lang="de-DE" sz="1600" b="1" dirty="0"/>
+                  <a:t>After Edge Detection</a:t>
+                </a:r>
+              </a:p>
+              <a:p>
+                <a:r>
+                  <a:rPr lang="de-DE" sz="1600" b="1" dirty="0"/>
+                  <a:t>(Canny/Sobel/LoG)</a:t>
+                </a:r>
+                <a:endParaRPr lang="en-US" sz="1600" b="1" dirty="0"/>
+              </a:p>
+            </p:txBody>
+          </p:sp>
+          <p:sp>
+            <p:nvSpPr>
+              <p:cNvPr id="32" name="Arrow: Right 31">
+                <a:extLst>
+                  <a:ext uri="{FF2B5EF4-FFF2-40B4-BE49-F238E27FC236}">
+                    <a16:creationId xmlns:a16="http://schemas.microsoft.com/office/drawing/2014/main" id="{758E6DF9-BF8F-7781-B11C-4E0D2275008E}"/>
+                  </a:ext>
+                </a:extLst>
+              </p:cNvPr>
+              <p:cNvSpPr/>
+              <p:nvPr/>
+            </p:nvSpPr>
+            <p:spPr>
+              <a:xfrm>
+                <a:off x="3608041" y="3509058"/>
+                <a:ext cx="403220" cy="288038"/>
+              </a:xfrm>
+              <a:prstGeom prst="rightArrow">
+                <a:avLst/>
+              </a:prstGeom>
+              <a:solidFill>
+                <a:srgbClr val="C00000"/>
+              </a:solidFill>
+              <a:ln>
+                <a:solidFill>
+                  <a:srgbClr val="C00000"/>
+                </a:solidFill>
+              </a:ln>
+            </p:spPr>
+            <p:style>
+              <a:lnRef idx="2">
+                <a:schemeClr val="accent1">
+                  <a:shade val="50000"/>
+                </a:schemeClr>
+              </a:lnRef>
+              <a:fillRef idx="1">
+                <a:schemeClr val="accent1"/>
+              </a:fillRef>
+              <a:effectRef idx="0">
+                <a:schemeClr val="accent1"/>
+              </a:effectRef>
+              <a:fontRef idx="minor">
+                <a:schemeClr val="lt1"/>
+              </a:fontRef>
+            </p:style>
+            <p:txBody>
+              <a:bodyPr rtlCol="0" anchor="ctr"/>
+              <a:lstStyle/>
+              <a:p>
+                <a:pPr algn="ctr"/>
+                <a:endParaRPr lang="en-US"/>
+              </a:p>
+            </p:txBody>
+          </p:sp>
+          <p:sp>
+            <p:nvSpPr>
+              <p:cNvPr id="33" name="Arrow: Right 32">
+                <a:extLst>
+                  <a:ext uri="{FF2B5EF4-FFF2-40B4-BE49-F238E27FC236}">
+                    <a16:creationId xmlns:a16="http://schemas.microsoft.com/office/drawing/2014/main" id="{DF92EAFA-6E29-ACD8-882E-65E2C7CE6862}"/>
+                  </a:ext>
+                </a:extLst>
+              </p:cNvPr>
+              <p:cNvSpPr/>
+              <p:nvPr/>
+            </p:nvSpPr>
+            <p:spPr>
+              <a:xfrm>
+                <a:off x="6355710" y="3503180"/>
+                <a:ext cx="403220" cy="288038"/>
+              </a:xfrm>
+              <a:prstGeom prst="rightArrow">
+                <a:avLst/>
+              </a:prstGeom>
+              <a:solidFill>
+                <a:srgbClr val="C00000"/>
+              </a:solidFill>
+              <a:ln>
+                <a:solidFill>
+                  <a:srgbClr val="C00000"/>
+                </a:solidFill>
+              </a:ln>
+            </p:spPr>
+            <p:style>
+              <a:lnRef idx="2">
+                <a:schemeClr val="accent1">
+                  <a:shade val="50000"/>
+                </a:schemeClr>
+              </a:lnRef>
+              <a:fillRef idx="1">
+                <a:schemeClr val="accent1"/>
+              </a:fillRef>
+              <a:effectRef idx="0">
+                <a:schemeClr val="accent1"/>
+              </a:effectRef>
+              <a:fontRef idx="minor">
+                <a:schemeClr val="lt1"/>
+              </a:fontRef>
+            </p:style>
+            <p:txBody>
+              <a:bodyPr rtlCol="0" anchor="ctr"/>
+              <a:lstStyle/>
+              <a:p>
+                <a:pPr algn="ctr"/>
+                <a:endParaRPr lang="en-US"/>
+              </a:p>
+            </p:txBody>
+          </p:sp>
+          <p:cxnSp>
+            <p:nvCxnSpPr>
+              <p:cNvPr id="37" name="Straight Arrow Connector 36">
+                <a:extLst>
+                  <a:ext uri="{FF2B5EF4-FFF2-40B4-BE49-F238E27FC236}">
+                    <a16:creationId xmlns:a16="http://schemas.microsoft.com/office/drawing/2014/main" id="{D82CCF52-9D9A-39DA-3631-05F4DAB39E0F}"/>
+                  </a:ext>
+                </a:extLst>
+              </p:cNvPr>
+              <p:cNvCxnSpPr>
+                <a:cxnSpLocks/>
+              </p:cNvCxnSpPr>
+              <p:nvPr/>
+            </p:nvCxnSpPr>
+            <p:spPr>
+              <a:xfrm flipV="1">
+                <a:off x="10597059" y="3583860"/>
+                <a:ext cx="166566" cy="464094"/>
+              </a:xfrm>
+              <a:prstGeom prst="straightConnector1">
+                <a:avLst/>
+              </a:prstGeom>
+              <a:ln>
+                <a:solidFill>
+                  <a:schemeClr val="bg1"/>
+                </a:solidFill>
+                <a:tailEnd type="triangle"/>
+              </a:ln>
+            </p:spPr>
+            <p:style>
+              <a:lnRef idx="1">
+                <a:schemeClr val="accent1"/>
+              </a:lnRef>
+              <a:fillRef idx="0">
+                <a:schemeClr val="accent1"/>
+              </a:fillRef>
+              <a:effectRef idx="0">
+                <a:schemeClr val="accent1"/>
+              </a:effectRef>
+              <a:fontRef idx="minor">
+                <a:schemeClr val="tx1"/>
+              </a:fontRef>
+            </p:style>
+          </p:cxnSp>
+          <p:sp>
+            <p:nvSpPr>
+              <p:cNvPr id="39" name="TextBox 38">
+                <a:extLst>
+                  <a:ext uri="{FF2B5EF4-FFF2-40B4-BE49-F238E27FC236}">
+                    <a16:creationId xmlns:a16="http://schemas.microsoft.com/office/drawing/2014/main" id="{A099654A-3AA7-B3BC-4428-15188217858D}"/>
+                  </a:ext>
+                </a:extLst>
+              </p:cNvPr>
+              <p:cNvSpPr txBox="1"/>
+              <p:nvPr/>
+            </p:nvSpPr>
+            <p:spPr>
+              <a:xfrm>
+                <a:off x="9872805" y="3995404"/>
+                <a:ext cx="1511568" cy="276999"/>
+              </a:xfrm>
+              <a:prstGeom prst="rect">
+                <a:avLst/>
+              </a:prstGeom>
+              <a:noFill/>
+            </p:spPr>
+            <p:txBody>
+              <a:bodyPr wrap="none" rtlCol="0">
+                <a:spAutoFit/>
+              </a:bodyPr>
+              <a:lstStyle/>
+              <a:p>
+                <a:r>
+                  <a:rPr lang="de-DE" sz="1200" dirty="0">
+                    <a:solidFill>
+                      <a:schemeClr val="bg1"/>
+                    </a:solidFill>
+                  </a:rPr>
+                  <a:t>Cutting Line Segment</a:t>
+                </a:r>
+                <a:endParaRPr lang="en-US" sz="1200" dirty="0">
+                  <a:solidFill>
+                    <a:schemeClr val="bg1"/>
+                  </a:solidFill>
+                </a:endParaRPr>
+              </a:p>
+            </p:txBody>
+          </p:sp>
+          <p:sp>
+            <p:nvSpPr>
+              <p:cNvPr id="41" name="TextBox 40">
+                <a:extLst>
+                  <a:ext uri="{FF2B5EF4-FFF2-40B4-BE49-F238E27FC236}">
+                    <a16:creationId xmlns:a16="http://schemas.microsoft.com/office/drawing/2014/main" id="{3BBA8560-0131-5013-72C7-5CBADF1A22DF}"/>
+                  </a:ext>
+                </a:extLst>
+              </p:cNvPr>
+              <p:cNvSpPr txBox="1"/>
+              <p:nvPr/>
+            </p:nvSpPr>
+            <p:spPr>
+              <a:xfrm>
+                <a:off x="9837703" y="2138250"/>
+                <a:ext cx="1964705" cy="338554"/>
+              </a:xfrm>
+              <a:prstGeom prst="rect">
+                <a:avLst/>
+              </a:prstGeom>
+              <a:noFill/>
+            </p:spPr>
+            <p:txBody>
+              <a:bodyPr wrap="none" rtlCol="0">
+                <a:spAutoFit/>
+              </a:bodyPr>
+              <a:lstStyle/>
+              <a:p>
+                <a:r>
+                  <a:rPr lang="de-DE" sz="1600" b="1" dirty="0"/>
+                  <a:t>After AND Operation</a:t>
+                </a:r>
+                <a:endParaRPr lang="en-US" sz="1600" b="1" dirty="0"/>
+              </a:p>
+            </p:txBody>
+          </p:sp>
+          <p:sp>
+            <p:nvSpPr>
+              <p:cNvPr id="42" name="Oval 41">
+                <a:extLst>
+                  <a:ext uri="{FF2B5EF4-FFF2-40B4-BE49-F238E27FC236}">
+                    <a16:creationId xmlns:a16="http://schemas.microsoft.com/office/drawing/2014/main" id="{B1D92C31-FD98-26C0-F92D-B52FEF65E1ED}"/>
+                  </a:ext>
+                </a:extLst>
+              </p:cNvPr>
+              <p:cNvSpPr/>
+              <p:nvPr/>
+            </p:nvSpPr>
+            <p:spPr>
+              <a:xfrm>
+                <a:off x="7215673" y="3406600"/>
+                <a:ext cx="483476" cy="481198"/>
+              </a:xfrm>
+              <a:prstGeom prst="ellipse">
+                <a:avLst/>
+              </a:prstGeom>
+              <a:noFill/>
+              <a:ln>
+                <a:solidFill>
+                  <a:srgbClr val="FFFF00"/>
+                </a:solidFill>
+              </a:ln>
+            </p:spPr>
+            <p:style>
+              <a:lnRef idx="2">
+                <a:schemeClr val="accent1">
+                  <a:shade val="15000"/>
+                </a:schemeClr>
+              </a:lnRef>
+              <a:fillRef idx="1">
+                <a:schemeClr val="accent1"/>
+              </a:fillRef>
+              <a:effectRef idx="0">
+                <a:schemeClr val="accent1"/>
+              </a:effectRef>
+              <a:fontRef idx="minor">
+                <a:schemeClr val="lt1"/>
+              </a:fontRef>
+            </p:style>
+            <p:txBody>
+              <a:bodyPr rtlCol="0" anchor="ctr"/>
+              <a:lstStyle/>
+              <a:p>
+                <a:pPr algn="ctr"/>
+                <a:endParaRPr lang="en-US"/>
+              </a:p>
+            </p:txBody>
+          </p:sp>
+          <p:sp>
+            <p:nvSpPr>
+              <p:cNvPr id="45" name="Oval 44">
+                <a:extLst>
+                  <a:ext uri="{FF2B5EF4-FFF2-40B4-BE49-F238E27FC236}">
+                    <a16:creationId xmlns:a16="http://schemas.microsoft.com/office/drawing/2014/main" id="{6D46C216-1A4F-2B99-3303-ED8718CF0E88}"/>
+                  </a:ext>
+                </a:extLst>
+              </p:cNvPr>
+              <p:cNvSpPr/>
+              <p:nvPr/>
+            </p:nvSpPr>
+            <p:spPr>
+              <a:xfrm>
+                <a:off x="10521887" y="3334709"/>
+                <a:ext cx="483476" cy="481198"/>
+              </a:xfrm>
+              <a:prstGeom prst="ellipse">
+                <a:avLst/>
+              </a:prstGeom>
+              <a:noFill/>
+              <a:ln>
+                <a:solidFill>
+                  <a:srgbClr val="FFFF00"/>
+                </a:solidFill>
+              </a:ln>
+            </p:spPr>
+            <p:style>
+              <a:lnRef idx="2">
+                <a:schemeClr val="accent1">
+                  <a:shade val="15000"/>
+                </a:schemeClr>
+              </a:lnRef>
+              <a:fillRef idx="1">
+                <a:schemeClr val="accent1"/>
+              </a:fillRef>
+              <a:effectRef idx="0">
+                <a:schemeClr val="accent1"/>
+              </a:effectRef>
+              <a:fontRef idx="minor">
+                <a:schemeClr val="lt1"/>
+              </a:fontRef>
+            </p:style>
+            <p:txBody>
+              <a:bodyPr rtlCol="0" anchor="ctr"/>
+              <a:lstStyle/>
+              <a:p>
+                <a:pPr algn="ctr"/>
+                <a:endParaRPr lang="en-US"/>
+              </a:p>
+            </p:txBody>
+          </p:sp>
+          <p:sp>
+            <p:nvSpPr>
+              <p:cNvPr id="46" name="Arrow: Right 45">
+                <a:extLst>
+                  <a:ext uri="{FF2B5EF4-FFF2-40B4-BE49-F238E27FC236}">
+                    <a16:creationId xmlns:a16="http://schemas.microsoft.com/office/drawing/2014/main" id="{F4FB8ECE-2CAF-22B9-4994-729B1DC2EE23}"/>
+                  </a:ext>
+                </a:extLst>
+              </p:cNvPr>
+              <p:cNvSpPr/>
+              <p:nvPr/>
+            </p:nvSpPr>
+            <p:spPr>
+              <a:xfrm>
+                <a:off x="9202550" y="3503180"/>
+                <a:ext cx="403220" cy="288038"/>
+              </a:xfrm>
+              <a:prstGeom prst="rightArrow">
+                <a:avLst/>
+              </a:prstGeom>
+              <a:solidFill>
+                <a:srgbClr val="C00000"/>
+              </a:solidFill>
+              <a:ln>
+                <a:solidFill>
+                  <a:srgbClr val="C00000"/>
+                </a:solidFill>
+              </a:ln>
+            </p:spPr>
+            <p:style>
+              <a:lnRef idx="2">
+                <a:schemeClr val="accent1">
+                  <a:shade val="50000"/>
+                </a:schemeClr>
+              </a:lnRef>
+              <a:fillRef idx="1">
+                <a:schemeClr val="accent1"/>
+              </a:fillRef>
+              <a:effectRef idx="0">
+                <a:schemeClr val="accent1"/>
+              </a:effectRef>
+              <a:fontRef idx="minor">
+                <a:schemeClr val="lt1"/>
+              </a:fontRef>
+            </p:style>
+            <p:txBody>
+              <a:bodyPr rtlCol="0" anchor="ctr"/>
+              <a:lstStyle/>
+              <a:p>
+                <a:pPr algn="ctr"/>
+                <a:endParaRPr lang="en-US"/>
+              </a:p>
+            </p:txBody>
+          </p:sp>
+          <p:grpSp>
+            <p:nvGrpSpPr>
+              <p:cNvPr id="52" name="Group 51">
+                <a:extLst>
+                  <a:ext uri="{FF2B5EF4-FFF2-40B4-BE49-F238E27FC236}">
+                    <a16:creationId xmlns:a16="http://schemas.microsoft.com/office/drawing/2014/main" id="{0410FC72-2659-1AA2-7973-BBDDA1336BCE}"/>
+                  </a:ext>
+                </a:extLst>
+              </p:cNvPr>
+              <p:cNvGrpSpPr/>
+              <p:nvPr/>
+            </p:nvGrpSpPr>
+            <p:grpSpPr>
+              <a:xfrm>
+                <a:off x="288252" y="2037976"/>
+                <a:ext cx="3208434" cy="3198672"/>
+                <a:chOff x="288252" y="2037976"/>
+                <a:chExt cx="3208434" cy="3198672"/>
+              </a:xfrm>
+            </p:grpSpPr>
+            <p:pic>
+              <p:nvPicPr>
+                <p:cNvPr id="8" name="Picture 7" descr="A close-up of a plant&#10;&#10;Description automatically generated">
+                  <a:extLst>
+                    <a:ext uri="{FF2B5EF4-FFF2-40B4-BE49-F238E27FC236}">
+                      <a16:creationId xmlns:a16="http://schemas.microsoft.com/office/drawing/2014/main" id="{3A2E5C20-1058-02E9-81EB-27632CA32A36}"/>
+                    </a:ext>
+                  </a:extLst>
+                </p:cNvPr>
+                <p:cNvPicPr>
+                  <a:picLocks noChangeAspect="1"/>
+                </p:cNvPicPr>
+                <p:nvPr/>
+              </p:nvPicPr>
+              <p:blipFill rotWithShape="1">
+                <a:blip r:embed="rId9">
+                  <a:extLst>
+                    <a:ext uri="{28A0092B-C50C-407E-A947-70E740481C1C}">
+                      <a14:useLocalDpi xmlns:a14="http://schemas.microsoft.com/office/drawing/2010/main" val="0"/>
+                    </a:ext>
+                  </a:extLst>
+                </a:blip>
+                <a:srcRect l="25417" t="9167" r="42396" b="50000"/>
+                <a:stretch/>
+              </p:blipFill>
+              <p:spPr>
+                <a:xfrm>
+                  <a:off x="288252" y="2037976"/>
+                  <a:ext cx="3208434" cy="3198672"/>
+                </a:xfrm>
+                <a:prstGeom prst="rect">
+                  <a:avLst/>
+                </a:prstGeom>
+              </p:spPr>
+            </p:pic>
+            <mc:AlternateContent xmlns:mc="http://schemas.openxmlformats.org/markup-compatibility/2006">
+              <mc:Choice xmlns:p14="http://schemas.microsoft.com/office/powerpoint/2010/main" Requires="p14">
+                <p:contentPart p14:bwMode="auto" r:id="rId10">
+                  <p14:nvContentPartPr>
+                    <p14:cNvPr id="48" name="Ink 47">
+                      <a:extLst>
+                        <a:ext uri="{FF2B5EF4-FFF2-40B4-BE49-F238E27FC236}">
+                          <a16:creationId xmlns:a16="http://schemas.microsoft.com/office/drawing/2014/main" id="{CEF275CF-C933-4DED-61AD-0195EE026A0F}"/>
+                        </a:ext>
+                      </a:extLst>
+                    </p14:cNvPr>
+                    <p14:cNvContentPartPr/>
+                    <p14:nvPr/>
+                  </p14:nvContentPartPr>
+                  <p14:xfrm>
+                    <a:off x="1492353" y="4067230"/>
+                    <a:ext cx="360" cy="360"/>
+                  </p14:xfrm>
+                </p:contentPart>
+              </mc:Choice>
+              <mc:Fallback>
+                <p:pic>
+                  <p:nvPicPr>
+                    <p:cNvPr id="48" name="Ink 47">
+                      <a:extLst>
+                        <a:ext uri="{FF2B5EF4-FFF2-40B4-BE49-F238E27FC236}">
+                          <a16:creationId xmlns:a16="http://schemas.microsoft.com/office/drawing/2014/main" id="{CEF275CF-C933-4DED-61AD-0195EE026A0F}"/>
+                        </a:ext>
+                      </a:extLst>
+                    </p:cNvPr>
+                    <p:cNvPicPr/>
+                    <p:nvPr/>
+                  </p:nvPicPr>
+                  <p:blipFill>
+                    <a:blip r:embed="rId11"/>
+                    <a:stretch>
+                      <a:fillRect/>
+                    </a:stretch>
+                  </p:blipFill>
+                  <p:spPr>
+                    <a:xfrm>
+                      <a:off x="1474713" y="4049590"/>
+                      <a:ext cx="36000" cy="36000"/>
+                    </a:xfrm>
+                    <a:prstGeom prst="rect">
+                      <a:avLst/>
+                    </a:prstGeom>
+                  </p:spPr>
+                </p:pic>
+              </mc:Fallback>
+            </mc:AlternateContent>
+            <mc:AlternateContent xmlns:mc="http://schemas.openxmlformats.org/markup-compatibility/2006">
+              <mc:Choice xmlns:p14="http://schemas.microsoft.com/office/powerpoint/2010/main" Requires="p14">
+                <p:contentPart p14:bwMode="auto" r:id="rId12">
+                  <p14:nvContentPartPr>
+                    <p14:cNvPr id="49" name="Ink 48">
+                      <a:extLst>
+                        <a:ext uri="{FF2B5EF4-FFF2-40B4-BE49-F238E27FC236}">
+                          <a16:creationId xmlns:a16="http://schemas.microsoft.com/office/drawing/2014/main" id="{3F486E3F-F4F4-0007-711C-8ED75366409B}"/>
+                        </a:ext>
+                      </a:extLst>
+                    </p14:cNvPr>
+                    <p14:cNvContentPartPr/>
+                    <p14:nvPr/>
+                  </p14:nvContentPartPr>
+                  <p14:xfrm>
+                    <a:off x="1502793" y="4067230"/>
+                    <a:ext cx="360" cy="360"/>
+                  </p14:xfrm>
+                </p:contentPart>
+              </mc:Choice>
+              <mc:Fallback>
+                <p:pic>
+                  <p:nvPicPr>
+                    <p:cNvPr id="49" name="Ink 48">
+                      <a:extLst>
+                        <a:ext uri="{FF2B5EF4-FFF2-40B4-BE49-F238E27FC236}">
+                          <a16:creationId xmlns:a16="http://schemas.microsoft.com/office/drawing/2014/main" id="{3F486E3F-F4F4-0007-711C-8ED75366409B}"/>
+                        </a:ext>
+                      </a:extLst>
+                    </p:cNvPr>
+                    <p:cNvPicPr/>
+                    <p:nvPr/>
+                  </p:nvPicPr>
+                  <p:blipFill>
+                    <a:blip r:embed="rId11"/>
+                    <a:stretch>
+                      <a:fillRect/>
+                    </a:stretch>
+                  </p:blipFill>
+                  <p:spPr>
+                    <a:xfrm>
+                      <a:off x="1485153" y="4049590"/>
+                      <a:ext cx="36000" cy="36000"/>
+                    </a:xfrm>
+                    <a:prstGeom prst="rect">
+                      <a:avLst/>
+                    </a:prstGeom>
+                  </p:spPr>
+                </p:pic>
+              </mc:Fallback>
+            </mc:AlternateContent>
+            <mc:AlternateContent xmlns:mc="http://schemas.openxmlformats.org/markup-compatibility/2006">
+              <mc:Choice xmlns:p14="http://schemas.microsoft.com/office/powerpoint/2010/main" Requires="p14">
+                <p:contentPart p14:bwMode="auto" r:id="rId13">
+                  <p14:nvContentPartPr>
+                    <p14:cNvPr id="51" name="Ink 50">
+                      <a:extLst>
+                        <a:ext uri="{FF2B5EF4-FFF2-40B4-BE49-F238E27FC236}">
+                          <a16:creationId xmlns:a16="http://schemas.microsoft.com/office/drawing/2014/main" id="{0474F777-7E35-F865-BC85-0911E433E4AC}"/>
+                        </a:ext>
+                      </a:extLst>
+                    </p14:cNvPr>
+                    <p14:cNvContentPartPr/>
+                    <p14:nvPr/>
+                  </p14:nvContentPartPr>
+                  <p14:xfrm>
+                    <a:off x="1732473" y="2143750"/>
+                    <a:ext cx="62280" cy="85320"/>
+                  </p14:xfrm>
+                </p:contentPart>
+              </mc:Choice>
+              <mc:Fallback>
+                <p:pic>
+                  <p:nvPicPr>
+                    <p:cNvPr id="51" name="Ink 50">
+                      <a:extLst>
+                        <a:ext uri="{FF2B5EF4-FFF2-40B4-BE49-F238E27FC236}">
+                          <a16:creationId xmlns:a16="http://schemas.microsoft.com/office/drawing/2014/main" id="{0474F777-7E35-F865-BC85-0911E433E4AC}"/>
+                        </a:ext>
+                      </a:extLst>
+                    </p:cNvPr>
+                    <p:cNvPicPr/>
+                    <p:nvPr/>
+                  </p:nvPicPr>
+                  <p:blipFill>
+                    <a:blip r:embed="rId14"/>
+                    <a:stretch>
+                      <a:fillRect/>
+                    </a:stretch>
+                  </p:blipFill>
+                  <p:spPr>
+                    <a:xfrm>
+                      <a:off x="1669833" y="2081110"/>
+                      <a:ext cx="187920" cy="210960"/>
+                    </a:xfrm>
+                    <a:prstGeom prst="rect">
+                      <a:avLst/>
+                    </a:prstGeom>
+                  </p:spPr>
+                </p:pic>
+              </mc:Fallback>
+            </mc:AlternateContent>
+          </p:grpSp>
+        </p:grpSp>
+        <p:sp>
+          <p:nvSpPr>
+            <p:cNvPr id="54" name="TextBox 53">
+              <a:extLst>
+                <a:ext uri="{FF2B5EF4-FFF2-40B4-BE49-F238E27FC236}">
+                  <a16:creationId xmlns:a16="http://schemas.microsoft.com/office/drawing/2014/main" id="{8DB0520E-5AE1-83E9-DCB5-F7218F35E4DF}"/>
+                </a:ext>
+              </a:extLst>
+            </p:cNvPr>
+            <p:cNvSpPr txBox="1"/>
+            <p:nvPr/>
+          </p:nvSpPr>
+          <p:spPr>
+            <a:xfrm>
+              <a:off x="365022" y="1206979"/>
+              <a:ext cx="3054894" cy="830997"/>
+            </a:xfrm>
+            <a:prstGeom prst="rect">
+              <a:avLst/>
+            </a:prstGeom>
+            <a:noFill/>
+          </p:spPr>
+          <p:txBody>
+            <a:bodyPr wrap="square" rtlCol="0">
+              <a:spAutoFit/>
+            </a:bodyPr>
+            <a:lstStyle/>
+            <a:p>
+              <a:r>
+                <a:rPr lang="en-US" sz="1600" b="1" dirty="0"/>
+                <a:t>Combination of adjacent Sections  of the Plant (Second and Fifth Bounding Boxes are Considered)</a:t>
+              </a:r>
+            </a:p>
+          </p:txBody>
+        </p:sp>
+      </p:grpSp>
+    </p:spTree>
+    <p:extLst>
+      <p:ext uri="{BB962C8B-B14F-4D97-AF65-F5344CB8AC3E}">
+        <p14:creationId xmlns:p14="http://schemas.microsoft.com/office/powerpoint/2010/main" val="3455049763"/>
+      </p:ext>
+    </p:extLst>
+  </p:cSld>
+  <p:clrMapOvr>
+    <a:masterClrMapping/>
+  </p:clrMapOvr>
+</p:sld>
+</file>
+
+<file path=ppt/slides/slide17.xml><?xml version="1.0" encoding="utf-8"?>
+<p:sld xmlns:a="http://schemas.openxmlformats.org/drawingml/2006/main" xmlns:r="http://schemas.openxmlformats.org/officeDocument/2006/relationships" xmlns:p="http://schemas.openxmlformats.org/presentationml/2006/main">
+  <p:cSld>
+    <p:spTree>
+      <p:nvGrpSpPr>
+        <p:cNvPr id="1" name=""/>
+        <p:cNvGrpSpPr/>
+        <p:nvPr/>
+      </p:nvGrpSpPr>
+      <p:grpSpPr>
+        <a:xfrm>
+          <a:off x="0" y="0"/>
+          <a:ext cx="0" cy="0"/>
+          <a:chOff x="0" y="0"/>
+          <a:chExt cx="0" cy="0"/>
+        </a:xfrm>
+      </p:grpSpPr>
+      <p:pic>
+        <p:nvPicPr>
+          <p:cNvPr id="10" name="Picture 9" descr="A close-up of a plant&#10;&#10;Description automatically generated">
+            <a:extLst>
+              <a:ext uri="{FF2B5EF4-FFF2-40B4-BE49-F238E27FC236}">
+                <a16:creationId xmlns:a16="http://schemas.microsoft.com/office/drawing/2014/main" id="{2A5191FC-3D3B-DEC8-035D-2D969A6375C6}"/>
+              </a:ext>
+            </a:extLst>
+          </p:cNvPr>
+          <p:cNvPicPr>
+            <a:picLocks noChangeAspect="1"/>
+          </p:cNvPicPr>
+          <p:nvPr/>
+        </p:nvPicPr>
+        <p:blipFill rotWithShape="1">
+          <a:blip r:embed="rId2">
+            <a:extLst>
+              <a:ext uri="{28A0092B-C50C-407E-A947-70E740481C1C}">
+                <a14:useLocalDpi xmlns:a14="http://schemas.microsoft.com/office/drawing/2010/main" val="0"/>
+              </a:ext>
+            </a:extLst>
+          </a:blip>
+          <a:srcRect l="25417" t="9167" r="42396" b="50000"/>
+          <a:stretch/>
+        </p:blipFill>
+        <p:spPr>
+          <a:xfrm>
+            <a:off x="7247081" y="912114"/>
+            <a:ext cx="4745201" cy="4514850"/>
+          </a:xfrm>
+          <a:prstGeom prst="rect">
+            <a:avLst/>
+          </a:prstGeom>
+        </p:spPr>
+      </p:pic>
+    </p:spTree>
+    <p:extLst>
+      <p:ext uri="{BB962C8B-B14F-4D97-AF65-F5344CB8AC3E}">
+        <p14:creationId xmlns:p14="http://schemas.microsoft.com/office/powerpoint/2010/main" val="3367818681"/>
+      </p:ext>
+    </p:extLst>
+  </p:cSld>
+  <p:clrMapOvr>
+    <a:masterClrMapping/>
+  </p:clrMapOvr>
+</p:sld>
+</file>
+
+<file path=ppt/slides/slide18.xml><?xml version="1.0" encoding="utf-8"?>
+<p:sld xmlns:a="http://schemas.openxmlformats.org/drawingml/2006/main" xmlns:r="http://schemas.openxmlformats.org/officeDocument/2006/relationships" xmlns:p="http://schemas.openxmlformats.org/presentationml/2006/main">
+  <p:cSld>
+    <p:spTree>
+      <p:nvGrpSpPr>
+        <p:cNvPr id="1" name=""/>
+        <p:cNvGrpSpPr/>
+        <p:nvPr/>
+      </p:nvGrpSpPr>
+      <p:grpSpPr>
+        <a:xfrm>
+          <a:off x="0" y="0"/>
+          <a:ext cx="0" cy="0"/>
+          <a:chOff x="0" y="0"/>
+          <a:chExt cx="0" cy="0"/>
+        </a:xfrm>
+      </p:grpSpPr>
+    </p:spTree>
+    <p:extLst>
+      <p:ext uri="{BB962C8B-B14F-4D97-AF65-F5344CB8AC3E}">
+        <p14:creationId xmlns:p14="http://schemas.microsoft.com/office/powerpoint/2010/main" val="1074118034"/>
       </p:ext>
     </p:extLst>
   </p:cSld>
